--- a/История_России_образовательный_бот_презентация.pptx
+++ b/История_России_образовательный_бот_презентация.pptx
@@ -3494,6 +3494,30 @@
           <a:p/>
         </p:txBody>
       </p:sp>
+      <p:pic>
+        <p:nvPicPr>
+          <p:cNvPr id="4" name="Picture 3" descr="проектная_презентация.jpg"/>
+          <p:cNvPicPr>
+            <a:picLocks noChangeAspect="1"/>
+          </p:cNvPicPr>
+          <p:nvPr/>
+        </p:nvPicPr>
+        <p:blipFill>
+          <a:blip r:embed="rId2"/>
+          <a:stretch>
+            <a:fillRect/>
+          </a:stretch>
+        </p:blipFill>
+        <p:spPr>
+          <a:xfrm>
+            <a:off x="2743200" y="2286000"/>
+            <a:ext cx="3657600" cy="3657600"/>
+          </a:xfrm>
+          <a:prstGeom prst="rect">
+            <a:avLst/>
+          </a:prstGeom>
+        </p:spPr>
+      </p:pic>
     </p:spTree>
   </p:cSld>
   <p:clrMapOvr>
@@ -3631,6 +3655,30 @@
           <a:p/>
         </p:txBody>
       </p:sp>
+      <p:pic>
+        <p:nvPicPr>
+          <p:cNvPr id="4" name="Picture 3" descr="проектная_презентация.jpg"/>
+          <p:cNvPicPr>
+            <a:picLocks noChangeAspect="1"/>
+          </p:cNvPicPr>
+          <p:nvPr/>
+        </p:nvPicPr>
+        <p:blipFill>
+          <a:blip r:embed="rId2"/>
+          <a:stretch>
+            <a:fillRect/>
+          </a:stretch>
+        </p:blipFill>
+        <p:spPr>
+          <a:xfrm>
+            <a:off x="2743200" y="2286000"/>
+            <a:ext cx="3657600" cy="3657600"/>
+          </a:xfrm>
+          <a:prstGeom prst="rect">
+            <a:avLst/>
+          </a:prstGeom>
+        </p:spPr>
+      </p:pic>
     </p:spTree>
   </p:cSld>
   <p:clrMapOvr>
@@ -3768,6 +3816,30 @@
           <a:p/>
         </p:txBody>
       </p:sp>
+      <p:pic>
+        <p:nvPicPr>
+          <p:cNvPr id="4" name="Picture 3" descr="проектная_презентация.jpg"/>
+          <p:cNvPicPr>
+            <a:picLocks noChangeAspect="1"/>
+          </p:cNvPicPr>
+          <p:nvPr/>
+        </p:nvPicPr>
+        <p:blipFill>
+          <a:blip r:embed="rId2"/>
+          <a:stretch>
+            <a:fillRect/>
+          </a:stretch>
+        </p:blipFill>
+        <p:spPr>
+          <a:xfrm>
+            <a:off x="2743200" y="2286000"/>
+            <a:ext cx="3657600" cy="3657600"/>
+          </a:xfrm>
+          <a:prstGeom prst="rect">
+            <a:avLst/>
+          </a:prstGeom>
+        </p:spPr>
+      </p:pic>
     </p:spTree>
   </p:cSld>
   <p:clrMapOvr>
@@ -3905,6 +3977,30 @@
           <a:p/>
         </p:txBody>
       </p:sp>
+      <p:pic>
+        <p:nvPicPr>
+          <p:cNvPr id="4" name="Picture 3" descr="проектная_презентация.jpg"/>
+          <p:cNvPicPr>
+            <a:picLocks noChangeAspect="1"/>
+          </p:cNvPicPr>
+          <p:nvPr/>
+        </p:nvPicPr>
+        <p:blipFill>
+          <a:blip r:embed="rId2"/>
+          <a:stretch>
+            <a:fillRect/>
+          </a:stretch>
+        </p:blipFill>
+        <p:spPr>
+          <a:xfrm>
+            <a:off x="2743200" y="2286000"/>
+            <a:ext cx="3657600" cy="3657600"/>
+          </a:xfrm>
+          <a:prstGeom prst="rect">
+            <a:avLst/>
+          </a:prstGeom>
+        </p:spPr>
+      </p:pic>
     </p:spTree>
   </p:cSld>
   <p:clrMapOvr>
@@ -4036,6 +4132,30 @@
           <a:p/>
         </p:txBody>
       </p:sp>
+      <p:pic>
+        <p:nvPicPr>
+          <p:cNvPr id="4" name="Picture 3" descr="проектная_презентация.jpg"/>
+          <p:cNvPicPr>
+            <a:picLocks noChangeAspect="1"/>
+          </p:cNvPicPr>
+          <p:nvPr/>
+        </p:nvPicPr>
+        <p:blipFill>
+          <a:blip r:embed="rId2"/>
+          <a:stretch>
+            <a:fillRect/>
+          </a:stretch>
+        </p:blipFill>
+        <p:spPr>
+          <a:xfrm>
+            <a:off x="2743200" y="2286000"/>
+            <a:ext cx="3657600" cy="3657600"/>
+          </a:xfrm>
+          <a:prstGeom prst="rect">
+            <a:avLst/>
+          </a:prstGeom>
+        </p:spPr>
+      </p:pic>
     </p:spTree>
   </p:cSld>
   <p:clrMapOvr>
@@ -4092,6 +4212,30 @@
           <a:p/>
         </p:txBody>
       </p:sp>
+      <p:pic>
+        <p:nvPicPr>
+          <p:cNvPr id="4" name="Picture 3" descr="проектная_презентация.jpg"/>
+          <p:cNvPicPr>
+            <a:picLocks noChangeAspect="1"/>
+          </p:cNvPicPr>
+          <p:nvPr/>
+        </p:nvPicPr>
+        <p:blipFill>
+          <a:blip r:embed="rId2"/>
+          <a:stretch>
+            <a:fillRect/>
+          </a:stretch>
+        </p:blipFill>
+        <p:spPr>
+          <a:xfrm>
+            <a:off x="2743200" y="2286000"/>
+            <a:ext cx="3657600" cy="3657600"/>
+          </a:xfrm>
+          <a:prstGeom prst="rect">
+            <a:avLst/>
+          </a:prstGeom>
+        </p:spPr>
+      </p:pic>
     </p:spTree>
   </p:cSld>
   <p:clrMapOvr>
@@ -4214,6 +4358,30 @@
           <a:p/>
         </p:txBody>
       </p:sp>
+      <p:pic>
+        <p:nvPicPr>
+          <p:cNvPr id="4" name="Picture 3" descr="проектная_презентация.jpg"/>
+          <p:cNvPicPr>
+            <a:picLocks noChangeAspect="1"/>
+          </p:cNvPicPr>
+          <p:nvPr/>
+        </p:nvPicPr>
+        <p:blipFill>
+          <a:blip r:embed="rId2"/>
+          <a:stretch>
+            <a:fillRect/>
+          </a:stretch>
+        </p:blipFill>
+        <p:spPr>
+          <a:xfrm>
+            <a:off x="2743200" y="2286000"/>
+            <a:ext cx="3657600" cy="3657600"/>
+          </a:xfrm>
+          <a:prstGeom prst="rect">
+            <a:avLst/>
+          </a:prstGeom>
+        </p:spPr>
+      </p:pic>
     </p:spTree>
   </p:cSld>
   <p:clrMapOvr>
@@ -4351,6 +4519,30 @@
           <a:p/>
         </p:txBody>
       </p:sp>
+      <p:pic>
+        <p:nvPicPr>
+          <p:cNvPr id="4" name="Picture 3" descr="проектная_презентация.jpg"/>
+          <p:cNvPicPr>
+            <a:picLocks noChangeAspect="1"/>
+          </p:cNvPicPr>
+          <p:nvPr/>
+        </p:nvPicPr>
+        <p:blipFill>
+          <a:blip r:embed="rId2"/>
+          <a:stretch>
+            <a:fillRect/>
+          </a:stretch>
+        </p:blipFill>
+        <p:spPr>
+          <a:xfrm>
+            <a:off x="2743200" y="2286000"/>
+            <a:ext cx="3657600" cy="3657600"/>
+          </a:xfrm>
+          <a:prstGeom prst="rect">
+            <a:avLst/>
+          </a:prstGeom>
+        </p:spPr>
+      </p:pic>
     </p:spTree>
   </p:cSld>
   <p:clrMapOvr>
@@ -4488,6 +4680,30 @@
           <a:p/>
         </p:txBody>
       </p:sp>
+      <p:pic>
+        <p:nvPicPr>
+          <p:cNvPr id="4" name="Picture 3" descr="проектная_презентация.jpg"/>
+          <p:cNvPicPr>
+            <a:picLocks noChangeAspect="1"/>
+          </p:cNvPicPr>
+          <p:nvPr/>
+        </p:nvPicPr>
+        <p:blipFill>
+          <a:blip r:embed="rId2"/>
+          <a:stretch>
+            <a:fillRect/>
+          </a:stretch>
+        </p:blipFill>
+        <p:spPr>
+          <a:xfrm>
+            <a:off x="2743200" y="2286000"/>
+            <a:ext cx="3657600" cy="3657600"/>
+          </a:xfrm>
+          <a:prstGeom prst="rect">
+            <a:avLst/>
+          </a:prstGeom>
+        </p:spPr>
+      </p:pic>
     </p:spTree>
   </p:cSld>
   <p:clrMapOvr>
@@ -4625,6 +4841,30 @@
           <a:p/>
         </p:txBody>
       </p:sp>
+      <p:pic>
+        <p:nvPicPr>
+          <p:cNvPr id="4" name="Picture 3" descr="проектная_презентация.jpg"/>
+          <p:cNvPicPr>
+            <a:picLocks noChangeAspect="1"/>
+          </p:cNvPicPr>
+          <p:nvPr/>
+        </p:nvPicPr>
+        <p:blipFill>
+          <a:blip r:embed="rId2"/>
+          <a:stretch>
+            <a:fillRect/>
+          </a:stretch>
+        </p:blipFill>
+        <p:spPr>
+          <a:xfrm>
+            <a:off x="2743200" y="2286000"/>
+            <a:ext cx="3657600" cy="3657600"/>
+          </a:xfrm>
+          <a:prstGeom prst="rect">
+            <a:avLst/>
+          </a:prstGeom>
+        </p:spPr>
+      </p:pic>
     </p:spTree>
   </p:cSld>
   <p:clrMapOvr>
@@ -4756,6 +4996,30 @@
           <a:p/>
         </p:txBody>
       </p:sp>
+      <p:pic>
+        <p:nvPicPr>
+          <p:cNvPr id="4" name="Picture 3" descr="проектная_презентация.jpg"/>
+          <p:cNvPicPr>
+            <a:picLocks noChangeAspect="1"/>
+          </p:cNvPicPr>
+          <p:nvPr/>
+        </p:nvPicPr>
+        <p:blipFill>
+          <a:blip r:embed="rId2"/>
+          <a:stretch>
+            <a:fillRect/>
+          </a:stretch>
+        </p:blipFill>
+        <p:spPr>
+          <a:xfrm>
+            <a:off x="2743200" y="2286000"/>
+            <a:ext cx="3657600" cy="3657600"/>
+          </a:xfrm>
+          <a:prstGeom prst="rect">
+            <a:avLst/>
+          </a:prstGeom>
+        </p:spPr>
+      </p:pic>
     </p:spTree>
   </p:cSld>
   <p:clrMapOvr>
@@ -4964,6 +5228,30 @@
           <a:p/>
         </p:txBody>
       </p:sp>
+      <p:pic>
+        <p:nvPicPr>
+          <p:cNvPr id="4" name="Picture 3" descr="проектная_презентация.jpg"/>
+          <p:cNvPicPr>
+            <a:picLocks noChangeAspect="1"/>
+          </p:cNvPicPr>
+          <p:nvPr/>
+        </p:nvPicPr>
+        <p:blipFill>
+          <a:blip r:embed="rId2"/>
+          <a:stretch>
+            <a:fillRect/>
+          </a:stretch>
+        </p:blipFill>
+        <p:spPr>
+          <a:xfrm>
+            <a:off x="2743200" y="2286000"/>
+            <a:ext cx="3657600" cy="3657600"/>
+          </a:xfrm>
+          <a:prstGeom prst="rect">
+            <a:avLst/>
+          </a:prstGeom>
+        </p:spPr>
+      </p:pic>
     </p:spTree>
   </p:cSld>
   <p:clrMapOvr>
@@ -5101,6 +5389,30 @@
           <a:p/>
         </p:txBody>
       </p:sp>
+      <p:pic>
+        <p:nvPicPr>
+          <p:cNvPr id="4" name="Picture 3" descr="проектная_презентация.jpg"/>
+          <p:cNvPicPr>
+            <a:picLocks noChangeAspect="1"/>
+          </p:cNvPicPr>
+          <p:nvPr/>
+        </p:nvPicPr>
+        <p:blipFill>
+          <a:blip r:embed="rId2"/>
+          <a:stretch>
+            <a:fillRect/>
+          </a:stretch>
+        </p:blipFill>
+        <p:spPr>
+          <a:xfrm>
+            <a:off x="2743200" y="2286000"/>
+            <a:ext cx="3657600" cy="3657600"/>
+          </a:xfrm>
+          <a:prstGeom prst="rect">
+            <a:avLst/>
+          </a:prstGeom>
+        </p:spPr>
+      </p:pic>
     </p:spTree>
   </p:cSld>
   <p:clrMapOvr>
@@ -5238,6 +5550,30 @@
           <a:p/>
         </p:txBody>
       </p:sp>
+      <p:pic>
+        <p:nvPicPr>
+          <p:cNvPr id="4" name="Picture 3" descr="проектная_презентация.jpg"/>
+          <p:cNvPicPr>
+            <a:picLocks noChangeAspect="1"/>
+          </p:cNvPicPr>
+          <p:nvPr/>
+        </p:nvPicPr>
+        <p:blipFill>
+          <a:blip r:embed="rId2"/>
+          <a:stretch>
+            <a:fillRect/>
+          </a:stretch>
+        </p:blipFill>
+        <p:spPr>
+          <a:xfrm>
+            <a:off x="2743200" y="2286000"/>
+            <a:ext cx="3657600" cy="3657600"/>
+          </a:xfrm>
+          <a:prstGeom prst="rect">
+            <a:avLst/>
+          </a:prstGeom>
+        </p:spPr>
+      </p:pic>
     </p:spTree>
   </p:cSld>
   <p:clrMapOvr>
@@ -5375,6 +5711,30 @@
           <a:p/>
         </p:txBody>
       </p:sp>
+      <p:pic>
+        <p:nvPicPr>
+          <p:cNvPr id="4" name="Picture 3" descr="проектная_презентация.jpg"/>
+          <p:cNvPicPr>
+            <a:picLocks noChangeAspect="1"/>
+          </p:cNvPicPr>
+          <p:nvPr/>
+        </p:nvPicPr>
+        <p:blipFill>
+          <a:blip r:embed="rId2"/>
+          <a:stretch>
+            <a:fillRect/>
+          </a:stretch>
+        </p:blipFill>
+        <p:spPr>
+          <a:xfrm>
+            <a:off x="2743200" y="2286000"/>
+            <a:ext cx="3657600" cy="3657600"/>
+          </a:xfrm>
+          <a:prstGeom prst="rect">
+            <a:avLst/>
+          </a:prstGeom>
+        </p:spPr>
+      </p:pic>
     </p:spTree>
   </p:cSld>
   <p:clrMapOvr>
@@ -5506,6 +5866,30 @@
           <a:p/>
         </p:txBody>
       </p:sp>
+      <p:pic>
+        <p:nvPicPr>
+          <p:cNvPr id="4" name="Picture 3" descr="проектная_презентация.jpg"/>
+          <p:cNvPicPr>
+            <a:picLocks noChangeAspect="1"/>
+          </p:cNvPicPr>
+          <p:nvPr/>
+        </p:nvPicPr>
+        <p:blipFill>
+          <a:blip r:embed="rId2"/>
+          <a:stretch>
+            <a:fillRect/>
+          </a:stretch>
+        </p:blipFill>
+        <p:spPr>
+          <a:xfrm>
+            <a:off x="2743200" y="2286000"/>
+            <a:ext cx="3657600" cy="3657600"/>
+          </a:xfrm>
+          <a:prstGeom prst="rect">
+            <a:avLst/>
+          </a:prstGeom>
+        </p:spPr>
+      </p:pic>
     </p:spTree>
   </p:cSld>
   <p:clrMapOvr>
@@ -5562,6 +5946,30 @@
           <a:p/>
         </p:txBody>
       </p:sp>
+      <p:pic>
+        <p:nvPicPr>
+          <p:cNvPr id="4" name="Picture 3" descr="проектная_презентация.jpg"/>
+          <p:cNvPicPr>
+            <a:picLocks noChangeAspect="1"/>
+          </p:cNvPicPr>
+          <p:nvPr/>
+        </p:nvPicPr>
+        <p:blipFill>
+          <a:blip r:embed="rId2"/>
+          <a:stretch>
+            <a:fillRect/>
+          </a:stretch>
+        </p:blipFill>
+        <p:spPr>
+          <a:xfrm>
+            <a:off x="2743200" y="2286000"/>
+            <a:ext cx="3657600" cy="3657600"/>
+          </a:xfrm>
+          <a:prstGeom prst="rect">
+            <a:avLst/>
+          </a:prstGeom>
+        </p:spPr>
+      </p:pic>
     </p:spTree>
   </p:cSld>
   <p:clrMapOvr>
@@ -5678,6 +6086,30 @@
           <a:p/>
         </p:txBody>
       </p:sp>
+      <p:pic>
+        <p:nvPicPr>
+          <p:cNvPr id="4" name="Picture 3" descr="проектная_презентация.jpg"/>
+          <p:cNvPicPr>
+            <a:picLocks noChangeAspect="1"/>
+          </p:cNvPicPr>
+          <p:nvPr/>
+        </p:nvPicPr>
+        <p:blipFill>
+          <a:blip r:embed="rId2"/>
+          <a:stretch>
+            <a:fillRect/>
+          </a:stretch>
+        </p:blipFill>
+        <p:spPr>
+          <a:xfrm>
+            <a:off x="2743200" y="2286000"/>
+            <a:ext cx="3657600" cy="3657600"/>
+          </a:xfrm>
+          <a:prstGeom prst="rect">
+            <a:avLst/>
+          </a:prstGeom>
+        </p:spPr>
+      </p:pic>
     </p:spTree>
   </p:cSld>
   <p:clrMapOvr>
@@ -5809,6 +6241,30 @@
           <a:p/>
         </p:txBody>
       </p:sp>
+      <p:pic>
+        <p:nvPicPr>
+          <p:cNvPr id="4" name="Picture 3" descr="проектная_презентация.jpg"/>
+          <p:cNvPicPr>
+            <a:picLocks noChangeAspect="1"/>
+          </p:cNvPicPr>
+          <p:nvPr/>
+        </p:nvPicPr>
+        <p:blipFill>
+          <a:blip r:embed="rId2"/>
+          <a:stretch>
+            <a:fillRect/>
+          </a:stretch>
+        </p:blipFill>
+        <p:spPr>
+          <a:xfrm>
+            <a:off x="2743200" y="2286000"/>
+            <a:ext cx="3657600" cy="3657600"/>
+          </a:xfrm>
+          <a:prstGeom prst="rect">
+            <a:avLst/>
+          </a:prstGeom>
+        </p:spPr>
+      </p:pic>
     </p:spTree>
   </p:cSld>
   <p:clrMapOvr>
@@ -5946,6 +6402,30 @@
           <a:p/>
         </p:txBody>
       </p:sp>
+      <p:pic>
+        <p:nvPicPr>
+          <p:cNvPr id="4" name="Picture 3" descr="проектная_презентация.jpg"/>
+          <p:cNvPicPr>
+            <a:picLocks noChangeAspect="1"/>
+          </p:cNvPicPr>
+          <p:nvPr/>
+        </p:nvPicPr>
+        <p:blipFill>
+          <a:blip r:embed="rId2"/>
+          <a:stretch>
+            <a:fillRect/>
+          </a:stretch>
+        </p:blipFill>
+        <p:spPr>
+          <a:xfrm>
+            <a:off x="2743200" y="2286000"/>
+            <a:ext cx="3657600" cy="3657600"/>
+          </a:xfrm>
+          <a:prstGeom prst="rect">
+            <a:avLst/>
+          </a:prstGeom>
+        </p:spPr>
+      </p:pic>
     </p:spTree>
   </p:cSld>
   <p:clrMapOvr>
@@ -6077,6 +6557,30 @@
           <a:p/>
         </p:txBody>
       </p:sp>
+      <p:pic>
+        <p:nvPicPr>
+          <p:cNvPr id="4" name="Picture 3" descr="проектная_презентация.jpg"/>
+          <p:cNvPicPr>
+            <a:picLocks noChangeAspect="1"/>
+          </p:cNvPicPr>
+          <p:nvPr/>
+        </p:nvPicPr>
+        <p:blipFill>
+          <a:blip r:embed="rId2"/>
+          <a:stretch>
+            <a:fillRect/>
+          </a:stretch>
+        </p:blipFill>
+        <p:spPr>
+          <a:xfrm>
+            <a:off x="2743200" y="2286000"/>
+            <a:ext cx="3657600" cy="3657600"/>
+          </a:xfrm>
+          <a:prstGeom prst="rect">
+            <a:avLst/>
+          </a:prstGeom>
+        </p:spPr>
+      </p:pic>
     </p:spTree>
   </p:cSld>
   <p:clrMapOvr>
@@ -6193,6 +6697,30 @@
           <a:p/>
         </p:txBody>
       </p:sp>
+      <p:pic>
+        <p:nvPicPr>
+          <p:cNvPr id="4" name="Picture 3" descr="проектная_презентация.jpg"/>
+          <p:cNvPicPr>
+            <a:picLocks noChangeAspect="1"/>
+          </p:cNvPicPr>
+          <p:nvPr/>
+        </p:nvPicPr>
+        <p:blipFill>
+          <a:blip r:embed="rId2"/>
+          <a:stretch>
+            <a:fillRect/>
+          </a:stretch>
+        </p:blipFill>
+        <p:spPr>
+          <a:xfrm>
+            <a:off x="2743200" y="2286000"/>
+            <a:ext cx="3657600" cy="3657600"/>
+          </a:xfrm>
+          <a:prstGeom prst="rect">
+            <a:avLst/>
+          </a:prstGeom>
+        </p:spPr>
+      </p:pic>
     </p:spTree>
   </p:cSld>
   <p:clrMapOvr>
@@ -6410,6 +6938,30 @@
           <a:p/>
         </p:txBody>
       </p:sp>
+      <p:pic>
+        <p:nvPicPr>
+          <p:cNvPr id="4" name="Picture 3" descr="проектная_презентация.jpg"/>
+          <p:cNvPicPr>
+            <a:picLocks noChangeAspect="1"/>
+          </p:cNvPicPr>
+          <p:nvPr/>
+        </p:nvPicPr>
+        <p:blipFill>
+          <a:blip r:embed="rId2"/>
+          <a:stretch>
+            <a:fillRect/>
+          </a:stretch>
+        </p:blipFill>
+        <p:spPr>
+          <a:xfrm>
+            <a:off x="2743200" y="2286000"/>
+            <a:ext cx="3657600" cy="3657600"/>
+          </a:xfrm>
+          <a:prstGeom prst="rect">
+            <a:avLst/>
+          </a:prstGeom>
+        </p:spPr>
+      </p:pic>
     </p:spTree>
   </p:cSld>
   <p:clrMapOvr>
@@ -6547,6 +7099,30 @@
           <a:p/>
         </p:txBody>
       </p:sp>
+      <p:pic>
+        <p:nvPicPr>
+          <p:cNvPr id="4" name="Picture 3" descr="проектная_презентация.jpg"/>
+          <p:cNvPicPr>
+            <a:picLocks noChangeAspect="1"/>
+          </p:cNvPicPr>
+          <p:nvPr/>
+        </p:nvPicPr>
+        <p:blipFill>
+          <a:blip r:embed="rId2"/>
+          <a:stretch>
+            <a:fillRect/>
+          </a:stretch>
+        </p:blipFill>
+        <p:spPr>
+          <a:xfrm>
+            <a:off x="2743200" y="2286000"/>
+            <a:ext cx="3657600" cy="3657600"/>
+          </a:xfrm>
+          <a:prstGeom prst="rect">
+            <a:avLst/>
+          </a:prstGeom>
+        </p:spPr>
+      </p:pic>
     </p:spTree>
   </p:cSld>
   <p:clrMapOvr>
@@ -6678,6 +7254,30 @@
           <a:p/>
         </p:txBody>
       </p:sp>
+      <p:pic>
+        <p:nvPicPr>
+          <p:cNvPr id="4" name="Picture 3" descr="проектная_презентация.jpg"/>
+          <p:cNvPicPr>
+            <a:picLocks noChangeAspect="1"/>
+          </p:cNvPicPr>
+          <p:nvPr/>
+        </p:nvPicPr>
+        <p:blipFill>
+          <a:blip r:embed="rId2"/>
+          <a:stretch>
+            <a:fillRect/>
+          </a:stretch>
+        </p:blipFill>
+        <p:spPr>
+          <a:xfrm>
+            <a:off x="2743200" y="2286000"/>
+            <a:ext cx="3657600" cy="3657600"/>
+          </a:xfrm>
+          <a:prstGeom prst="rect">
+            <a:avLst/>
+          </a:prstGeom>
+        </p:spPr>
+      </p:pic>
     </p:spTree>
   </p:cSld>
   <p:clrMapOvr>
@@ -6917,2848 +7517,9 @@
           <a:p/>
         </p:txBody>
       </p:sp>
-    </p:spTree>
-  </p:cSld>
-  <p:clrMapOvr>
-    <a:masterClrMapping/>
-  </p:clrMapOvr>
-</p:sld>
-</file>
-
-<file path=ppt/slides/slide16.xml><?xml version="1.0" encoding="utf-8"?>
-<p:sld xmlns:a="http://schemas.openxmlformats.org/drawingml/2006/main" xmlns:p="http://schemas.openxmlformats.org/presentationml/2006/main" xmlns:r="http://schemas.openxmlformats.org/officeDocument/2006/relationships">
-  <p:cSld>
-    <p:spTree>
-      <p:nvGrpSpPr>
-        <p:cNvPr id="1" name=""/>
-        <p:cNvGrpSpPr/>
-        <p:nvPr/>
-      </p:nvGrpSpPr>
-      <p:grpSpPr/>
-      <p:sp>
-        <p:nvSpPr>
-          <p:cNvPr id="2" name="Title 1"/>
-          <p:cNvSpPr>
-            <a:spLocks noGrp="1"/>
-          </p:cNvSpPr>
-          <p:nvPr>
-            <p:ph type="title"/>
-          </p:nvPr>
-        </p:nvSpPr>
-        <p:spPr/>
-        <p:txBody>
-          <a:bodyPr/>
-          <a:lstStyle/>
-          <a:p>
-            <a:r>
-              <a:t>Ключевые компоненты</a:t>
-            </a:r>
-          </a:p>
-        </p:txBody>
-      </p:sp>
-      <p:sp>
-        <p:nvSpPr>
-          <p:cNvPr id="3" name="Content Placeholder 2"/>
-          <p:cNvSpPr>
-            <a:spLocks noGrp="1"/>
-          </p:cNvSpPr>
-          <p:nvPr>
-            <p:ph idx="1"/>
-          </p:nvPr>
-        </p:nvSpPr>
-        <p:spPr/>
-        <p:txBody>
-          <a:bodyPr/>
-          <a:lstStyle/>
-          <a:p>
-            <a:r>
-              <a:t>#</a:t>
-            </a:r>
-          </a:p>
-        </p:txBody>
-      </p:sp>
-    </p:spTree>
-  </p:cSld>
-  <p:clrMapOvr>
-    <a:masterClrMapping/>
-  </p:clrMapOvr>
-</p:sld>
-</file>
-
-<file path=ppt/slides/slide17.xml><?xml version="1.0" encoding="utf-8"?>
-<p:sld xmlns:a="http://schemas.openxmlformats.org/drawingml/2006/main" xmlns:p="http://schemas.openxmlformats.org/presentationml/2006/main" xmlns:r="http://schemas.openxmlformats.org/officeDocument/2006/relationships">
-  <p:cSld>
-    <p:spTree>
-      <p:nvGrpSpPr>
-        <p:cNvPr id="1" name=""/>
-        <p:cNvGrpSpPr/>
-        <p:nvPr/>
-      </p:nvGrpSpPr>
-      <p:grpSpPr/>
-      <p:sp>
-        <p:nvSpPr>
-          <p:cNvPr id="2" name="Title 1"/>
-          <p:cNvSpPr>
-            <a:spLocks noGrp="1"/>
-          </p:cNvSpPr>
-          <p:nvPr>
-            <p:ph type="title"/>
-          </p:nvPr>
-        </p:nvSpPr>
-        <p:spPr/>
-        <p:txBody>
-          <a:bodyPr/>
-          <a:lstStyle/>
-          <a:p>
-            <a:r>
-              <a:t>1. Bot Core (src/bot.py)</a:t>
-            </a:r>
-          </a:p>
-        </p:txBody>
-      </p:sp>
-      <p:sp>
-        <p:nvSpPr>
-          <p:cNvPr id="3" name="Text Placeholder 2"/>
-          <p:cNvSpPr>
-            <a:spLocks noGrp="1"/>
-          </p:cNvSpPr>
-          <p:nvPr>
-            <p:ph type="body" idx="1"/>
-          </p:nvPr>
-        </p:nvSpPr>
-        <p:spPr/>
-        <p:txBody>
-          <a:bodyPr/>
-          <a:lstStyle/>
-          <a:p/>
-        </p:txBody>
-      </p:sp>
-    </p:spTree>
-  </p:cSld>
-  <p:clrMapOvr>
-    <a:masterClrMapping/>
-  </p:clrMapOvr>
-</p:sld>
-</file>
-
-<file path=ppt/slides/slide18.xml><?xml version="1.0" encoding="utf-8"?>
-<p:sld xmlns:a="http://schemas.openxmlformats.org/drawingml/2006/main" xmlns:p="http://schemas.openxmlformats.org/presentationml/2006/main" xmlns:r="http://schemas.openxmlformats.org/officeDocument/2006/relationships">
-  <p:cSld>
-    <p:spTree>
-      <p:nvGrpSpPr>
-        <p:cNvPr id="1" name=""/>
-        <p:cNvGrpSpPr/>
-        <p:nvPr/>
-      </p:nvGrpSpPr>
-      <p:grpSpPr/>
-      <p:sp>
-        <p:nvSpPr>
-          <p:cNvPr id="2" name="Title 1"/>
-          <p:cNvSpPr>
-            <a:spLocks noGrp="1"/>
-          </p:cNvSpPr>
-          <p:nvPr>
-            <p:ph type="title"/>
-          </p:nvPr>
-        </p:nvSpPr>
-        <p:spPr/>
-        <p:txBody>
-          <a:bodyPr/>
-          <a:lstStyle/>
-          <a:p>
-            <a:r>
-              <a:t>1. Bot Core (src/bot.py)</a:t>
-            </a:r>
-          </a:p>
-        </p:txBody>
-      </p:sp>
-      <p:sp>
-        <p:nvSpPr>
-          <p:cNvPr id="3" name="Content Placeholder 2"/>
-          <p:cNvSpPr>
-            <a:spLocks noGrp="1"/>
-          </p:cNvSpPr>
-          <p:nvPr>
-            <p:ph idx="1"/>
-          </p:nvPr>
-        </p:nvSpPr>
-        <p:spPr/>
-        <p:txBody>
-          <a:bodyPr/>
-          <a:lstStyle/>
-          <a:p>
-            <a:r>
-              <a:t>Центральный компонент системы, отвечающий за инициализацию и настройку бота,</a:t>
-            </a:r>
-          </a:p>
-          <a:p>
-            <a:r>
-              <a:t>обработку команд и управление жизненным циклом приложения.</a:t>
-            </a:r>
-          </a:p>
-          <a:p/>
-          <a:p>
-            <a:r>
-              <a:t>Основные функции: \- Инициализация бота и диспетчера сообщений \- Настройка</a:t>
-            </a:r>
-          </a:p>
-          <a:p>
-            <a:r>
-              <a:t>обработчиков команд и состояний \- Управление подключением к Telegram API \-</a:t>
-            </a:r>
-          </a:p>
-          <a:p>
-            <a:r>
-              <a:t>Запуск и остановка бота \- Запуск веб-сервера для административной панели</a:t>
-            </a:r>
-          </a:p>
-          <a:p/>
-          <a:p>
-            <a:r>
-              <a:t>#</a:t>
-            </a:r>
-          </a:p>
-        </p:txBody>
-      </p:sp>
-    </p:spTree>
-  </p:cSld>
-  <p:clrMapOvr>
-    <a:masterClrMapping/>
-  </p:clrMapOvr>
-</p:sld>
-</file>
-
-<file path=ppt/slides/slide19.xml><?xml version="1.0" encoding="utf-8"?>
-<p:sld xmlns:a="http://schemas.openxmlformats.org/drawingml/2006/main" xmlns:p="http://schemas.openxmlformats.org/presentationml/2006/main" xmlns:r="http://schemas.openxmlformats.org/officeDocument/2006/relationships">
-  <p:cSld>
-    <p:spTree>
-      <p:nvGrpSpPr>
-        <p:cNvPr id="1" name=""/>
-        <p:cNvGrpSpPr/>
-        <p:nvPr/>
-      </p:nvGrpSpPr>
-      <p:grpSpPr/>
-      <p:sp>
-        <p:nvSpPr>
-          <p:cNvPr id="2" name="Title 1"/>
-          <p:cNvSpPr>
-            <a:spLocks noGrp="1"/>
-          </p:cNvSpPr>
-          <p:nvPr>
-            <p:ph type="title"/>
-          </p:nvPr>
-        </p:nvSpPr>
-        <p:spPr/>
-        <p:txBody>
-          <a:bodyPr/>
-          <a:lstStyle/>
-          <a:p>
-            <a:r>
-              <a:t>2. Command Handlers (src/handlers.py)</a:t>
-            </a:r>
-          </a:p>
-        </p:txBody>
-      </p:sp>
-      <p:sp>
-        <p:nvSpPr>
-          <p:cNvPr id="3" name="Text Placeholder 2"/>
-          <p:cNvSpPr>
-            <a:spLocks noGrp="1"/>
-          </p:cNvSpPr>
-          <p:nvPr>
-            <p:ph type="body" idx="1"/>
-          </p:nvPr>
-        </p:nvSpPr>
-        <p:spPr/>
-        <p:txBody>
-          <a:bodyPr/>
-          <a:lstStyle/>
-          <a:p/>
-        </p:txBody>
-      </p:sp>
-    </p:spTree>
-  </p:cSld>
-  <p:clrMapOvr>
-    <a:masterClrMapping/>
-  </p:clrMapOvr>
-</p:sld>
-</file>
-
-<file path=ppt/slides/slide2.xml><?xml version="1.0" encoding="utf-8"?>
-<p:sld xmlns:a="http://schemas.openxmlformats.org/drawingml/2006/main" xmlns:p="http://schemas.openxmlformats.org/presentationml/2006/main" xmlns:r="http://schemas.openxmlformats.org/officeDocument/2006/relationships">
-  <p:cSld>
-    <p:spTree>
-      <p:nvGrpSpPr>
-        <p:cNvPr id="1" name=""/>
-        <p:cNvGrpSpPr/>
-        <p:nvPr/>
-      </p:nvGrpSpPr>
-      <p:grpSpPr/>
-      <p:sp>
-        <p:nvSpPr>
-          <p:cNvPr id="2" name="Title 1"/>
-          <p:cNvSpPr>
-            <a:spLocks noGrp="1"/>
-          </p:cNvSpPr>
-          <p:nvPr>
-            <p:ph type="title"/>
-          </p:nvPr>
-        </p:nvSpPr>
-        <p:spPr/>
-        <p:txBody>
-          <a:bodyPr/>
-          <a:lstStyle/>
-          <a:p>
-            <a:r>
-              <a:t>Содержание</a:t>
-            </a:r>
-          </a:p>
-        </p:txBody>
-      </p:sp>
-      <p:sp>
-        <p:nvSpPr>
-          <p:cNvPr id="3" name="Content Placeholder 2"/>
-          <p:cNvSpPr>
-            <a:spLocks noGrp="1"/>
-          </p:cNvSpPr>
-          <p:nvPr>
-            <p:ph idx="1"/>
-          </p:nvPr>
-        </p:nvSpPr>
-        <p:spPr/>
-        <p:txBody>
-          <a:bodyPr/>
-          <a:lstStyle/>
-          <a:p/>
-        </p:txBody>
-      </p:sp>
-    </p:spTree>
-  </p:cSld>
-  <p:clrMapOvr>
-    <a:masterClrMapping/>
-  </p:clrMapOvr>
-</p:sld>
-</file>
-
-<file path=ppt/slides/slide20.xml><?xml version="1.0" encoding="utf-8"?>
-<p:sld xmlns:a="http://schemas.openxmlformats.org/drawingml/2006/main" xmlns:p="http://schemas.openxmlformats.org/presentationml/2006/main" xmlns:r="http://schemas.openxmlformats.org/officeDocument/2006/relationships">
-  <p:cSld>
-    <p:spTree>
-      <p:nvGrpSpPr>
-        <p:cNvPr id="1" name=""/>
-        <p:cNvGrpSpPr/>
-        <p:nvPr/>
-      </p:nvGrpSpPr>
-      <p:grpSpPr/>
-      <p:sp>
-        <p:nvSpPr>
-          <p:cNvPr id="2" name="Title 1"/>
-          <p:cNvSpPr>
-            <a:spLocks noGrp="1"/>
-          </p:cNvSpPr>
-          <p:nvPr>
-            <p:ph type="title"/>
-          </p:nvPr>
-        </p:nvSpPr>
-        <p:spPr/>
-        <p:txBody>
-          <a:bodyPr/>
-          <a:lstStyle/>
-          <a:p>
-            <a:r>
-              <a:t>2. Command Handlers (src/handlers.py)</a:t>
-            </a:r>
-          </a:p>
-        </p:txBody>
-      </p:sp>
-      <p:sp>
-        <p:nvSpPr>
-          <p:cNvPr id="3" name="Content Placeholder 2"/>
-          <p:cNvSpPr>
-            <a:spLocks noGrp="1"/>
-          </p:cNvSpPr>
-          <p:nvPr>
-            <p:ph idx="1"/>
-          </p:nvPr>
-        </p:nvSpPr>
-        <p:spPr/>
-        <p:txBody>
-          <a:bodyPr/>
-          <a:lstStyle/>
-          <a:p>
-            <a:r>
-              <a:t>Компонент для обработки команд и сообщений пользователя, реализующий основную</a:t>
-            </a:r>
-          </a:p>
-          <a:p>
-            <a:r>
-              <a:t>бизнес-логику взаимодействия.</a:t>
-            </a:r>
-          </a:p>
-          <a:p/>
-          <a:p>
-            <a:r>
-              <a:t>Основные функции: \- Обработка команды /start и формирование приветственного</a:t>
-            </a:r>
-          </a:p>
-          <a:p>
-            <a:r>
-              <a:t>сообщения \- Обработка нажатий на кнопки и выбора тем \- Управление</a:t>
-            </a:r>
-          </a:p>
-          <a:p>
-            <a:r>
-              <a:t>тестированием и проверкой ответов \- Обработка режима беседы об истории России</a:t>
-            </a:r>
-          </a:p>
-          <a:p>
-            <a:r>
-              <a:t>\- Взаимодействие с историческими картами и визуализациями \- Управление</a:t>
-            </a:r>
-          </a:p>
-          <a:p>
-            <a:r>
-              <a:t>аналитическими функциями</a:t>
-            </a:r>
-          </a:p>
-          <a:p/>
-          <a:p>
-            <a:r>
-              <a:t>#</a:t>
-            </a:r>
-          </a:p>
-        </p:txBody>
-      </p:sp>
-    </p:spTree>
-  </p:cSld>
-  <p:clrMapOvr>
-    <a:masterClrMapping/>
-  </p:clrMapOvr>
-</p:sld>
-</file>
-
-<file path=ppt/slides/slide21.xml><?xml version="1.0" encoding="utf-8"?>
-<p:sld xmlns:a="http://schemas.openxmlformats.org/drawingml/2006/main" xmlns:p="http://schemas.openxmlformats.org/presentationml/2006/main" xmlns:r="http://schemas.openxmlformats.org/officeDocument/2006/relationships">
-  <p:cSld>
-    <p:spTree>
-      <p:nvGrpSpPr>
-        <p:cNvPr id="1" name=""/>
-        <p:cNvGrpSpPr/>
-        <p:nvPr/>
-      </p:nvGrpSpPr>
-      <p:grpSpPr/>
-      <p:sp>
-        <p:nvSpPr>
-          <p:cNvPr id="2" name="Title 1"/>
-          <p:cNvSpPr>
-            <a:spLocks noGrp="1"/>
-          </p:cNvSpPr>
-          <p:nvPr>
-            <p:ph type="title"/>
-          </p:nvPr>
-        </p:nvSpPr>
-        <p:spPr/>
-        <p:txBody>
-          <a:bodyPr/>
-          <a:lstStyle/>
-          <a:p>
-            <a:r>
-              <a:t>3. Content Service (src/content_service.py)</a:t>
-            </a:r>
-          </a:p>
-        </p:txBody>
-      </p:sp>
-      <p:sp>
-        <p:nvSpPr>
-          <p:cNvPr id="3" name="Text Placeholder 2"/>
-          <p:cNvSpPr>
-            <a:spLocks noGrp="1"/>
-          </p:cNvSpPr>
-          <p:nvPr>
-            <p:ph type="body" idx="1"/>
-          </p:nvPr>
-        </p:nvSpPr>
-        <p:spPr/>
-        <p:txBody>
-          <a:bodyPr/>
-          <a:lstStyle/>
-          <a:p/>
-        </p:txBody>
-      </p:sp>
-    </p:spTree>
-  </p:cSld>
-  <p:clrMapOvr>
-    <a:masterClrMapping/>
-  </p:clrMapOvr>
-</p:sld>
-</file>
-
-<file path=ppt/slides/slide22.xml><?xml version="1.0" encoding="utf-8"?>
-<p:sld xmlns:a="http://schemas.openxmlformats.org/drawingml/2006/main" xmlns:p="http://schemas.openxmlformats.org/presentationml/2006/main" xmlns:r="http://schemas.openxmlformats.org/officeDocument/2006/relationships">
-  <p:cSld>
-    <p:spTree>
-      <p:nvGrpSpPr>
-        <p:cNvPr id="1" name=""/>
-        <p:cNvGrpSpPr/>
-        <p:nvPr/>
-      </p:nvGrpSpPr>
-      <p:grpSpPr/>
-      <p:sp>
-        <p:nvSpPr>
-          <p:cNvPr id="2" name="Title 1"/>
-          <p:cNvSpPr>
-            <a:spLocks noGrp="1"/>
-          </p:cNvSpPr>
-          <p:nvPr>
-            <p:ph type="title"/>
-          </p:nvPr>
-        </p:nvSpPr>
-        <p:spPr/>
-        <p:txBody>
-          <a:bodyPr/>
-          <a:lstStyle/>
-          <a:p>
-            <a:r>
-              <a:t>3. Content Service (src/content_service.py)</a:t>
-            </a:r>
-          </a:p>
-        </p:txBody>
-      </p:sp>
-      <p:sp>
-        <p:nvSpPr>
-          <p:cNvPr id="3" name="Content Placeholder 2"/>
-          <p:cNvSpPr>
-            <a:spLocks noGrp="1"/>
-          </p:cNvSpPr>
-          <p:nvPr>
-            <p:ph idx="1"/>
-          </p:nvPr>
-        </p:nvSpPr>
-        <p:spPr/>
-        <p:txBody>
-          <a:bodyPr/>
-          <a:lstStyle/>
-          <a:p>
-            <a:r>
-              <a:t>Сервис для генерации и управления образовательным контентом.</a:t>
-            </a:r>
-          </a:p>
-          <a:p/>
-          <a:p>
-            <a:r>
-              <a:t>Основные функции: \- Получение и структурирование исторических тем \-</a:t>
-            </a:r>
-          </a:p>
-          <a:p>
-            <a:r>
-              <a:t>Генерация информации по темам \- Валидация исторических запросов \- Управление</a:t>
-            </a:r>
-          </a:p>
-          <a:p>
-            <a:r>
-              <a:t>локальной базой данных исторических событий \- Интеграция с API Gemini для</a:t>
-            </a:r>
-          </a:p>
-          <a:p>
-            <a:r>
-              <a:t>получения контента</a:t>
-            </a:r>
-          </a:p>
-          <a:p/>
-          <a:p>
-            <a:r>
-              <a:t>#</a:t>
-            </a:r>
-          </a:p>
-        </p:txBody>
-      </p:sp>
-    </p:spTree>
-  </p:cSld>
-  <p:clrMapOvr>
-    <a:masterClrMapping/>
-  </p:clrMapOvr>
-</p:sld>
-</file>
-
-<file path=ppt/slides/slide23.xml><?xml version="1.0" encoding="utf-8"?>
-<p:sld xmlns:a="http://schemas.openxmlformats.org/drawingml/2006/main" xmlns:p="http://schemas.openxmlformats.org/presentationml/2006/main" xmlns:r="http://schemas.openxmlformats.org/officeDocument/2006/relationships">
-  <p:cSld>
-    <p:spTree>
-      <p:nvGrpSpPr>
-        <p:cNvPr id="1" name=""/>
-        <p:cNvGrpSpPr/>
-        <p:nvPr/>
-      </p:nvGrpSpPr>
-      <p:grpSpPr/>
-      <p:sp>
-        <p:nvSpPr>
-          <p:cNvPr id="2" name="Title 1"/>
-          <p:cNvSpPr>
-            <a:spLocks noGrp="1"/>
-          </p:cNvSpPr>
-          <p:nvPr>
-            <p:ph type="title"/>
-          </p:nvPr>
-        </p:nvSpPr>
-        <p:spPr/>
-        <p:txBody>
-          <a:bodyPr/>
-          <a:lstStyle/>
-          <a:p>
-            <a:r>
-              <a:t>4. API Client (src/api_client.py)</a:t>
-            </a:r>
-          </a:p>
-        </p:txBody>
-      </p:sp>
-      <p:sp>
-        <p:nvSpPr>
-          <p:cNvPr id="3" name="Text Placeholder 2"/>
-          <p:cNvSpPr>
-            <a:spLocks noGrp="1"/>
-          </p:cNvSpPr>
-          <p:nvPr>
-            <p:ph type="body" idx="1"/>
-          </p:nvPr>
-        </p:nvSpPr>
-        <p:spPr/>
-        <p:txBody>
-          <a:bodyPr/>
-          <a:lstStyle/>
-          <a:p/>
-        </p:txBody>
-      </p:sp>
-    </p:spTree>
-  </p:cSld>
-  <p:clrMapOvr>
-    <a:masterClrMapping/>
-  </p:clrMapOvr>
-</p:sld>
-</file>
-
-<file path=ppt/slides/slide24.xml><?xml version="1.0" encoding="utf-8"?>
-<p:sld xmlns:a="http://schemas.openxmlformats.org/drawingml/2006/main" xmlns:p="http://schemas.openxmlformats.org/presentationml/2006/main" xmlns:r="http://schemas.openxmlformats.org/officeDocument/2006/relationships">
-  <p:cSld>
-    <p:spTree>
-      <p:nvGrpSpPr>
-        <p:cNvPr id="1" name=""/>
-        <p:cNvGrpSpPr/>
-        <p:nvPr/>
-      </p:nvGrpSpPr>
-      <p:grpSpPr/>
-      <p:sp>
-        <p:nvSpPr>
-          <p:cNvPr id="2" name="Title 1"/>
-          <p:cNvSpPr>
-            <a:spLocks noGrp="1"/>
-          </p:cNvSpPr>
-          <p:nvPr>
-            <p:ph type="title"/>
-          </p:nvPr>
-        </p:nvSpPr>
-        <p:spPr/>
-        <p:txBody>
-          <a:bodyPr/>
-          <a:lstStyle/>
-          <a:p>
-            <a:r>
-              <a:t>4. API Client (src/api_client.py)</a:t>
-            </a:r>
-          </a:p>
-        </p:txBody>
-      </p:sp>
-      <p:sp>
-        <p:nvSpPr>
-          <p:cNvPr id="3" name="Content Placeholder 2"/>
-          <p:cNvSpPr>
-            <a:spLocks noGrp="1"/>
-          </p:cNvSpPr>
-          <p:nvPr>
-            <p:ph idx="1"/>
-          </p:nvPr>
-        </p:nvSpPr>
-        <p:spPr/>
-        <p:txBody>
-          <a:bodyPr/>
-          <a:lstStyle/>
-          <a:p>
-            <a:r>
-              <a:t>Клиент для взаимодействия с внешними API (в первую очередь Google Gemini API).</a:t>
-            </a:r>
-          </a:p>
-          <a:p/>
-          <a:p>
-            <a:r>
-              <a:t>Основные функции: \- Формирование запросов к API с оптимальными параметрами \-</a:t>
-            </a:r>
-          </a:p>
-          <a:p>
-            <a:r>
-              <a:t>Обработка ответов от API \- Валидация исторических тем \- Генерация</a:t>
-            </a:r>
-          </a:p>
-          <a:p>
-            <a:r>
-              <a:t>исторических тестов \- Система повторных попыток при ошибках</a:t>
-            </a:r>
-          </a:p>
-          <a:p/>
-          <a:p>
-            <a:r>
-              <a:t>#</a:t>
-            </a:r>
-          </a:p>
-        </p:txBody>
-      </p:sp>
-    </p:spTree>
-  </p:cSld>
-  <p:clrMapOvr>
-    <a:masterClrMapping/>
-  </p:clrMapOvr>
-</p:sld>
-</file>
-
-<file path=ppt/slides/slide25.xml><?xml version="1.0" encoding="utf-8"?>
-<p:sld xmlns:a="http://schemas.openxmlformats.org/drawingml/2006/main" xmlns:p="http://schemas.openxmlformats.org/presentationml/2006/main" xmlns:r="http://schemas.openxmlformats.org/officeDocument/2006/relationships">
-  <p:cSld>
-    <p:spTree>
-      <p:nvGrpSpPr>
-        <p:cNvPr id="1" name=""/>
-        <p:cNvGrpSpPr/>
-        <p:nvPr/>
-      </p:nvGrpSpPr>
-      <p:grpSpPr/>
-      <p:sp>
-        <p:nvSpPr>
-          <p:cNvPr id="2" name="Title 1"/>
-          <p:cNvSpPr>
-            <a:spLocks noGrp="1"/>
-          </p:cNvSpPr>
-          <p:nvPr>
-            <p:ph type="title"/>
-          </p:nvPr>
-        </p:nvSpPr>
-        <p:spPr/>
-        <p:txBody>
-          <a:bodyPr/>
-          <a:lstStyle/>
-          <a:p>
-            <a:r>
-              <a:t>5. History Map Service (src/history_map.py)</a:t>
-            </a:r>
-          </a:p>
-        </p:txBody>
-      </p:sp>
-      <p:sp>
-        <p:nvSpPr>
-          <p:cNvPr id="3" name="Text Placeholder 2"/>
-          <p:cNvSpPr>
-            <a:spLocks noGrp="1"/>
-          </p:cNvSpPr>
-          <p:nvPr>
-            <p:ph type="body" idx="1"/>
-          </p:nvPr>
-        </p:nvSpPr>
-        <p:spPr/>
-        <p:txBody>
-          <a:bodyPr/>
-          <a:lstStyle/>
-          <a:p/>
-        </p:txBody>
-      </p:sp>
-    </p:spTree>
-  </p:cSld>
-  <p:clrMapOvr>
-    <a:masterClrMapping/>
-  </p:clrMapOvr>
-</p:sld>
-</file>
-
-<file path=ppt/slides/slide26.xml><?xml version="1.0" encoding="utf-8"?>
-<p:sld xmlns:a="http://schemas.openxmlformats.org/drawingml/2006/main" xmlns:p="http://schemas.openxmlformats.org/presentationml/2006/main" xmlns:r="http://schemas.openxmlformats.org/officeDocument/2006/relationships">
-  <p:cSld>
-    <p:spTree>
-      <p:nvGrpSpPr>
-        <p:cNvPr id="1" name=""/>
-        <p:cNvGrpSpPr/>
-        <p:nvPr/>
-      </p:nvGrpSpPr>
-      <p:grpSpPr/>
-      <p:sp>
-        <p:nvSpPr>
-          <p:cNvPr id="2" name="Title 1"/>
-          <p:cNvSpPr>
-            <a:spLocks noGrp="1"/>
-          </p:cNvSpPr>
-          <p:nvPr>
-            <p:ph type="title"/>
-          </p:nvPr>
-        </p:nvSpPr>
-        <p:spPr/>
-        <p:txBody>
-          <a:bodyPr/>
-          <a:lstStyle/>
-          <a:p>
-            <a:r>
-              <a:t>5. History Map Service (src/history_map.py)</a:t>
-            </a:r>
-          </a:p>
-        </p:txBody>
-      </p:sp>
-      <p:sp>
-        <p:nvSpPr>
-          <p:cNvPr id="3" name="Content Placeholder 2"/>
-          <p:cNvSpPr>
-            <a:spLocks noGrp="1"/>
-          </p:cNvSpPr>
-          <p:nvPr>
-            <p:ph idx="1"/>
-          </p:nvPr>
-        </p:nvSpPr>
-        <p:spPr/>
-        <p:txBody>
-          <a:bodyPr/>
-          <a:lstStyle/>
-          <a:p>
-            <a:r>
-              <a:t>Сервис для создания и управления историческими картами и визуализациями.</a:t>
-            </a:r>
-          </a:p>
-          <a:p/>
-          <a:p>
-            <a:r>
-              <a:t>Основные функции: \- Генерация интерактивных карт исторических событий \-</a:t>
-            </a:r>
-          </a:p>
-          <a:p>
-            <a:r>
-              <a:t>Создание временных линий для визуализации исторических периодов \-</a:t>
-            </a:r>
-          </a:p>
-          <a:p>
-            <a:r>
-              <a:t>Визуализация изменений границ государств \- Связывание географических данных с</a:t>
-            </a:r>
-          </a:p>
-          <a:p>
-            <a:r>
-              <a:t>историческим контекстом</a:t>
-            </a:r>
-          </a:p>
-          <a:p/>
-          <a:p>
-            <a:r>
-              <a:t>#</a:t>
-            </a:r>
-          </a:p>
-        </p:txBody>
-      </p:sp>
-    </p:spTree>
-  </p:cSld>
-  <p:clrMapOvr>
-    <a:masterClrMapping/>
-  </p:clrMapOvr>
-</p:sld>
-</file>
-
-<file path=ppt/slides/slide27.xml><?xml version="1.0" encoding="utf-8"?>
-<p:sld xmlns:a="http://schemas.openxmlformats.org/drawingml/2006/main" xmlns:p="http://schemas.openxmlformats.org/presentationml/2006/main" xmlns:r="http://schemas.openxmlformats.org/officeDocument/2006/relationships">
-  <p:cSld>
-    <p:spTree>
-      <p:nvGrpSpPr>
-        <p:cNvPr id="1" name=""/>
-        <p:cNvGrpSpPr/>
-        <p:nvPr/>
-      </p:nvGrpSpPr>
-      <p:grpSpPr/>
-      <p:sp>
-        <p:nvSpPr>
-          <p:cNvPr id="2" name="Title 1"/>
-          <p:cNvSpPr>
-            <a:spLocks noGrp="1"/>
-          </p:cNvSpPr>
-          <p:nvPr>
-            <p:ph type="title"/>
-          </p:nvPr>
-        </p:nvSpPr>
-        <p:spPr/>
-        <p:txBody>
-          <a:bodyPr/>
-          <a:lstStyle/>
-          <a:p>
-            <a:r>
-              <a:t>6. Analytics Service (src/analytics.py)</a:t>
-            </a:r>
-          </a:p>
-        </p:txBody>
-      </p:sp>
-      <p:sp>
-        <p:nvSpPr>
-          <p:cNvPr id="3" name="Text Placeholder 2"/>
-          <p:cNvSpPr>
-            <a:spLocks noGrp="1"/>
-          </p:cNvSpPr>
-          <p:nvPr>
-            <p:ph type="body" idx="1"/>
-          </p:nvPr>
-        </p:nvSpPr>
-        <p:spPr/>
-        <p:txBody>
-          <a:bodyPr/>
-          <a:lstStyle/>
-          <a:p/>
-        </p:txBody>
-      </p:sp>
-    </p:spTree>
-  </p:cSld>
-  <p:clrMapOvr>
-    <a:masterClrMapping/>
-  </p:clrMapOvr>
-</p:sld>
-</file>
-
-<file path=ppt/slides/slide28.xml><?xml version="1.0" encoding="utf-8"?>
-<p:sld xmlns:a="http://schemas.openxmlformats.org/drawingml/2006/main" xmlns:p="http://schemas.openxmlformats.org/presentationml/2006/main" xmlns:r="http://schemas.openxmlformats.org/officeDocument/2006/relationships">
-  <p:cSld>
-    <p:spTree>
-      <p:nvGrpSpPr>
-        <p:cNvPr id="1" name=""/>
-        <p:cNvGrpSpPr/>
-        <p:nvPr/>
-      </p:nvGrpSpPr>
-      <p:grpSpPr/>
-      <p:sp>
-        <p:nvSpPr>
-          <p:cNvPr id="2" name="Title 1"/>
-          <p:cNvSpPr>
-            <a:spLocks noGrp="1"/>
-          </p:cNvSpPr>
-          <p:nvPr>
-            <p:ph type="title"/>
-          </p:nvPr>
-        </p:nvSpPr>
-        <p:spPr/>
-        <p:txBody>
-          <a:bodyPr/>
-          <a:lstStyle/>
-          <a:p>
-            <a:r>
-              <a:t>6. Analytics Service (src/analytics.py)</a:t>
-            </a:r>
-          </a:p>
-        </p:txBody>
-      </p:sp>
-      <p:sp>
-        <p:nvSpPr>
-          <p:cNvPr id="3" name="Content Placeholder 2"/>
-          <p:cNvSpPr>
-            <a:spLocks noGrp="1"/>
-          </p:cNvSpPr>
-          <p:nvPr>
-            <p:ph idx="1"/>
-          </p:nvPr>
-        </p:nvSpPr>
-        <p:spPr/>
-        <p:txBody>
-          <a:bodyPr/>
-          <a:lstStyle/>
-          <a:p>
-            <a:r>
-              <a:t>Сервис для сбора и анализа образовательных данных.</a:t>
-            </a:r>
-          </a:p>
-          <a:p/>
-          <a:p>
-            <a:r>
-              <a:t>Основные функции: \- Отслеживание изученных тем и результатов тестов \- Анализ</a:t>
-            </a:r>
-          </a:p>
-          <a:p>
-            <a:r>
-              <a:t>успеваемости пользователей \- Формирование персонализированных рекомендаций \-</a:t>
-            </a:r>
-          </a:p>
-          <a:p>
-            <a:r>
-              <a:t>Сбор статистики использования бота \- Анализ популярных тем и вопросов</a:t>
-            </a:r>
-          </a:p>
-          <a:p/>
-          <a:p>
-            <a:r>
-              <a:t>#</a:t>
-            </a:r>
-          </a:p>
-        </p:txBody>
-      </p:sp>
-    </p:spTree>
-  </p:cSld>
-  <p:clrMapOvr>
-    <a:masterClrMapping/>
-  </p:clrMapOvr>
-</p:sld>
-</file>
-
-<file path=ppt/slides/slide29.xml><?xml version="1.0" encoding="utf-8"?>
-<p:sld xmlns:a="http://schemas.openxmlformats.org/drawingml/2006/main" xmlns:p="http://schemas.openxmlformats.org/presentationml/2006/main" xmlns:r="http://schemas.openxmlformats.org/officeDocument/2006/relationships">
-  <p:cSld>
-    <p:spTree>
-      <p:nvGrpSpPr>
-        <p:cNvPr id="1" name=""/>
-        <p:cNvGrpSpPr/>
-        <p:nvPr/>
-      </p:nvGrpSpPr>
-      <p:grpSpPr/>
-      <p:sp>
-        <p:nvSpPr>
-          <p:cNvPr id="2" name="Title 1"/>
-          <p:cNvSpPr>
-            <a:spLocks noGrp="1"/>
-          </p:cNvSpPr>
-          <p:nvPr>
-            <p:ph type="title"/>
-          </p:nvPr>
-        </p:nvSpPr>
-        <p:spPr/>
-        <p:txBody>
-          <a:bodyPr/>
-          <a:lstStyle/>
-          <a:p>
-            <a:r>
-              <a:t>7. UI Manager (src/ui_manager.py)</a:t>
-            </a:r>
-          </a:p>
-        </p:txBody>
-      </p:sp>
-      <p:sp>
-        <p:nvSpPr>
-          <p:cNvPr id="3" name="Text Placeholder 2"/>
-          <p:cNvSpPr>
-            <a:spLocks noGrp="1"/>
-          </p:cNvSpPr>
-          <p:nvPr>
-            <p:ph type="body" idx="1"/>
-          </p:nvPr>
-        </p:nvSpPr>
-        <p:spPr/>
-        <p:txBody>
-          <a:bodyPr/>
-          <a:lstStyle/>
-          <a:p/>
-        </p:txBody>
-      </p:sp>
-    </p:spTree>
-  </p:cSld>
-  <p:clrMapOvr>
-    <a:masterClrMapping/>
-  </p:clrMapOvr>
-</p:sld>
-</file>
-
-<file path=ppt/slides/slide3.xml><?xml version="1.0" encoding="utf-8"?>
-<p:sld xmlns:a="http://schemas.openxmlformats.org/drawingml/2006/main" xmlns:p="http://schemas.openxmlformats.org/presentationml/2006/main" xmlns:r="http://schemas.openxmlformats.org/officeDocument/2006/relationships">
-  <p:cSld>
-    <p:spTree>
-      <p:nvGrpSpPr>
-        <p:cNvPr id="1" name=""/>
-        <p:cNvGrpSpPr/>
-        <p:nvPr/>
-      </p:nvGrpSpPr>
-      <p:grpSpPr/>
-      <p:sp>
-        <p:nvSpPr>
-          <p:cNvPr id="2" name="Title 1"/>
-          <p:cNvSpPr>
-            <a:spLocks noGrp="1"/>
-          </p:cNvSpPr>
-          <p:nvPr>
-            <p:ph type="title"/>
-          </p:nvPr>
-        </p:nvSpPr>
-        <p:spPr/>
-        <p:txBody>
-          <a:bodyPr/>
-          <a:lstStyle/>
-          <a:p>
-            <a:r>
-              <a:t>Проектная презентация</a:t>
-            </a:r>
-          </a:p>
-        </p:txBody>
-      </p:sp>
-      <p:sp>
-        <p:nvSpPr>
-          <p:cNvPr id="3" name="Text Placeholder 2"/>
-          <p:cNvSpPr>
-            <a:spLocks noGrp="1"/>
-          </p:cNvSpPr>
-          <p:nvPr>
-            <p:ph type="body" idx="1"/>
-          </p:nvPr>
-        </p:nvSpPr>
-        <p:spPr/>
-        <p:txBody>
-          <a:bodyPr/>
-          <a:lstStyle/>
-          <a:p/>
-        </p:txBody>
-      </p:sp>
-    </p:spTree>
-  </p:cSld>
-  <p:clrMapOvr>
-    <a:masterClrMapping/>
-  </p:clrMapOvr>
-</p:sld>
-</file>
-
-<file path=ppt/slides/slide30.xml><?xml version="1.0" encoding="utf-8"?>
-<p:sld xmlns:a="http://schemas.openxmlformats.org/drawingml/2006/main" xmlns:p="http://schemas.openxmlformats.org/presentationml/2006/main" xmlns:r="http://schemas.openxmlformats.org/officeDocument/2006/relationships">
-  <p:cSld>
-    <p:spTree>
-      <p:nvGrpSpPr>
-        <p:cNvPr id="1" name=""/>
-        <p:cNvGrpSpPr/>
-        <p:nvPr/>
-      </p:nvGrpSpPr>
-      <p:grpSpPr/>
-      <p:sp>
-        <p:nvSpPr>
-          <p:cNvPr id="2" name="Title 1"/>
-          <p:cNvSpPr>
-            <a:spLocks noGrp="1"/>
-          </p:cNvSpPr>
-          <p:nvPr>
-            <p:ph type="title"/>
-          </p:nvPr>
-        </p:nvSpPr>
-        <p:spPr/>
-        <p:txBody>
-          <a:bodyPr/>
-          <a:lstStyle/>
-          <a:p>
-            <a:r>
-              <a:t>7. UI Manager (src/ui_manager.py)</a:t>
-            </a:r>
-          </a:p>
-        </p:txBody>
-      </p:sp>
-      <p:sp>
-        <p:nvSpPr>
-          <p:cNvPr id="3" name="Content Placeholder 2"/>
-          <p:cNvSpPr>
-            <a:spLocks noGrp="1"/>
-          </p:cNvSpPr>
-          <p:nvPr>
-            <p:ph idx="1"/>
-          </p:nvPr>
-        </p:nvSpPr>
-        <p:spPr/>
-        <p:txBody>
-          <a:bodyPr/>
-          <a:lstStyle/>
-          <a:p>
-            <a:r>
-              <a:t>Компонент для создания и управления пользовательским интерфейсом.</a:t>
-            </a:r>
-          </a:p>
-          <a:p/>
-          <a:p>
-            <a:r>
-              <a:t>Основные функции: \- Создание инлайн-клавиатур и кнопок \- Форматирование</a:t>
-            </a:r>
-          </a:p>
-          <a:p>
-            <a:r>
-              <a:t>сообщений для Telegram \- Парсинг и форматирование тем \- Создание адаптивных</a:t>
-            </a:r>
-          </a:p>
-          <a:p>
-            <a:r>
-              <a:t>меню</a:t>
-            </a:r>
-          </a:p>
-          <a:p/>
-          <a:p>
-            <a:r>
-              <a:t>#</a:t>
-            </a:r>
-          </a:p>
-        </p:txBody>
-      </p:sp>
-    </p:spTree>
-  </p:cSld>
-  <p:clrMapOvr>
-    <a:masterClrMapping/>
-  </p:clrMapOvr>
-</p:sld>
-</file>
-
-<file path=ppt/slides/slide31.xml><?xml version="1.0" encoding="utf-8"?>
-<p:sld xmlns:a="http://schemas.openxmlformats.org/drawingml/2006/main" xmlns:p="http://schemas.openxmlformats.org/presentationml/2006/main" xmlns:r="http://schemas.openxmlformats.org/officeDocument/2006/relationships">
-  <p:cSld>
-    <p:spTree>
-      <p:nvGrpSpPr>
-        <p:cNvPr id="1" name=""/>
-        <p:cNvGrpSpPr/>
-        <p:nvPr/>
-      </p:nvGrpSpPr>
-      <p:grpSpPr/>
-      <p:sp>
-        <p:nvSpPr>
-          <p:cNvPr id="2" name="Title 1"/>
-          <p:cNvSpPr>
-            <a:spLocks noGrp="1"/>
-          </p:cNvSpPr>
-          <p:nvPr>
-            <p:ph type="title"/>
-          </p:nvPr>
-        </p:nvSpPr>
-        <p:spPr/>
-        <p:txBody>
-          <a:bodyPr/>
-          <a:lstStyle/>
-          <a:p>
-            <a:r>
-              <a:t>8. Web Server (src/web_server.py)</a:t>
-            </a:r>
-          </a:p>
-        </p:txBody>
-      </p:sp>
-      <p:sp>
-        <p:nvSpPr>
-          <p:cNvPr id="3" name="Text Placeholder 2"/>
-          <p:cNvSpPr>
-            <a:spLocks noGrp="1"/>
-          </p:cNvSpPr>
-          <p:nvPr>
-            <p:ph type="body" idx="1"/>
-          </p:nvPr>
-        </p:nvSpPr>
-        <p:spPr/>
-        <p:txBody>
-          <a:bodyPr/>
-          <a:lstStyle/>
-          <a:p/>
-        </p:txBody>
-      </p:sp>
-    </p:spTree>
-  </p:cSld>
-  <p:clrMapOvr>
-    <a:masterClrMapping/>
-  </p:clrMapOvr>
-</p:sld>
-</file>
-
-<file path=ppt/slides/slide32.xml><?xml version="1.0" encoding="utf-8"?>
-<p:sld xmlns:a="http://schemas.openxmlformats.org/drawingml/2006/main" xmlns:p="http://schemas.openxmlformats.org/presentationml/2006/main" xmlns:r="http://schemas.openxmlformats.org/officeDocument/2006/relationships">
-  <p:cSld>
-    <p:spTree>
-      <p:nvGrpSpPr>
-        <p:cNvPr id="1" name=""/>
-        <p:cNvGrpSpPr/>
-        <p:nvPr/>
-      </p:nvGrpSpPr>
-      <p:grpSpPr/>
-      <p:sp>
-        <p:nvSpPr>
-          <p:cNvPr id="2" name="Title 1"/>
-          <p:cNvSpPr>
-            <a:spLocks noGrp="1"/>
-          </p:cNvSpPr>
-          <p:nvPr>
-            <p:ph type="title"/>
-          </p:nvPr>
-        </p:nvSpPr>
-        <p:spPr/>
-        <p:txBody>
-          <a:bodyPr/>
-          <a:lstStyle/>
-          <a:p>
-            <a:r>
-              <a:t>8. Web Server (src/web_server.py)</a:t>
-            </a:r>
-          </a:p>
-        </p:txBody>
-      </p:sp>
-      <p:sp>
-        <p:nvSpPr>
-          <p:cNvPr id="3" name="Content Placeholder 2"/>
-          <p:cNvSpPr>
-            <a:spLocks noGrp="1"/>
-          </p:cNvSpPr>
-          <p:nvPr>
-            <p:ph idx="1"/>
-          </p:nvPr>
-        </p:nvSpPr>
-        <p:spPr/>
-        <p:txBody>
-          <a:bodyPr/>
-          <a:lstStyle/>
-          <a:p>
-            <a:r>
-              <a:t>Компонент для реализации веб-интерфейса административной панели.</a:t>
-            </a:r>
-          </a:p>
-          <a:p/>
-          <a:p>
-            <a:r>
-              <a:t>Основные функции: \- Предоставление веб-интерфейса для администрирования \-</a:t>
-            </a:r>
-          </a:p>
-          <a:p>
-            <a:r>
-              <a:t>Отображение статистики и аналитики \- Управление настройками бота \- Просмотр</a:t>
-            </a:r>
-          </a:p>
-          <a:p>
-            <a:r>
-              <a:t>и фильтрация логов</a:t>
-            </a:r>
-          </a:p>
-        </p:txBody>
-      </p:sp>
-    </p:spTree>
-  </p:cSld>
-  <p:clrMapOvr>
-    <a:masterClrMapping/>
-  </p:clrMapOvr>
-</p:sld>
-</file>
-
-<file path=ppt/slides/slide33.xml><?xml version="1.0" encoding="utf-8"?>
-<p:sld xmlns:a="http://schemas.openxmlformats.org/drawingml/2006/main" xmlns:p="http://schemas.openxmlformats.org/presentationml/2006/main" xmlns:r="http://schemas.openxmlformats.org/officeDocument/2006/relationships">
-  <p:cSld>
-    <p:spTree>
-      <p:nvGrpSpPr>
-        <p:cNvPr id="1" name=""/>
-        <p:cNvGrpSpPr/>
-        <p:nvPr/>
-      </p:nvGrpSpPr>
-      <p:grpSpPr/>
-      <p:sp>
-        <p:nvSpPr>
-          <p:cNvPr id="2" name="Title 1"/>
-          <p:cNvSpPr>
-            <a:spLocks noGrp="1"/>
-          </p:cNvSpPr>
-          <p:nvPr>
-            <p:ph type="title"/>
-          </p:nvPr>
-        </p:nvSpPr>
-        <p:spPr/>
-        <p:txBody>
-          <a:bodyPr/>
-          <a:lstStyle/>
-          <a:p>
-            <a:r>
-              <a:t>Технологический стек</a:t>
-            </a:r>
-          </a:p>
-        </p:txBody>
-      </p:sp>
-      <p:sp>
-        <p:nvSpPr>
-          <p:cNvPr id="3" name="Text Placeholder 2"/>
-          <p:cNvSpPr>
-            <a:spLocks noGrp="1"/>
-          </p:cNvSpPr>
-          <p:nvPr>
-            <p:ph type="body" idx="1"/>
-          </p:nvPr>
-        </p:nvSpPr>
-        <p:spPr/>
-        <p:txBody>
-          <a:bodyPr/>
-          <a:lstStyle/>
-          <a:p/>
-        </p:txBody>
-      </p:sp>
-    </p:spTree>
-  </p:cSld>
-  <p:clrMapOvr>
-    <a:masterClrMapping/>
-  </p:clrMapOvr>
-</p:sld>
-</file>
-
-<file path=ppt/slides/slide34.xml><?xml version="1.0" encoding="utf-8"?>
-<p:sld xmlns:a="http://schemas.openxmlformats.org/drawingml/2006/main" xmlns:p="http://schemas.openxmlformats.org/presentationml/2006/main" xmlns:r="http://schemas.openxmlformats.org/officeDocument/2006/relationships">
-  <p:cSld>
-    <p:spTree>
-      <p:nvGrpSpPr>
-        <p:cNvPr id="1" name=""/>
-        <p:cNvGrpSpPr/>
-        <p:nvPr/>
-      </p:nvGrpSpPr>
-      <p:grpSpPr/>
-      <p:sp>
-        <p:nvSpPr>
-          <p:cNvPr id="2" name="Title 1"/>
-          <p:cNvSpPr>
-            <a:spLocks noGrp="1"/>
-          </p:cNvSpPr>
-          <p:nvPr>
-            <p:ph type="title"/>
-          </p:nvPr>
-        </p:nvSpPr>
-        <p:spPr/>
-        <p:txBody>
-          <a:bodyPr/>
-          <a:lstStyle/>
-          <a:p>
-            <a:r>
-              <a:t>Технологический стек</a:t>
-            </a:r>
-          </a:p>
-        </p:txBody>
-      </p:sp>
-      <p:sp>
-        <p:nvSpPr>
-          <p:cNvPr id="3" name="Content Placeholder 2"/>
-          <p:cNvSpPr>
-            <a:spLocks noGrp="1"/>
-          </p:cNvSpPr>
-          <p:nvPr>
-            <p:ph idx="1"/>
-          </p:nvPr>
-        </p:nvSpPr>
-        <p:spPr/>
-        <p:txBody>
-          <a:bodyPr/>
-          <a:lstStyle/>
-          <a:p>
-            <a:r>
-              <a:t>#</a:t>
-            </a:r>
-          </a:p>
-        </p:txBody>
-      </p:sp>
-    </p:spTree>
-  </p:cSld>
-  <p:clrMapOvr>
-    <a:masterClrMapping/>
-  </p:clrMapOvr>
-</p:sld>
-</file>
-
-<file path=ppt/slides/slide35.xml><?xml version="1.0" encoding="utf-8"?>
-<p:sld xmlns:a="http://schemas.openxmlformats.org/drawingml/2006/main" xmlns:p="http://schemas.openxmlformats.org/presentationml/2006/main" xmlns:r="http://schemas.openxmlformats.org/officeDocument/2006/relationships">
-  <p:cSld>
-    <p:spTree>
-      <p:nvGrpSpPr>
-        <p:cNvPr id="1" name=""/>
-        <p:cNvGrpSpPr/>
-        <p:nvPr/>
-      </p:nvGrpSpPr>
-      <p:grpSpPr/>
-      <p:sp>
-        <p:nvSpPr>
-          <p:cNvPr id="2" name="Title 1"/>
-          <p:cNvSpPr>
-            <a:spLocks noGrp="1"/>
-          </p:cNvSpPr>
-          <p:nvPr>
-            <p:ph type="title"/>
-          </p:nvPr>
-        </p:nvSpPr>
-        <p:spPr/>
-        <p:txBody>
-          <a:bodyPr/>
-          <a:lstStyle/>
-          <a:p>
-            <a:r>
-              <a:t>Языки программирования и фреймворки:</a:t>
-            </a:r>
-          </a:p>
-        </p:txBody>
-      </p:sp>
-      <p:sp>
-        <p:nvSpPr>
-          <p:cNvPr id="3" name="Text Placeholder 2"/>
-          <p:cNvSpPr>
-            <a:spLocks noGrp="1"/>
-          </p:cNvSpPr>
-          <p:nvPr>
-            <p:ph type="body" idx="1"/>
-          </p:nvPr>
-        </p:nvSpPr>
-        <p:spPr/>
-        <p:txBody>
-          <a:bodyPr/>
-          <a:lstStyle/>
-          <a:p/>
-        </p:txBody>
-      </p:sp>
-    </p:spTree>
-  </p:cSld>
-  <p:clrMapOvr>
-    <a:masterClrMapping/>
-  </p:clrMapOvr>
-</p:sld>
-</file>
-
-<file path=ppt/slides/slide36.xml><?xml version="1.0" encoding="utf-8"?>
-<p:sld xmlns:a="http://schemas.openxmlformats.org/drawingml/2006/main" xmlns:p="http://schemas.openxmlformats.org/presentationml/2006/main" xmlns:r="http://schemas.openxmlformats.org/officeDocument/2006/relationships">
-  <p:cSld>
-    <p:spTree>
-      <p:nvGrpSpPr>
-        <p:cNvPr id="1" name=""/>
-        <p:cNvGrpSpPr/>
-        <p:nvPr/>
-      </p:nvGrpSpPr>
-      <p:grpSpPr/>
-      <p:sp>
-        <p:nvSpPr>
-          <p:cNvPr id="2" name="Title 1"/>
-          <p:cNvSpPr>
-            <a:spLocks noGrp="1"/>
-          </p:cNvSpPr>
-          <p:nvPr>
-            <p:ph type="title"/>
-          </p:nvPr>
-        </p:nvSpPr>
-        <p:spPr/>
-        <p:txBody>
-          <a:bodyPr/>
-          <a:lstStyle/>
-          <a:p>
-            <a:r>
-              <a:t>Языки программирования и фреймворки:</a:t>
-            </a:r>
-          </a:p>
-        </p:txBody>
-      </p:sp>
-      <p:sp>
-        <p:nvSpPr>
-          <p:cNvPr id="3" name="Content Placeholder 2"/>
-          <p:cNvSpPr>
-            <a:spLocks noGrp="1"/>
-          </p:cNvSpPr>
-          <p:nvPr>
-            <p:ph idx="1"/>
-          </p:nvPr>
-        </p:nvSpPr>
-        <p:spPr/>
-        <p:txBody>
-          <a:bodyPr/>
-          <a:lstStyle/>
-          <a:p>
-            <a:r>
-              <a:t>* **Python 3.9+** — основной язык разработки</a:t>
-            </a:r>
-          </a:p>
-          <a:p>
-            <a:r>
-              <a:t>  * **Flask** — веб-фреймворк для административной панели</a:t>
-            </a:r>
-          </a:p>
-          <a:p>
-            <a:r>
-              <a:t>  * **Telegram Bot API** — для создания Telegram-бота</a:t>
-            </a:r>
-          </a:p>
-          <a:p>
-            <a:r>
-              <a:t>  * **Google Gemini API** — для генерации образовательного контента</a:t>
-            </a:r>
-          </a:p>
-          <a:p/>
-          <a:p>
-            <a:r>
-              <a:t>#</a:t>
-            </a:r>
-          </a:p>
-        </p:txBody>
-      </p:sp>
-    </p:spTree>
-  </p:cSld>
-  <p:clrMapOvr>
-    <a:masterClrMapping/>
-  </p:clrMapOvr>
-</p:sld>
-</file>
-
-<file path=ppt/slides/slide37.xml><?xml version="1.0" encoding="utf-8"?>
-<p:sld xmlns:a="http://schemas.openxmlformats.org/drawingml/2006/main" xmlns:p="http://schemas.openxmlformats.org/presentationml/2006/main" xmlns:r="http://schemas.openxmlformats.org/officeDocument/2006/relationships">
-  <p:cSld>
-    <p:spTree>
-      <p:nvGrpSpPr>
-        <p:cNvPr id="1" name=""/>
-        <p:cNvGrpSpPr/>
-        <p:nvPr/>
-      </p:nvGrpSpPr>
-      <p:grpSpPr/>
-      <p:sp>
-        <p:nvSpPr>
-          <p:cNvPr id="2" name="Title 1"/>
-          <p:cNvSpPr>
-            <a:spLocks noGrp="1"/>
-          </p:cNvSpPr>
-          <p:nvPr>
-            <p:ph type="title"/>
-          </p:nvPr>
-        </p:nvSpPr>
-        <p:spPr/>
-        <p:txBody>
-          <a:bodyPr/>
-          <a:lstStyle/>
-          <a:p>
-            <a:r>
-              <a:t>Библиотеки и инструменты:</a:t>
-            </a:r>
-          </a:p>
-        </p:txBody>
-      </p:sp>
-      <p:sp>
-        <p:nvSpPr>
-          <p:cNvPr id="3" name="Text Placeholder 2"/>
-          <p:cNvSpPr>
-            <a:spLocks noGrp="1"/>
-          </p:cNvSpPr>
-          <p:nvPr>
-            <p:ph type="body" idx="1"/>
-          </p:nvPr>
-        </p:nvSpPr>
-        <p:spPr/>
-        <p:txBody>
-          <a:bodyPr/>
-          <a:lstStyle/>
-          <a:p/>
-        </p:txBody>
-      </p:sp>
-    </p:spTree>
-  </p:cSld>
-  <p:clrMapOvr>
-    <a:masterClrMapping/>
-  </p:clrMapOvr>
-</p:sld>
-</file>
-
-<file path=ppt/slides/slide38.xml><?xml version="1.0" encoding="utf-8"?>
-<p:sld xmlns:a="http://schemas.openxmlformats.org/drawingml/2006/main" xmlns:p="http://schemas.openxmlformats.org/presentationml/2006/main" xmlns:r="http://schemas.openxmlformats.org/officeDocument/2006/relationships">
-  <p:cSld>
-    <p:spTree>
-      <p:nvGrpSpPr>
-        <p:cNvPr id="1" name=""/>
-        <p:cNvGrpSpPr/>
-        <p:nvPr/>
-      </p:nvGrpSpPr>
-      <p:grpSpPr/>
-      <p:sp>
-        <p:nvSpPr>
-          <p:cNvPr id="2" name="Title 1"/>
-          <p:cNvSpPr>
-            <a:spLocks noGrp="1"/>
-          </p:cNvSpPr>
-          <p:nvPr>
-            <p:ph type="title"/>
-          </p:nvPr>
-        </p:nvSpPr>
-        <p:spPr/>
-        <p:txBody>
-          <a:bodyPr/>
-          <a:lstStyle/>
-          <a:p>
-            <a:r>
-              <a:t>Библиотеки и инструменты:</a:t>
-            </a:r>
-          </a:p>
-        </p:txBody>
-      </p:sp>
-      <p:sp>
-        <p:nvSpPr>
-          <p:cNvPr id="3" name="Content Placeholder 2"/>
-          <p:cNvSpPr>
-            <a:spLocks noGrp="1"/>
-          </p:cNvSpPr>
-          <p:nvPr>
-            <p:ph idx="1"/>
-          </p:nvPr>
-        </p:nvSpPr>
-        <p:spPr/>
-        <p:txBody>
-          <a:bodyPr/>
-          <a:lstStyle/>
-          <a:p>
-            <a:r>
-              <a:t>* **python-telegram-bot** — библиотека для работы с Telegram Bot API</a:t>
-            </a:r>
-          </a:p>
-          <a:p>
-            <a:r>
-              <a:t>  * **requests** — для HTTP-запросов к внешним API</a:t>
-            </a:r>
-          </a:p>
-          <a:p>
-            <a:r>
-              <a:t>  * **folium** — для создания интерактивных карт</a:t>
-            </a:r>
-          </a:p>
-          <a:p>
-            <a:r>
-              <a:t>  * **matplotlib** — для генерации графиков и визуализаций</a:t>
-            </a:r>
-          </a:p>
-          <a:p>
-            <a:r>
-              <a:t>  * **json** — для работы с JSON-данными</a:t>
-            </a:r>
-          </a:p>
-          <a:p>
-            <a:r>
-              <a:t>  * **re** — для работы с регулярными выражениями</a:t>
-            </a:r>
-          </a:p>
-          <a:p>
-            <a:r>
-              <a:t>  * **logging** — для системы логирования</a:t>
-            </a:r>
-          </a:p>
-          <a:p>
-            <a:r>
-              <a:t>  * **threading** — для многопоточности</a:t>
-            </a:r>
-          </a:p>
-          <a:p>
-            <a:r>
-              <a:t>  * **docx** — для создания документов Word</a:t>
-            </a:r>
-          </a:p>
-          <a:p>
-            <a:r>
-              <a:t>  * **PIL** — для работы с изображениями</a:t>
-            </a:r>
-          </a:p>
-          <a:p/>
-          <a:p>
-            <a:r>
-              <a:t>#</a:t>
-            </a:r>
-          </a:p>
-        </p:txBody>
-      </p:sp>
-    </p:spTree>
-  </p:cSld>
-  <p:clrMapOvr>
-    <a:masterClrMapping/>
-  </p:clrMapOvr>
-</p:sld>
-</file>
-
-<file path=ppt/slides/slide39.xml><?xml version="1.0" encoding="utf-8"?>
-<p:sld xmlns:a="http://schemas.openxmlformats.org/drawingml/2006/main" xmlns:p="http://schemas.openxmlformats.org/presentationml/2006/main" xmlns:r="http://schemas.openxmlformats.org/officeDocument/2006/relationships">
-  <p:cSld>
-    <p:spTree>
-      <p:nvGrpSpPr>
-        <p:cNvPr id="1" name=""/>
-        <p:cNvGrpSpPr/>
-        <p:nvPr/>
-      </p:nvGrpSpPr>
-      <p:grpSpPr/>
-      <p:sp>
-        <p:nvSpPr>
-          <p:cNvPr id="2" name="Title 1"/>
-          <p:cNvSpPr>
-            <a:spLocks noGrp="1"/>
-          </p:cNvSpPr>
-          <p:nvPr>
-            <p:ph type="title"/>
-          </p:nvPr>
-        </p:nvSpPr>
-        <p:spPr/>
-        <p:txBody>
-          <a:bodyPr/>
-          <a:lstStyle/>
-          <a:p>
-            <a:r>
-              <a:t>Паттерны проектирования:</a:t>
-            </a:r>
-          </a:p>
-        </p:txBody>
-      </p:sp>
-      <p:sp>
-        <p:nvSpPr>
-          <p:cNvPr id="3" name="Text Placeholder 2"/>
-          <p:cNvSpPr>
-            <a:spLocks noGrp="1"/>
-          </p:cNvSpPr>
-          <p:nvPr>
-            <p:ph type="body" idx="1"/>
-          </p:nvPr>
-        </p:nvSpPr>
-        <p:spPr/>
-        <p:txBody>
-          <a:bodyPr/>
-          <a:lstStyle/>
-          <a:p/>
-        </p:txBody>
-      </p:sp>
-    </p:spTree>
-  </p:cSld>
-  <p:clrMapOvr>
-    <a:masterClrMapping/>
-  </p:clrMapOvr>
-</p:sld>
-</file>
-
-<file path=ppt/slides/slide4.xml><?xml version="1.0" encoding="utf-8"?>
-<p:sld xmlns:a="http://schemas.openxmlformats.org/drawingml/2006/main" xmlns:p="http://schemas.openxmlformats.org/presentationml/2006/main" xmlns:r="http://schemas.openxmlformats.org/officeDocument/2006/relationships">
-  <p:cSld>
-    <p:spTree>
-      <p:nvGrpSpPr>
-        <p:cNvPr id="1" name=""/>
-        <p:cNvGrpSpPr/>
-        <p:nvPr/>
-      </p:nvGrpSpPr>
-      <p:grpSpPr/>
-      <p:sp>
-        <p:nvSpPr>
-          <p:cNvPr id="2" name="Title 1"/>
-          <p:cNvSpPr>
-            <a:spLocks noGrp="1"/>
-          </p:cNvSpPr>
-          <p:nvPr>
-            <p:ph type="title"/>
-          </p:nvPr>
-        </p:nvSpPr>
-        <p:spPr/>
-        <p:txBody>
-          <a:bodyPr/>
-          <a:lstStyle/>
-          <a:p>
-            <a:r>
-              <a:t>Проектная презентация</a:t>
-            </a:r>
-          </a:p>
-        </p:txBody>
-      </p:sp>
-      <p:sp>
-        <p:nvSpPr>
-          <p:cNvPr id="3" name="Content Placeholder 2"/>
-          <p:cNvSpPr>
-            <a:spLocks noGrp="1"/>
-          </p:cNvSpPr>
-          <p:nvPr>
-            <p:ph idx="1"/>
-          </p:nvPr>
-        </p:nvSpPr>
-        <p:spPr/>
-        <p:txBody>
-          <a:bodyPr/>
-          <a:lstStyle/>
-          <a:p>
-            <a:r>
-              <a:t>#</a:t>
-            </a:r>
-          </a:p>
-        </p:txBody>
-      </p:sp>
-    </p:spTree>
-  </p:cSld>
-  <p:clrMapOvr>
-    <a:masterClrMapping/>
-  </p:clrMapOvr>
-</p:sld>
-</file>
-
-<file path=ppt/slides/slide40.xml><?xml version="1.0" encoding="utf-8"?>
-<p:sld xmlns:a="http://schemas.openxmlformats.org/drawingml/2006/main" xmlns:p="http://schemas.openxmlformats.org/presentationml/2006/main" xmlns:r="http://schemas.openxmlformats.org/officeDocument/2006/relationships">
-  <p:cSld>
-    <p:spTree>
-      <p:nvGrpSpPr>
-        <p:cNvPr id="1" name=""/>
-        <p:cNvGrpSpPr/>
-        <p:nvPr/>
-      </p:nvGrpSpPr>
-      <p:grpSpPr/>
-      <p:sp>
-        <p:nvSpPr>
-          <p:cNvPr id="2" name="Title 1"/>
-          <p:cNvSpPr>
-            <a:spLocks noGrp="1"/>
-          </p:cNvSpPr>
-          <p:nvPr>
-            <p:ph type="title"/>
-          </p:nvPr>
-        </p:nvSpPr>
-        <p:spPr/>
-        <p:txBody>
-          <a:bodyPr/>
-          <a:lstStyle/>
-          <a:p>
-            <a:r>
-              <a:t>Паттерны проектирования:</a:t>
-            </a:r>
-          </a:p>
-        </p:txBody>
-      </p:sp>
-      <p:sp>
-        <p:nvSpPr>
-          <p:cNvPr id="3" name="Content Placeholder 2"/>
-          <p:cNvSpPr>
-            <a:spLocks noGrp="1"/>
-          </p:cNvSpPr>
-          <p:nvPr>
-            <p:ph idx="1"/>
-          </p:nvPr>
-        </p:nvSpPr>
-        <p:spPr/>
-        <p:txBody>
-          <a:bodyPr/>
-          <a:lstStyle/>
-          <a:p>
-            <a:r>
-              <a:t>* **Factory** — для создания компонентов системы</a:t>
-            </a:r>
-          </a:p>
-          <a:p>
-            <a:r>
-              <a:t>  * **Service Locator** — для централизованного управления сервисами</a:t>
-            </a:r>
-          </a:p>
-          <a:p>
-            <a:r>
-              <a:t>  * **Dependency Injection** — для управления зависимостями</a:t>
-            </a:r>
-          </a:p>
-          <a:p>
-            <a:r>
-              <a:t>  * **Singleton** — для компонентов, существующих в единственном экземпляре</a:t>
-            </a:r>
-          </a:p>
-          <a:p>
-            <a:r>
-              <a:t>  * **Strategy** — для различных алгоритмов обработки данных</a:t>
-            </a:r>
-          </a:p>
-          <a:p>
-            <a:r>
-              <a:t>  * **Observer** — для системы событий</a:t>
-            </a:r>
-          </a:p>
-          <a:p>
-            <a:r>
-              <a:t>  * **Facade** — для упрощения интерфейсов</a:t>
-            </a:r>
-          </a:p>
-          <a:p/>
-          <a:p>
-            <a:r>
-              <a:t>#</a:t>
-            </a:r>
-          </a:p>
-        </p:txBody>
-      </p:sp>
-    </p:spTree>
-  </p:cSld>
-  <p:clrMapOvr>
-    <a:masterClrMapping/>
-  </p:clrMapOvr>
-</p:sld>
-</file>
-
-<file path=ppt/slides/slide41.xml><?xml version="1.0" encoding="utf-8"?>
-<p:sld xmlns:a="http://schemas.openxmlformats.org/drawingml/2006/main" xmlns:p="http://schemas.openxmlformats.org/presentationml/2006/main" xmlns:r="http://schemas.openxmlformats.org/officeDocument/2006/relationships">
-  <p:cSld>
-    <p:spTree>
-      <p:nvGrpSpPr>
-        <p:cNvPr id="1" name=""/>
-        <p:cNvGrpSpPr/>
-        <p:nvPr/>
-      </p:nvGrpSpPr>
-      <p:grpSpPr/>
-      <p:sp>
-        <p:nvSpPr>
-          <p:cNvPr id="2" name="Title 1"/>
-          <p:cNvSpPr>
-            <a:spLocks noGrp="1"/>
-          </p:cNvSpPr>
-          <p:nvPr>
-            <p:ph type="title"/>
-          </p:nvPr>
-        </p:nvSpPr>
-        <p:spPr/>
-        <p:txBody>
-          <a:bodyPr/>
-          <a:lstStyle/>
-          <a:p>
-            <a:r>
-              <a:t>Инфраструктура:</a:t>
-            </a:r>
-          </a:p>
-        </p:txBody>
-      </p:sp>
-      <p:sp>
-        <p:nvSpPr>
-          <p:cNvPr id="3" name="Text Placeholder 2"/>
-          <p:cNvSpPr>
-            <a:spLocks noGrp="1"/>
-          </p:cNvSpPr>
-          <p:nvPr>
-            <p:ph type="body" idx="1"/>
-          </p:nvPr>
-        </p:nvSpPr>
-        <p:spPr/>
-        <p:txBody>
-          <a:bodyPr/>
-          <a:lstStyle/>
-          <a:p/>
-        </p:txBody>
-      </p:sp>
-    </p:spTree>
-  </p:cSld>
-  <p:clrMapOvr>
-    <a:masterClrMapping/>
-  </p:clrMapOvr>
-</p:sld>
-</file>
-
-<file path=ppt/slides/slide42.xml><?xml version="1.0" encoding="utf-8"?>
-<p:sld xmlns:a="http://schemas.openxmlformats.org/drawingml/2006/main" xmlns:p="http://schemas.openxmlformats.org/presentationml/2006/main" xmlns:r="http://schemas.openxmlformats.org/officeDocument/2006/relationships">
-  <p:cSld>
-    <p:spTree>
-      <p:nvGrpSpPr>
-        <p:cNvPr id="1" name=""/>
-        <p:cNvGrpSpPr/>
-        <p:nvPr/>
-      </p:nvGrpSpPr>
-      <p:grpSpPr/>
-      <p:sp>
-        <p:nvSpPr>
-          <p:cNvPr id="2" name="Title 1"/>
-          <p:cNvSpPr>
-            <a:spLocks noGrp="1"/>
-          </p:cNvSpPr>
-          <p:nvPr>
-            <p:ph type="title"/>
-          </p:nvPr>
-        </p:nvSpPr>
-        <p:spPr/>
-        <p:txBody>
-          <a:bodyPr/>
-          <a:lstStyle/>
-          <a:p>
-            <a:r>
-              <a:t>Инфраструктура:</a:t>
-            </a:r>
-          </a:p>
-        </p:txBody>
-      </p:sp>
-      <p:sp>
-        <p:nvSpPr>
-          <p:cNvPr id="3" name="Content Placeholder 2"/>
-          <p:cNvSpPr>
-            <a:spLocks noGrp="1"/>
-          </p:cNvSpPr>
-          <p:nvPr>
-            <p:ph idx="1"/>
-          </p:nvPr>
-        </p:nvSpPr>
-        <p:spPr/>
-        <p:txBody>
-          <a:bodyPr/>
-          <a:lstStyle/>
-          <a:p>
-            <a:r>
-              <a:t>* **Replit** — платформа для хостинга и разработки</a:t>
-            </a:r>
-          </a:p>
-          <a:p>
-            <a:r>
-              <a:t>  * **Git** — система контроля версий</a:t>
-            </a:r>
-          </a:p>
-          <a:p>
-            <a:r>
-              <a:t>  * **JSON-файлы** — для хранения данных</a:t>
-            </a:r>
-          </a:p>
-          <a:p>
-            <a:r>
-              <a:t>  * **Логирование** — для отслеживания работы системы</a:t>
-            </a:r>
-          </a:p>
-        </p:txBody>
-      </p:sp>
-    </p:spTree>
-  </p:cSld>
-  <p:clrMapOvr>
-    <a:masterClrMapping/>
-  </p:clrMapOvr>
-</p:sld>
-</file>
-
-<file path=ppt/slides/slide43.xml><?xml version="1.0" encoding="utf-8"?>
-<p:sld xmlns:a="http://schemas.openxmlformats.org/drawingml/2006/main" xmlns:p="http://schemas.openxmlformats.org/presentationml/2006/main" xmlns:r="http://schemas.openxmlformats.org/officeDocument/2006/relationships">
-  <p:cSld>
-    <p:spTree>
-      <p:nvGrpSpPr>
-        <p:cNvPr id="1" name=""/>
-        <p:cNvGrpSpPr/>
-        <p:nvPr/>
-      </p:nvGrpSpPr>
-      <p:grpSpPr/>
-      <p:sp>
-        <p:nvSpPr>
-          <p:cNvPr id="2" name="Title 1"/>
-          <p:cNvSpPr>
-            <a:spLocks noGrp="1"/>
-          </p:cNvSpPr>
-          <p:nvPr>
-            <p:ph type="title"/>
-          </p:nvPr>
-        </p:nvSpPr>
-        <p:spPr/>
-        <p:txBody>
-          <a:bodyPr/>
-          <a:lstStyle/>
-          <a:p>
-            <a:r>
-              <a:t>Функциональные возможности</a:t>
-            </a:r>
-          </a:p>
-        </p:txBody>
-      </p:sp>
-      <p:sp>
-        <p:nvSpPr>
-          <p:cNvPr id="3" name="Text Placeholder 2"/>
-          <p:cNvSpPr>
-            <a:spLocks noGrp="1"/>
-          </p:cNvSpPr>
-          <p:nvPr>
-            <p:ph type="body" idx="1"/>
-          </p:nvPr>
-        </p:nvSpPr>
-        <p:spPr/>
-        <p:txBody>
-          <a:bodyPr/>
-          <a:lstStyle/>
-          <a:p/>
-        </p:txBody>
-      </p:sp>
-    </p:spTree>
-  </p:cSld>
-  <p:clrMapOvr>
-    <a:masterClrMapping/>
-  </p:clrMapOvr>
-</p:sld>
-</file>
-
-<file path=ppt/slides/slide44.xml><?xml version="1.0" encoding="utf-8"?>
-<p:sld xmlns:a="http://schemas.openxmlformats.org/drawingml/2006/main" xmlns:p="http://schemas.openxmlformats.org/presentationml/2006/main" xmlns:r="http://schemas.openxmlformats.org/officeDocument/2006/relationships">
-  <p:cSld>
-    <p:spTree>
-      <p:nvGrpSpPr>
-        <p:cNvPr id="1" name=""/>
-        <p:cNvGrpSpPr/>
-        <p:nvPr/>
-      </p:nvGrpSpPr>
-      <p:grpSpPr/>
-      <p:sp>
-        <p:nvSpPr>
-          <p:cNvPr id="2" name="Title 1"/>
-          <p:cNvSpPr>
-            <a:spLocks noGrp="1"/>
-          </p:cNvSpPr>
-          <p:nvPr>
-            <p:ph type="title"/>
-          </p:nvPr>
-        </p:nvSpPr>
-        <p:spPr/>
-        <p:txBody>
-          <a:bodyPr/>
-          <a:lstStyle/>
-          <a:p>
-            <a:r>
-              <a:t>Функциональные возможности</a:t>
-            </a:r>
-          </a:p>
-        </p:txBody>
-      </p:sp>
-      <p:sp>
-        <p:nvSpPr>
-          <p:cNvPr id="3" name="Content Placeholder 2"/>
-          <p:cNvSpPr>
-            <a:spLocks noGrp="1"/>
-          </p:cNvSpPr>
-          <p:nvPr>
-            <p:ph idx="1"/>
-          </p:nvPr>
-        </p:nvSpPr>
-        <p:spPr/>
-        <p:txBody>
-          <a:bodyPr/>
-          <a:lstStyle/>
-          <a:p>
-            <a:r>
-              <a:t>#</a:t>
-            </a:r>
-          </a:p>
-        </p:txBody>
-      </p:sp>
-    </p:spTree>
-  </p:cSld>
-  <p:clrMapOvr>
-    <a:masterClrMapping/>
-  </p:clrMapOvr>
-</p:sld>
-</file>
-
-<file path=ppt/slides/slide45.xml><?xml version="1.0" encoding="utf-8"?>
-<p:sld xmlns:a="http://schemas.openxmlformats.org/drawingml/2006/main" xmlns:p="http://schemas.openxmlformats.org/presentationml/2006/main" xmlns:r="http://schemas.openxmlformats.org/officeDocument/2006/relationships">
-  <p:cSld>
-    <p:spTree>
-      <p:nvGrpSpPr>
-        <p:cNvPr id="1" name=""/>
-        <p:cNvGrpSpPr/>
-        <p:nvPr/>
-      </p:nvGrpSpPr>
-      <p:grpSpPr/>
-      <p:sp>
-        <p:nvSpPr>
-          <p:cNvPr id="2" name="Title 1"/>
-          <p:cNvSpPr>
-            <a:spLocks noGrp="1"/>
-          </p:cNvSpPr>
-          <p:nvPr>
-            <p:ph type="title"/>
-          </p:nvPr>
-        </p:nvSpPr>
-        <p:spPr/>
-        <p:txBody>
-          <a:bodyPr/>
-          <a:lstStyle/>
-          <a:p>
-            <a:r>
-              <a:t>1. Изучение исторических тем</a:t>
-            </a:r>
-          </a:p>
-        </p:txBody>
-      </p:sp>
-      <p:sp>
-        <p:nvSpPr>
-          <p:cNvPr id="3" name="Text Placeholder 2"/>
-          <p:cNvSpPr>
-            <a:spLocks noGrp="1"/>
-          </p:cNvSpPr>
-          <p:nvPr>
-            <p:ph type="body" idx="1"/>
-          </p:nvPr>
-        </p:nvSpPr>
-        <p:spPr/>
-        <p:txBody>
-          <a:bodyPr/>
-          <a:lstStyle/>
-          <a:p/>
-        </p:txBody>
-      </p:sp>
-    </p:spTree>
-  </p:cSld>
-  <p:clrMapOvr>
-    <a:masterClrMapping/>
-  </p:clrMapOvr>
-</p:sld>
-</file>
-
-<file path=ppt/slides/slide46.xml><?xml version="1.0" encoding="utf-8"?>
-<p:sld xmlns:a="http://schemas.openxmlformats.org/drawingml/2006/main" xmlns:p="http://schemas.openxmlformats.org/presentationml/2006/main" xmlns:r="http://schemas.openxmlformats.org/officeDocument/2006/relationships">
-  <p:cSld>
-    <p:spTree>
-      <p:nvGrpSpPr>
-        <p:cNvPr id="1" name=""/>
-        <p:cNvGrpSpPr/>
-        <p:nvPr/>
-      </p:nvGrpSpPr>
-      <p:grpSpPr/>
-      <p:sp>
-        <p:nvSpPr>
-          <p:cNvPr id="2" name="Title 1"/>
-          <p:cNvSpPr>
-            <a:spLocks noGrp="1"/>
-          </p:cNvSpPr>
-          <p:nvPr>
-            <p:ph type="title"/>
-          </p:nvPr>
-        </p:nvSpPr>
-        <p:spPr/>
-        <p:txBody>
-          <a:bodyPr/>
-          <a:lstStyle/>
-          <a:p>
-            <a:r>
-              <a:t>1. Изучение исторических тем</a:t>
-            </a:r>
-          </a:p>
-        </p:txBody>
-      </p:sp>
-      <p:sp>
-        <p:nvSpPr>
-          <p:cNvPr id="3" name="Content Placeholder 2"/>
-          <p:cNvSpPr>
-            <a:spLocks noGrp="1"/>
-          </p:cNvSpPr>
-          <p:nvPr>
-            <p:ph idx="1"/>
-          </p:nvPr>
-        </p:nvSpPr>
-        <p:spPr/>
-        <p:txBody>
-          <a:bodyPr/>
-          <a:lstStyle/>
-          <a:p>
-            <a:r>
-              <a:t>* **Выбор готовых тем** — предоставление структурированного списка исторических тем</a:t>
-            </a:r>
-          </a:p>
-          <a:p>
-            <a:r>
-              <a:t>  * **Пользовательские темы** — возможность запросить информацию по любой исторической теме</a:t>
-            </a:r>
-          </a:p>
-          <a:p>
-            <a:r>
-              <a:t>  * **Структурированное представление** — разделение информации на логические секции для удобства восприятия</a:t>
-            </a:r>
-          </a:p>
-          <a:p>
-            <a:r>
-              <a:t>  * **Контекстные ссылки** — связывание тем между собой для навигации по историческим периодам</a:t>
-            </a:r>
-          </a:p>
-          <a:p/>
-          <a:p>
-            <a:r>
-              <a:t>#</a:t>
-            </a:r>
-          </a:p>
-        </p:txBody>
-      </p:sp>
-    </p:spTree>
-  </p:cSld>
-  <p:clrMapOvr>
-    <a:masterClrMapping/>
-  </p:clrMapOvr>
-</p:sld>
-</file>
-
-<file path=ppt/slides/slide47.xml><?xml version="1.0" encoding="utf-8"?>
-<p:sld xmlns:a="http://schemas.openxmlformats.org/drawingml/2006/main" xmlns:p="http://schemas.openxmlformats.org/presentationml/2006/main" xmlns:r="http://schemas.openxmlformats.org/officeDocument/2006/relationships">
-  <p:cSld>
-    <p:spTree>
-      <p:nvGrpSpPr>
-        <p:cNvPr id="1" name=""/>
-        <p:cNvGrpSpPr/>
-        <p:nvPr/>
-      </p:nvGrpSpPr>
-      <p:grpSpPr/>
-      <p:sp>
-        <p:nvSpPr>
-          <p:cNvPr id="2" name="Title 1"/>
-          <p:cNvSpPr>
-            <a:spLocks noGrp="1"/>
-          </p:cNvSpPr>
-          <p:nvPr>
-            <p:ph type="title"/>
-          </p:nvPr>
-        </p:nvSpPr>
-        <p:spPr/>
-        <p:txBody>
-          <a:bodyPr/>
-          <a:lstStyle/>
-          <a:p>
-            <a:r>
-              <a:t>2. Интерактивное тестирование</a:t>
-            </a:r>
-          </a:p>
-        </p:txBody>
-      </p:sp>
-      <p:sp>
-        <p:nvSpPr>
-          <p:cNvPr id="3" name="Text Placeholder 2"/>
-          <p:cNvSpPr>
-            <a:spLocks noGrp="1"/>
-          </p:cNvSpPr>
-          <p:nvPr>
-            <p:ph type="body" idx="1"/>
-          </p:nvPr>
-        </p:nvSpPr>
-        <p:spPr/>
-        <p:txBody>
-          <a:bodyPr/>
-          <a:lstStyle/>
-          <a:p/>
-        </p:txBody>
-      </p:sp>
-    </p:spTree>
-  </p:cSld>
-  <p:clrMapOvr>
-    <a:masterClrMapping/>
-  </p:clrMapOvr>
-</p:sld>
-</file>
-
-<file path=ppt/slides/slide48.xml><?xml version="1.0" encoding="utf-8"?>
-<p:sld xmlns:a="http://schemas.openxmlformats.org/drawingml/2006/main" xmlns:p="http://schemas.openxmlformats.org/presentationml/2006/main" xmlns:r="http://schemas.openxmlformats.org/officeDocument/2006/relationships">
-  <p:cSld>
-    <p:spTree>
-      <p:nvGrpSpPr>
-        <p:cNvPr id="1" name=""/>
-        <p:cNvGrpSpPr/>
-        <p:nvPr/>
-      </p:nvGrpSpPr>
-      <p:grpSpPr/>
-      <p:sp>
-        <p:nvSpPr>
-          <p:cNvPr id="2" name="Title 1"/>
-          <p:cNvSpPr>
-            <a:spLocks noGrp="1"/>
-          </p:cNvSpPr>
-          <p:nvPr>
-            <p:ph type="title"/>
-          </p:nvPr>
-        </p:nvSpPr>
-        <p:spPr/>
-        <p:txBody>
-          <a:bodyPr/>
-          <a:lstStyle/>
-          <a:p>
-            <a:r>
-              <a:t>2. Интерактивное тестирование</a:t>
-            </a:r>
-          </a:p>
-        </p:txBody>
-      </p:sp>
-      <p:sp>
-        <p:nvSpPr>
-          <p:cNvPr id="3" name="Content Placeholder 2"/>
-          <p:cNvSpPr>
-            <a:spLocks noGrp="1"/>
-          </p:cNvSpPr>
-          <p:nvPr>
-            <p:ph idx="1"/>
-          </p:nvPr>
-        </p:nvSpPr>
-        <p:spPr/>
-        <p:txBody>
-          <a:bodyPr/>
-          <a:lstStyle/>
-          <a:p>
-            <a:r>
-              <a:t>* **Генерация уникальных тестов** — создание тестов с вопросами разной сложности для каждой темы</a:t>
-            </a:r>
-          </a:p>
-          <a:p>
-            <a:r>
-              <a:t>  * **Проверка ответов** — автоматическая проверка ответов с подробными пояснениями</a:t>
-            </a:r>
-          </a:p>
-          <a:p>
-            <a:r>
-              <a:t>  * **Отслеживание результатов** — сохранение истории тестирования и анализ прогресса</a:t>
-            </a:r>
-          </a:p>
-          <a:p>
-            <a:r>
-              <a:t>  * **Адаптивная сложность** — изменение сложности вопросов в зависимости от уровня знаний пользователя</a:t>
-            </a:r>
-          </a:p>
-          <a:p/>
-          <a:p>
-            <a:r>
-              <a:t>#</a:t>
-            </a:r>
-          </a:p>
-        </p:txBody>
-      </p:sp>
-    </p:spTree>
-  </p:cSld>
-  <p:clrMapOvr>
-    <a:masterClrMapping/>
-  </p:clrMapOvr>
-</p:sld>
-</file>
-
-<file path=ppt/slides/slide49.xml><?xml version="1.0" encoding="utf-8"?>
-<p:sld xmlns:a="http://schemas.openxmlformats.org/drawingml/2006/main" xmlns:p="http://schemas.openxmlformats.org/presentationml/2006/main" xmlns:r="http://schemas.openxmlformats.org/officeDocument/2006/relationships">
-  <p:cSld>
-    <p:spTree>
-      <p:nvGrpSpPr>
-        <p:cNvPr id="1" name=""/>
-        <p:cNvGrpSpPr/>
-        <p:nvPr/>
-      </p:nvGrpSpPr>
-      <p:grpSpPr/>
-      <p:sp>
-        <p:nvSpPr>
-          <p:cNvPr id="2" name="Title 1"/>
-          <p:cNvSpPr>
-            <a:spLocks noGrp="1"/>
-          </p:cNvSpPr>
-          <p:nvPr>
-            <p:ph type="title"/>
-          </p:nvPr>
-        </p:nvSpPr>
-        <p:spPr/>
-        <p:txBody>
-          <a:bodyPr/>
-          <a:lstStyle/>
-          <a:p>
-            <a:r>
-              <a:t>3. Режим беседы</a:t>
-            </a:r>
-          </a:p>
-        </p:txBody>
-      </p:sp>
-      <p:sp>
-        <p:nvSpPr>
-          <p:cNvPr id="3" name="Text Placeholder 2"/>
-          <p:cNvSpPr>
-            <a:spLocks noGrp="1"/>
-          </p:cNvSpPr>
-          <p:nvPr>
-            <p:ph type="body" idx="1"/>
-          </p:nvPr>
-        </p:nvSpPr>
-        <p:spPr/>
-        <p:txBody>
-          <a:bodyPr/>
-          <a:lstStyle/>
-          <a:p/>
-        </p:txBody>
-      </p:sp>
-    </p:spTree>
-  </p:cSld>
-  <p:clrMapOvr>
-    <a:masterClrMapping/>
-  </p:clrMapOvr>
-</p:sld>
-</file>
-
-<file path=ppt/slides/slide5.xml><?xml version="1.0" encoding="utf-8"?>
-<p:sld xmlns:a="http://schemas.openxmlformats.org/drawingml/2006/main" xmlns:p="http://schemas.openxmlformats.org/presentationml/2006/main" xmlns:r="http://schemas.openxmlformats.org/officeDocument/2006/relationships">
-  <p:cSld>
-    <p:spTree>
-      <p:nvGrpSpPr>
-        <p:cNvPr id="1" name=""/>
-        <p:cNvGrpSpPr/>
-        <p:nvPr/>
-      </p:nvGrpSpPr>
-      <p:grpSpPr/>
-      <p:sp>
-        <p:nvSpPr>
-          <p:cNvPr id="2" name="Title 1"/>
-          <p:cNvSpPr>
-            <a:spLocks noGrp="1"/>
-          </p:cNvSpPr>
-          <p:nvPr>
-            <p:ph type="title"/>
-          </p:nvPr>
-        </p:nvSpPr>
-        <p:spPr/>
-        <p:txBody>
-          <a:bodyPr/>
-          <a:lstStyle/>
-          <a:p>
-            <a:r>
-              <a:t>Содержание</a:t>
-            </a:r>
-          </a:p>
-        </p:txBody>
-      </p:sp>
-      <p:sp>
-        <p:nvSpPr>
-          <p:cNvPr id="3" name="Text Placeholder 2"/>
-          <p:cNvSpPr>
-            <a:spLocks noGrp="1"/>
-          </p:cNvSpPr>
-          <p:nvPr>
-            <p:ph type="body" idx="1"/>
-          </p:nvPr>
-        </p:nvSpPr>
-        <p:spPr/>
-        <p:txBody>
-          <a:bodyPr/>
-          <a:lstStyle/>
-          <a:p/>
-        </p:txBody>
-      </p:sp>
-    </p:spTree>
-  </p:cSld>
-  <p:clrMapOvr>
-    <a:masterClrMapping/>
-  </p:clrMapOvr>
-</p:sld>
-</file>
-
-<file path=ppt/slides/slide50.xml><?xml version="1.0" encoding="utf-8"?>
-<p:sld xmlns:a="http://schemas.openxmlformats.org/drawingml/2006/main" xmlns:p="http://schemas.openxmlformats.org/presentationml/2006/main" xmlns:r="http://schemas.openxmlformats.org/officeDocument/2006/relationships">
-  <p:cSld>
-    <p:spTree>
-      <p:nvGrpSpPr>
-        <p:cNvPr id="1" name=""/>
-        <p:cNvGrpSpPr/>
-        <p:nvPr/>
-      </p:nvGrpSpPr>
-      <p:grpSpPr/>
-      <p:sp>
-        <p:nvSpPr>
-          <p:cNvPr id="2" name="Title 1"/>
-          <p:cNvSpPr>
-            <a:spLocks noGrp="1"/>
-          </p:cNvSpPr>
-          <p:nvPr>
-            <p:ph type="title"/>
-          </p:nvPr>
-        </p:nvSpPr>
-        <p:spPr/>
-        <p:txBody>
-          <a:bodyPr/>
-          <a:lstStyle/>
-          <a:p>
-            <a:r>
-              <a:t>3. Режим беседы</a:t>
-            </a:r>
-          </a:p>
-        </p:txBody>
-      </p:sp>
-      <p:sp>
-        <p:nvSpPr>
-          <p:cNvPr id="3" name="Content Placeholder 2"/>
-          <p:cNvSpPr>
-            <a:spLocks noGrp="1"/>
-          </p:cNvSpPr>
-          <p:nvPr>
-            <p:ph idx="1"/>
-          </p:nvPr>
-        </p:nvSpPr>
-        <p:spPr/>
-        <p:txBody>
-          <a:bodyPr/>
-          <a:lstStyle/>
-          <a:p>
-            <a:r>
-              <a:t>* **Ответы на вопросы** — возможность задавать произвольные вопросы об истории России</a:t>
-            </a:r>
-          </a:p>
-          <a:p>
-            <a:r>
-              <a:t>  * **Валидация запросов** — проверка релевантности вопросов исторической тематике</a:t>
-            </a:r>
-          </a:p>
-          <a:p>
-            <a:r>
-              <a:t>  * **Структурированные ответы** — логическое форматирование ответов для лучшего восприятия</a:t>
-            </a:r>
-          </a:p>
-          <a:p>
-            <a:r>
-              <a:t>  * **Контекстуальность** — учет предыдущих вопросов для поддержания диалога</a:t>
-            </a:r>
-          </a:p>
-          <a:p/>
-          <a:p>
-            <a:r>
-              <a:t>#</a:t>
-            </a:r>
-          </a:p>
-        </p:txBody>
-      </p:sp>
-    </p:spTree>
-  </p:cSld>
-  <p:clrMapOvr>
-    <a:masterClrMapping/>
-  </p:clrMapOvr>
-</p:sld>
-</file>
-
-<file path=ppt/slides/slide51.xml><?xml version="1.0" encoding="utf-8"?>
-<p:sld xmlns:a="http://schemas.openxmlformats.org/drawingml/2006/main" xmlns:p="http://schemas.openxmlformats.org/presentationml/2006/main" xmlns:r="http://schemas.openxmlformats.org/officeDocument/2006/relationships">
-  <p:cSld>
-    <p:spTree>
-      <p:nvGrpSpPr>
-        <p:cNvPr id="1" name=""/>
-        <p:cNvGrpSpPr/>
-        <p:nvPr/>
-      </p:nvGrpSpPr>
-      <p:grpSpPr/>
-      <p:sp>
-        <p:nvSpPr>
-          <p:cNvPr id="2" name="Title 1"/>
-          <p:cNvSpPr>
-            <a:spLocks noGrp="1"/>
-          </p:cNvSpPr>
-          <p:nvPr>
-            <p:ph type="title"/>
-          </p:nvPr>
-        </p:nvSpPr>
-        <p:spPr/>
-        <p:txBody>
-          <a:bodyPr/>
-          <a:lstStyle/>
-          <a:p>
-            <a:r>
-              <a:t>4. Исторические карты и визуализации</a:t>
-            </a:r>
-          </a:p>
-        </p:txBody>
-      </p:sp>
-      <p:sp>
-        <p:nvSpPr>
-          <p:cNvPr id="3" name="Text Placeholder 2"/>
-          <p:cNvSpPr>
-            <a:spLocks noGrp="1"/>
-          </p:cNvSpPr>
-          <p:nvPr>
-            <p:ph type="body" idx="1"/>
-          </p:nvPr>
-        </p:nvSpPr>
-        <p:spPr/>
-        <p:txBody>
-          <a:bodyPr/>
-          <a:lstStyle/>
-          <a:p/>
-        </p:txBody>
-      </p:sp>
-    </p:spTree>
-  </p:cSld>
-  <p:clrMapOvr>
-    <a:masterClrMapping/>
-  </p:clrMapOvr>
-</p:sld>
-</file>
-
-<file path=ppt/slides/slide52.xml><?xml version="1.0" encoding="utf-8"?>
-<p:sld xmlns:a="http://schemas.openxmlformats.org/drawingml/2006/main" xmlns:p="http://schemas.openxmlformats.org/presentationml/2006/main" xmlns:r="http://schemas.openxmlformats.org/officeDocument/2006/relationships">
-  <p:cSld>
-    <p:spTree>
-      <p:nvGrpSpPr>
-        <p:cNvPr id="1" name=""/>
-        <p:cNvGrpSpPr/>
-        <p:nvPr/>
-      </p:nvGrpSpPr>
-      <p:grpSpPr/>
-      <p:sp>
-        <p:nvSpPr>
-          <p:cNvPr id="2" name="Title 1"/>
-          <p:cNvSpPr>
-            <a:spLocks noGrp="1"/>
-          </p:cNvSpPr>
-          <p:nvPr>
-            <p:ph type="title"/>
-          </p:nvPr>
-        </p:nvSpPr>
-        <p:spPr/>
-        <p:txBody>
-          <a:bodyPr/>
-          <a:lstStyle/>
-          <a:p>
-            <a:r>
-              <a:t>4. Исторические карты и визуализации</a:t>
-            </a:r>
-          </a:p>
-        </p:txBody>
-      </p:sp>
-      <p:sp>
-        <p:nvSpPr>
-          <p:cNvPr id="3" name="Content Placeholder 2"/>
-          <p:cNvSpPr>
-            <a:spLocks noGrp="1"/>
-          </p:cNvSpPr>
-          <p:nvPr>
-            <p:ph idx="1"/>
-          </p:nvPr>
-        </p:nvSpPr>
-        <p:spPr/>
-        <p:txBody>
-          <a:bodyPr/>
-          <a:lstStyle/>
-          <a:p>
-            <a:r>
-              <a:t>* **Интерактивные карты** — отображение мест сражений и исторических событий</a:t>
-            </a:r>
-          </a:p>
-          <a:p>
-            <a:r>
-              <a:t>  * **Временные линии** — визуализация хронологии исторических периодов</a:t>
-            </a:r>
-          </a:p>
-          <a:p>
-            <a:r>
-              <a:t>  * **Карты изменения границ** — отображение территориальных изменений государств</a:t>
-            </a:r>
-          </a:p>
-          <a:p>
-            <a:r>
-              <a:t>  * **Схемы сражений** — визуализация ключевых битв и военных кампаний</a:t>
-            </a:r>
-          </a:p>
-          <a:p/>
-          <a:p>
-            <a:r>
-              <a:t>#</a:t>
-            </a:r>
-          </a:p>
-        </p:txBody>
-      </p:sp>
-    </p:spTree>
-  </p:cSld>
-  <p:clrMapOvr>
-    <a:masterClrMapping/>
-  </p:clrMapOvr>
-</p:sld>
-</file>
-
-<file path=ppt/slides/slide53.xml><?xml version="1.0" encoding="utf-8"?>
-<p:sld xmlns:a="http://schemas.openxmlformats.org/drawingml/2006/main" xmlns:p="http://schemas.openxmlformats.org/presentationml/2006/main" xmlns:r="http://schemas.openxmlformats.org/officeDocument/2006/relationships">
-  <p:cSld>
-    <p:spTree>
-      <p:nvGrpSpPr>
-        <p:cNvPr id="1" name=""/>
-        <p:cNvGrpSpPr/>
-        <p:nvPr/>
-      </p:nvGrpSpPr>
-      <p:grpSpPr/>
-      <p:sp>
-        <p:nvSpPr>
-          <p:cNvPr id="2" name="Title 1"/>
-          <p:cNvSpPr>
-            <a:spLocks noGrp="1"/>
-          </p:cNvSpPr>
-          <p:nvPr>
-            <p:ph type="title"/>
-          </p:nvPr>
-        </p:nvSpPr>
-        <p:spPr/>
-        <p:txBody>
-          <a:bodyPr/>
-          <a:lstStyle/>
-          <a:p>
-            <a:r>
-              <a:t>5. Аналитическая система</a:t>
-            </a:r>
-          </a:p>
-        </p:txBody>
-      </p:sp>
-      <p:sp>
-        <p:nvSpPr>
-          <p:cNvPr id="3" name="Text Placeholder 2"/>
-          <p:cNvSpPr>
-            <a:spLocks noGrp="1"/>
-          </p:cNvSpPr>
-          <p:nvPr>
-            <p:ph type="body" idx="1"/>
-          </p:nvPr>
-        </p:nvSpPr>
-        <p:spPr/>
-        <p:txBody>
-          <a:bodyPr/>
-          <a:lstStyle/>
-          <a:p/>
-        </p:txBody>
-      </p:sp>
       <p:pic>
         <p:nvPicPr>
-          <p:cNvPr id="4" name="Picture 3" descr="5._аналитическая_система.jpg"/>
+          <p:cNvPr id="4" name="Picture 3" descr="проектная_презентация.jpg"/>
           <p:cNvPicPr>
             <a:picLocks noChangeAspect="1"/>
           </p:cNvPicPr>
@@ -9788,6 +7549,3157 @@
 </p:sld>
 </file>
 
+<file path=ppt/slides/slide16.xml><?xml version="1.0" encoding="utf-8"?>
+<p:sld xmlns:a="http://schemas.openxmlformats.org/drawingml/2006/main" xmlns:p="http://schemas.openxmlformats.org/presentationml/2006/main" xmlns:r="http://schemas.openxmlformats.org/officeDocument/2006/relationships">
+  <p:cSld>
+    <p:spTree>
+      <p:nvGrpSpPr>
+        <p:cNvPr id="1" name=""/>
+        <p:cNvGrpSpPr/>
+        <p:nvPr/>
+      </p:nvGrpSpPr>
+      <p:grpSpPr/>
+      <p:sp>
+        <p:nvSpPr>
+          <p:cNvPr id="2" name="Title 1"/>
+          <p:cNvSpPr>
+            <a:spLocks noGrp="1"/>
+          </p:cNvSpPr>
+          <p:nvPr>
+            <p:ph type="title"/>
+          </p:nvPr>
+        </p:nvSpPr>
+        <p:spPr/>
+        <p:txBody>
+          <a:bodyPr/>
+          <a:lstStyle/>
+          <a:p>
+            <a:r>
+              <a:t>Ключевые компоненты</a:t>
+            </a:r>
+          </a:p>
+        </p:txBody>
+      </p:sp>
+      <p:sp>
+        <p:nvSpPr>
+          <p:cNvPr id="3" name="Content Placeholder 2"/>
+          <p:cNvSpPr>
+            <a:spLocks noGrp="1"/>
+          </p:cNvSpPr>
+          <p:nvPr>
+            <p:ph idx="1"/>
+          </p:nvPr>
+        </p:nvSpPr>
+        <p:spPr/>
+        <p:txBody>
+          <a:bodyPr/>
+          <a:lstStyle/>
+          <a:p>
+            <a:r>
+              <a:t>#</a:t>
+            </a:r>
+          </a:p>
+        </p:txBody>
+      </p:sp>
+    </p:spTree>
+  </p:cSld>
+  <p:clrMapOvr>
+    <a:masterClrMapping/>
+  </p:clrMapOvr>
+</p:sld>
+</file>
+
+<file path=ppt/slides/slide17.xml><?xml version="1.0" encoding="utf-8"?>
+<p:sld xmlns:a="http://schemas.openxmlformats.org/drawingml/2006/main" xmlns:p="http://schemas.openxmlformats.org/presentationml/2006/main" xmlns:r="http://schemas.openxmlformats.org/officeDocument/2006/relationships">
+  <p:cSld>
+    <p:spTree>
+      <p:nvGrpSpPr>
+        <p:cNvPr id="1" name=""/>
+        <p:cNvGrpSpPr/>
+        <p:nvPr/>
+      </p:nvGrpSpPr>
+      <p:grpSpPr/>
+      <p:sp>
+        <p:nvSpPr>
+          <p:cNvPr id="2" name="Title 1"/>
+          <p:cNvSpPr>
+            <a:spLocks noGrp="1"/>
+          </p:cNvSpPr>
+          <p:nvPr>
+            <p:ph type="title"/>
+          </p:nvPr>
+        </p:nvSpPr>
+        <p:spPr/>
+        <p:txBody>
+          <a:bodyPr/>
+          <a:lstStyle/>
+          <a:p>
+            <a:r>
+              <a:t>1. Bot Core (src/bot.py)</a:t>
+            </a:r>
+          </a:p>
+        </p:txBody>
+      </p:sp>
+      <p:sp>
+        <p:nvSpPr>
+          <p:cNvPr id="3" name="Text Placeholder 2"/>
+          <p:cNvSpPr>
+            <a:spLocks noGrp="1"/>
+          </p:cNvSpPr>
+          <p:nvPr>
+            <p:ph type="body" idx="1"/>
+          </p:nvPr>
+        </p:nvSpPr>
+        <p:spPr/>
+        <p:txBody>
+          <a:bodyPr/>
+          <a:lstStyle/>
+          <a:p/>
+        </p:txBody>
+      </p:sp>
+    </p:spTree>
+  </p:cSld>
+  <p:clrMapOvr>
+    <a:masterClrMapping/>
+  </p:clrMapOvr>
+</p:sld>
+</file>
+
+<file path=ppt/slides/slide18.xml><?xml version="1.0" encoding="utf-8"?>
+<p:sld xmlns:a="http://schemas.openxmlformats.org/drawingml/2006/main" xmlns:p="http://schemas.openxmlformats.org/presentationml/2006/main" xmlns:r="http://schemas.openxmlformats.org/officeDocument/2006/relationships">
+  <p:cSld>
+    <p:spTree>
+      <p:nvGrpSpPr>
+        <p:cNvPr id="1" name=""/>
+        <p:cNvGrpSpPr/>
+        <p:nvPr/>
+      </p:nvGrpSpPr>
+      <p:grpSpPr/>
+      <p:sp>
+        <p:nvSpPr>
+          <p:cNvPr id="2" name="Title 1"/>
+          <p:cNvSpPr>
+            <a:spLocks noGrp="1"/>
+          </p:cNvSpPr>
+          <p:nvPr>
+            <p:ph type="title"/>
+          </p:nvPr>
+        </p:nvSpPr>
+        <p:spPr/>
+        <p:txBody>
+          <a:bodyPr/>
+          <a:lstStyle/>
+          <a:p>
+            <a:r>
+              <a:t>1. Bot Core (src/bot.py)</a:t>
+            </a:r>
+          </a:p>
+        </p:txBody>
+      </p:sp>
+      <p:sp>
+        <p:nvSpPr>
+          <p:cNvPr id="3" name="Content Placeholder 2"/>
+          <p:cNvSpPr>
+            <a:spLocks noGrp="1"/>
+          </p:cNvSpPr>
+          <p:nvPr>
+            <p:ph idx="1"/>
+          </p:nvPr>
+        </p:nvSpPr>
+        <p:spPr/>
+        <p:txBody>
+          <a:bodyPr/>
+          <a:lstStyle/>
+          <a:p>
+            <a:r>
+              <a:t>Центральный компонент системы, отвечающий за инициализацию и настройку бота,</a:t>
+            </a:r>
+          </a:p>
+          <a:p>
+            <a:r>
+              <a:t>обработку команд и управление жизненным циклом приложения.</a:t>
+            </a:r>
+          </a:p>
+          <a:p/>
+          <a:p>
+            <a:r>
+              <a:t>Основные функции: \- Инициализация бота и диспетчера сообщений \- Настройка</a:t>
+            </a:r>
+          </a:p>
+          <a:p>
+            <a:r>
+              <a:t>обработчиков команд и состояний \- Управление подключением к Telegram API \-</a:t>
+            </a:r>
+          </a:p>
+          <a:p>
+            <a:r>
+              <a:t>Запуск и остановка бота \- Запуск веб-сервера для административной панели</a:t>
+            </a:r>
+          </a:p>
+          <a:p/>
+          <a:p>
+            <a:r>
+              <a:t>#</a:t>
+            </a:r>
+          </a:p>
+        </p:txBody>
+      </p:sp>
+    </p:spTree>
+  </p:cSld>
+  <p:clrMapOvr>
+    <a:masterClrMapping/>
+  </p:clrMapOvr>
+</p:sld>
+</file>
+
+<file path=ppt/slides/slide19.xml><?xml version="1.0" encoding="utf-8"?>
+<p:sld xmlns:a="http://schemas.openxmlformats.org/drawingml/2006/main" xmlns:p="http://schemas.openxmlformats.org/presentationml/2006/main" xmlns:r="http://schemas.openxmlformats.org/officeDocument/2006/relationships">
+  <p:cSld>
+    <p:spTree>
+      <p:nvGrpSpPr>
+        <p:cNvPr id="1" name=""/>
+        <p:cNvGrpSpPr/>
+        <p:nvPr/>
+      </p:nvGrpSpPr>
+      <p:grpSpPr/>
+      <p:sp>
+        <p:nvSpPr>
+          <p:cNvPr id="2" name="Title 1"/>
+          <p:cNvSpPr>
+            <a:spLocks noGrp="1"/>
+          </p:cNvSpPr>
+          <p:nvPr>
+            <p:ph type="title"/>
+          </p:nvPr>
+        </p:nvSpPr>
+        <p:spPr/>
+        <p:txBody>
+          <a:bodyPr/>
+          <a:lstStyle/>
+          <a:p>
+            <a:r>
+              <a:t>2. Command Handlers (src/handlers.py)</a:t>
+            </a:r>
+          </a:p>
+        </p:txBody>
+      </p:sp>
+      <p:sp>
+        <p:nvSpPr>
+          <p:cNvPr id="3" name="Text Placeholder 2"/>
+          <p:cNvSpPr>
+            <a:spLocks noGrp="1"/>
+          </p:cNvSpPr>
+          <p:nvPr>
+            <p:ph type="body" idx="1"/>
+          </p:nvPr>
+        </p:nvSpPr>
+        <p:spPr/>
+        <p:txBody>
+          <a:bodyPr/>
+          <a:lstStyle/>
+          <a:p/>
+        </p:txBody>
+      </p:sp>
+    </p:spTree>
+  </p:cSld>
+  <p:clrMapOvr>
+    <a:masterClrMapping/>
+  </p:clrMapOvr>
+</p:sld>
+</file>
+
+<file path=ppt/slides/slide2.xml><?xml version="1.0" encoding="utf-8"?>
+<p:sld xmlns:a="http://schemas.openxmlformats.org/drawingml/2006/main" xmlns:p="http://schemas.openxmlformats.org/presentationml/2006/main" xmlns:r="http://schemas.openxmlformats.org/officeDocument/2006/relationships">
+  <p:cSld>
+    <p:spTree>
+      <p:nvGrpSpPr>
+        <p:cNvPr id="1" name=""/>
+        <p:cNvGrpSpPr/>
+        <p:nvPr/>
+      </p:nvGrpSpPr>
+      <p:grpSpPr/>
+      <p:sp>
+        <p:nvSpPr>
+          <p:cNvPr id="2" name="Title 1"/>
+          <p:cNvSpPr>
+            <a:spLocks noGrp="1"/>
+          </p:cNvSpPr>
+          <p:nvPr>
+            <p:ph type="title"/>
+          </p:nvPr>
+        </p:nvSpPr>
+        <p:spPr/>
+        <p:txBody>
+          <a:bodyPr/>
+          <a:lstStyle/>
+          <a:p>
+            <a:r>
+              <a:t>Содержание</a:t>
+            </a:r>
+          </a:p>
+        </p:txBody>
+      </p:sp>
+      <p:sp>
+        <p:nvSpPr>
+          <p:cNvPr id="3" name="Content Placeholder 2"/>
+          <p:cNvSpPr>
+            <a:spLocks noGrp="1"/>
+          </p:cNvSpPr>
+          <p:nvPr>
+            <p:ph idx="1"/>
+          </p:nvPr>
+        </p:nvSpPr>
+        <p:spPr/>
+        <p:txBody>
+          <a:bodyPr/>
+          <a:lstStyle/>
+          <a:p/>
+        </p:txBody>
+      </p:sp>
+    </p:spTree>
+  </p:cSld>
+  <p:clrMapOvr>
+    <a:masterClrMapping/>
+  </p:clrMapOvr>
+</p:sld>
+</file>
+
+<file path=ppt/slides/slide20.xml><?xml version="1.0" encoding="utf-8"?>
+<p:sld xmlns:a="http://schemas.openxmlformats.org/drawingml/2006/main" xmlns:p="http://schemas.openxmlformats.org/presentationml/2006/main" xmlns:r="http://schemas.openxmlformats.org/officeDocument/2006/relationships">
+  <p:cSld>
+    <p:spTree>
+      <p:nvGrpSpPr>
+        <p:cNvPr id="1" name=""/>
+        <p:cNvGrpSpPr/>
+        <p:nvPr/>
+      </p:nvGrpSpPr>
+      <p:grpSpPr/>
+      <p:sp>
+        <p:nvSpPr>
+          <p:cNvPr id="2" name="Title 1"/>
+          <p:cNvSpPr>
+            <a:spLocks noGrp="1"/>
+          </p:cNvSpPr>
+          <p:nvPr>
+            <p:ph type="title"/>
+          </p:nvPr>
+        </p:nvSpPr>
+        <p:spPr/>
+        <p:txBody>
+          <a:bodyPr/>
+          <a:lstStyle/>
+          <a:p>
+            <a:r>
+              <a:t>2. Command Handlers (src/handlers.py)</a:t>
+            </a:r>
+          </a:p>
+        </p:txBody>
+      </p:sp>
+      <p:sp>
+        <p:nvSpPr>
+          <p:cNvPr id="3" name="Content Placeholder 2"/>
+          <p:cNvSpPr>
+            <a:spLocks noGrp="1"/>
+          </p:cNvSpPr>
+          <p:nvPr>
+            <p:ph idx="1"/>
+          </p:nvPr>
+        </p:nvSpPr>
+        <p:spPr/>
+        <p:txBody>
+          <a:bodyPr/>
+          <a:lstStyle/>
+          <a:p>
+            <a:r>
+              <a:t>Компонент для обработки команд и сообщений пользователя, реализующий основную</a:t>
+            </a:r>
+          </a:p>
+          <a:p>
+            <a:r>
+              <a:t>бизнес-логику взаимодействия.</a:t>
+            </a:r>
+          </a:p>
+          <a:p/>
+          <a:p>
+            <a:r>
+              <a:t>Основные функции: \- Обработка команды /start и формирование приветственного</a:t>
+            </a:r>
+          </a:p>
+          <a:p>
+            <a:r>
+              <a:t>сообщения \- Обработка нажатий на кнопки и выбора тем \- Управление</a:t>
+            </a:r>
+          </a:p>
+          <a:p>
+            <a:r>
+              <a:t>тестированием и проверкой ответов \- Обработка режима беседы об истории России</a:t>
+            </a:r>
+          </a:p>
+          <a:p>
+            <a:r>
+              <a:t>\- Взаимодействие с историческими картами и визуализациями \- Управление</a:t>
+            </a:r>
+          </a:p>
+          <a:p>
+            <a:r>
+              <a:t>аналитическими функциями</a:t>
+            </a:r>
+          </a:p>
+          <a:p/>
+          <a:p>
+            <a:r>
+              <a:t>#</a:t>
+            </a:r>
+          </a:p>
+        </p:txBody>
+      </p:sp>
+    </p:spTree>
+  </p:cSld>
+  <p:clrMapOvr>
+    <a:masterClrMapping/>
+  </p:clrMapOvr>
+</p:sld>
+</file>
+
+<file path=ppt/slides/slide21.xml><?xml version="1.0" encoding="utf-8"?>
+<p:sld xmlns:a="http://schemas.openxmlformats.org/drawingml/2006/main" xmlns:p="http://schemas.openxmlformats.org/presentationml/2006/main" xmlns:r="http://schemas.openxmlformats.org/officeDocument/2006/relationships">
+  <p:cSld>
+    <p:spTree>
+      <p:nvGrpSpPr>
+        <p:cNvPr id="1" name=""/>
+        <p:cNvGrpSpPr/>
+        <p:nvPr/>
+      </p:nvGrpSpPr>
+      <p:grpSpPr/>
+      <p:sp>
+        <p:nvSpPr>
+          <p:cNvPr id="2" name="Title 1"/>
+          <p:cNvSpPr>
+            <a:spLocks noGrp="1"/>
+          </p:cNvSpPr>
+          <p:nvPr>
+            <p:ph type="title"/>
+          </p:nvPr>
+        </p:nvSpPr>
+        <p:spPr/>
+        <p:txBody>
+          <a:bodyPr/>
+          <a:lstStyle/>
+          <a:p>
+            <a:r>
+              <a:t>3. Content Service (src/content_service.py)</a:t>
+            </a:r>
+          </a:p>
+        </p:txBody>
+      </p:sp>
+      <p:sp>
+        <p:nvSpPr>
+          <p:cNvPr id="3" name="Text Placeholder 2"/>
+          <p:cNvSpPr>
+            <a:spLocks noGrp="1"/>
+          </p:cNvSpPr>
+          <p:nvPr>
+            <p:ph type="body" idx="1"/>
+          </p:nvPr>
+        </p:nvSpPr>
+        <p:spPr/>
+        <p:txBody>
+          <a:bodyPr/>
+          <a:lstStyle/>
+          <a:p/>
+        </p:txBody>
+      </p:sp>
+    </p:spTree>
+  </p:cSld>
+  <p:clrMapOvr>
+    <a:masterClrMapping/>
+  </p:clrMapOvr>
+</p:sld>
+</file>
+
+<file path=ppt/slides/slide22.xml><?xml version="1.0" encoding="utf-8"?>
+<p:sld xmlns:a="http://schemas.openxmlformats.org/drawingml/2006/main" xmlns:p="http://schemas.openxmlformats.org/presentationml/2006/main" xmlns:r="http://schemas.openxmlformats.org/officeDocument/2006/relationships">
+  <p:cSld>
+    <p:spTree>
+      <p:nvGrpSpPr>
+        <p:cNvPr id="1" name=""/>
+        <p:cNvGrpSpPr/>
+        <p:nvPr/>
+      </p:nvGrpSpPr>
+      <p:grpSpPr/>
+      <p:sp>
+        <p:nvSpPr>
+          <p:cNvPr id="2" name="Title 1"/>
+          <p:cNvSpPr>
+            <a:spLocks noGrp="1"/>
+          </p:cNvSpPr>
+          <p:nvPr>
+            <p:ph type="title"/>
+          </p:nvPr>
+        </p:nvSpPr>
+        <p:spPr/>
+        <p:txBody>
+          <a:bodyPr/>
+          <a:lstStyle/>
+          <a:p>
+            <a:r>
+              <a:t>3. Content Service (src/content_service.py)</a:t>
+            </a:r>
+          </a:p>
+        </p:txBody>
+      </p:sp>
+      <p:sp>
+        <p:nvSpPr>
+          <p:cNvPr id="3" name="Content Placeholder 2"/>
+          <p:cNvSpPr>
+            <a:spLocks noGrp="1"/>
+          </p:cNvSpPr>
+          <p:nvPr>
+            <p:ph idx="1"/>
+          </p:nvPr>
+        </p:nvSpPr>
+        <p:spPr/>
+        <p:txBody>
+          <a:bodyPr/>
+          <a:lstStyle/>
+          <a:p>
+            <a:r>
+              <a:t>Сервис для генерации и управления образовательным контентом.</a:t>
+            </a:r>
+          </a:p>
+          <a:p/>
+          <a:p>
+            <a:r>
+              <a:t>Основные функции: \- Получение и структурирование исторических тем \-</a:t>
+            </a:r>
+          </a:p>
+          <a:p>
+            <a:r>
+              <a:t>Генерация информации по темам \- Валидация исторических запросов \- Управление</a:t>
+            </a:r>
+          </a:p>
+          <a:p>
+            <a:r>
+              <a:t>локальной базой данных исторических событий \- Интеграция с API Gemini для</a:t>
+            </a:r>
+          </a:p>
+          <a:p>
+            <a:r>
+              <a:t>получения контента</a:t>
+            </a:r>
+          </a:p>
+          <a:p/>
+          <a:p>
+            <a:r>
+              <a:t>#</a:t>
+            </a:r>
+          </a:p>
+        </p:txBody>
+      </p:sp>
+    </p:spTree>
+  </p:cSld>
+  <p:clrMapOvr>
+    <a:masterClrMapping/>
+  </p:clrMapOvr>
+</p:sld>
+</file>
+
+<file path=ppt/slides/slide23.xml><?xml version="1.0" encoding="utf-8"?>
+<p:sld xmlns:a="http://schemas.openxmlformats.org/drawingml/2006/main" xmlns:p="http://schemas.openxmlformats.org/presentationml/2006/main" xmlns:r="http://schemas.openxmlformats.org/officeDocument/2006/relationships">
+  <p:cSld>
+    <p:spTree>
+      <p:nvGrpSpPr>
+        <p:cNvPr id="1" name=""/>
+        <p:cNvGrpSpPr/>
+        <p:nvPr/>
+      </p:nvGrpSpPr>
+      <p:grpSpPr/>
+      <p:sp>
+        <p:nvSpPr>
+          <p:cNvPr id="2" name="Title 1"/>
+          <p:cNvSpPr>
+            <a:spLocks noGrp="1"/>
+          </p:cNvSpPr>
+          <p:nvPr>
+            <p:ph type="title"/>
+          </p:nvPr>
+        </p:nvSpPr>
+        <p:spPr/>
+        <p:txBody>
+          <a:bodyPr/>
+          <a:lstStyle/>
+          <a:p>
+            <a:r>
+              <a:t>4. API Client (src/api_client.py)</a:t>
+            </a:r>
+          </a:p>
+        </p:txBody>
+      </p:sp>
+      <p:sp>
+        <p:nvSpPr>
+          <p:cNvPr id="3" name="Text Placeholder 2"/>
+          <p:cNvSpPr>
+            <a:spLocks noGrp="1"/>
+          </p:cNvSpPr>
+          <p:nvPr>
+            <p:ph type="body" idx="1"/>
+          </p:nvPr>
+        </p:nvSpPr>
+        <p:spPr/>
+        <p:txBody>
+          <a:bodyPr/>
+          <a:lstStyle/>
+          <a:p/>
+        </p:txBody>
+      </p:sp>
+    </p:spTree>
+  </p:cSld>
+  <p:clrMapOvr>
+    <a:masterClrMapping/>
+  </p:clrMapOvr>
+</p:sld>
+</file>
+
+<file path=ppt/slides/slide24.xml><?xml version="1.0" encoding="utf-8"?>
+<p:sld xmlns:a="http://schemas.openxmlformats.org/drawingml/2006/main" xmlns:p="http://schemas.openxmlformats.org/presentationml/2006/main" xmlns:r="http://schemas.openxmlformats.org/officeDocument/2006/relationships">
+  <p:cSld>
+    <p:spTree>
+      <p:nvGrpSpPr>
+        <p:cNvPr id="1" name=""/>
+        <p:cNvGrpSpPr/>
+        <p:nvPr/>
+      </p:nvGrpSpPr>
+      <p:grpSpPr/>
+      <p:sp>
+        <p:nvSpPr>
+          <p:cNvPr id="2" name="Title 1"/>
+          <p:cNvSpPr>
+            <a:spLocks noGrp="1"/>
+          </p:cNvSpPr>
+          <p:nvPr>
+            <p:ph type="title"/>
+          </p:nvPr>
+        </p:nvSpPr>
+        <p:spPr/>
+        <p:txBody>
+          <a:bodyPr/>
+          <a:lstStyle/>
+          <a:p>
+            <a:r>
+              <a:t>4. API Client (src/api_client.py)</a:t>
+            </a:r>
+          </a:p>
+        </p:txBody>
+      </p:sp>
+      <p:sp>
+        <p:nvSpPr>
+          <p:cNvPr id="3" name="Content Placeholder 2"/>
+          <p:cNvSpPr>
+            <a:spLocks noGrp="1"/>
+          </p:cNvSpPr>
+          <p:nvPr>
+            <p:ph idx="1"/>
+          </p:nvPr>
+        </p:nvSpPr>
+        <p:spPr/>
+        <p:txBody>
+          <a:bodyPr/>
+          <a:lstStyle/>
+          <a:p>
+            <a:r>
+              <a:t>Клиент для взаимодействия с внешними API (в первую очередь Google Gemini API).</a:t>
+            </a:r>
+          </a:p>
+          <a:p/>
+          <a:p>
+            <a:r>
+              <a:t>Основные функции: \- Формирование запросов к API с оптимальными параметрами \-</a:t>
+            </a:r>
+          </a:p>
+          <a:p>
+            <a:r>
+              <a:t>Обработка ответов от API \- Валидация исторических тем \- Генерация</a:t>
+            </a:r>
+          </a:p>
+          <a:p>
+            <a:r>
+              <a:t>исторических тестов \- Система повторных попыток при ошибках</a:t>
+            </a:r>
+          </a:p>
+          <a:p/>
+          <a:p>
+            <a:r>
+              <a:t>#</a:t>
+            </a:r>
+          </a:p>
+        </p:txBody>
+      </p:sp>
+    </p:spTree>
+  </p:cSld>
+  <p:clrMapOvr>
+    <a:masterClrMapping/>
+  </p:clrMapOvr>
+</p:sld>
+</file>
+
+<file path=ppt/slides/slide25.xml><?xml version="1.0" encoding="utf-8"?>
+<p:sld xmlns:a="http://schemas.openxmlformats.org/drawingml/2006/main" xmlns:p="http://schemas.openxmlformats.org/presentationml/2006/main" xmlns:r="http://schemas.openxmlformats.org/officeDocument/2006/relationships">
+  <p:cSld>
+    <p:spTree>
+      <p:nvGrpSpPr>
+        <p:cNvPr id="1" name=""/>
+        <p:cNvGrpSpPr/>
+        <p:nvPr/>
+      </p:nvGrpSpPr>
+      <p:grpSpPr/>
+      <p:sp>
+        <p:nvSpPr>
+          <p:cNvPr id="2" name="Title 1"/>
+          <p:cNvSpPr>
+            <a:spLocks noGrp="1"/>
+          </p:cNvSpPr>
+          <p:nvPr>
+            <p:ph type="title"/>
+          </p:nvPr>
+        </p:nvSpPr>
+        <p:spPr/>
+        <p:txBody>
+          <a:bodyPr/>
+          <a:lstStyle/>
+          <a:p>
+            <a:r>
+              <a:t>5. History Map Service (src/history_map.py)</a:t>
+            </a:r>
+          </a:p>
+        </p:txBody>
+      </p:sp>
+      <p:sp>
+        <p:nvSpPr>
+          <p:cNvPr id="3" name="Text Placeholder 2"/>
+          <p:cNvSpPr>
+            <a:spLocks noGrp="1"/>
+          </p:cNvSpPr>
+          <p:nvPr>
+            <p:ph type="body" idx="1"/>
+          </p:nvPr>
+        </p:nvSpPr>
+        <p:spPr/>
+        <p:txBody>
+          <a:bodyPr/>
+          <a:lstStyle/>
+          <a:p/>
+        </p:txBody>
+      </p:sp>
+    </p:spTree>
+  </p:cSld>
+  <p:clrMapOvr>
+    <a:masterClrMapping/>
+  </p:clrMapOvr>
+</p:sld>
+</file>
+
+<file path=ppt/slides/slide26.xml><?xml version="1.0" encoding="utf-8"?>
+<p:sld xmlns:a="http://schemas.openxmlformats.org/drawingml/2006/main" xmlns:p="http://schemas.openxmlformats.org/presentationml/2006/main" xmlns:r="http://schemas.openxmlformats.org/officeDocument/2006/relationships">
+  <p:cSld>
+    <p:spTree>
+      <p:nvGrpSpPr>
+        <p:cNvPr id="1" name=""/>
+        <p:cNvGrpSpPr/>
+        <p:nvPr/>
+      </p:nvGrpSpPr>
+      <p:grpSpPr/>
+      <p:sp>
+        <p:nvSpPr>
+          <p:cNvPr id="2" name="Title 1"/>
+          <p:cNvSpPr>
+            <a:spLocks noGrp="1"/>
+          </p:cNvSpPr>
+          <p:nvPr>
+            <p:ph type="title"/>
+          </p:nvPr>
+        </p:nvSpPr>
+        <p:spPr/>
+        <p:txBody>
+          <a:bodyPr/>
+          <a:lstStyle/>
+          <a:p>
+            <a:r>
+              <a:t>5. History Map Service (src/history_map.py)</a:t>
+            </a:r>
+          </a:p>
+        </p:txBody>
+      </p:sp>
+      <p:sp>
+        <p:nvSpPr>
+          <p:cNvPr id="3" name="Content Placeholder 2"/>
+          <p:cNvSpPr>
+            <a:spLocks noGrp="1"/>
+          </p:cNvSpPr>
+          <p:nvPr>
+            <p:ph idx="1"/>
+          </p:nvPr>
+        </p:nvSpPr>
+        <p:spPr/>
+        <p:txBody>
+          <a:bodyPr/>
+          <a:lstStyle/>
+          <a:p>
+            <a:r>
+              <a:t>Сервис для создания и управления историческими картами и визуализациями.</a:t>
+            </a:r>
+          </a:p>
+          <a:p/>
+          <a:p>
+            <a:r>
+              <a:t>Основные функции: \- Генерация интерактивных карт исторических событий \-</a:t>
+            </a:r>
+          </a:p>
+          <a:p>
+            <a:r>
+              <a:t>Создание временных линий для визуализации исторических периодов \-</a:t>
+            </a:r>
+          </a:p>
+          <a:p>
+            <a:r>
+              <a:t>Визуализация изменений границ государств \- Связывание географических данных с</a:t>
+            </a:r>
+          </a:p>
+          <a:p>
+            <a:r>
+              <a:t>историческим контекстом</a:t>
+            </a:r>
+          </a:p>
+          <a:p/>
+          <a:p>
+            <a:r>
+              <a:t>#</a:t>
+            </a:r>
+          </a:p>
+        </p:txBody>
+      </p:sp>
+    </p:spTree>
+  </p:cSld>
+  <p:clrMapOvr>
+    <a:masterClrMapping/>
+  </p:clrMapOvr>
+</p:sld>
+</file>
+
+<file path=ppt/slides/slide27.xml><?xml version="1.0" encoding="utf-8"?>
+<p:sld xmlns:a="http://schemas.openxmlformats.org/drawingml/2006/main" xmlns:p="http://schemas.openxmlformats.org/presentationml/2006/main" xmlns:r="http://schemas.openxmlformats.org/officeDocument/2006/relationships">
+  <p:cSld>
+    <p:spTree>
+      <p:nvGrpSpPr>
+        <p:cNvPr id="1" name=""/>
+        <p:cNvGrpSpPr/>
+        <p:nvPr/>
+      </p:nvGrpSpPr>
+      <p:grpSpPr/>
+      <p:sp>
+        <p:nvSpPr>
+          <p:cNvPr id="2" name="Title 1"/>
+          <p:cNvSpPr>
+            <a:spLocks noGrp="1"/>
+          </p:cNvSpPr>
+          <p:nvPr>
+            <p:ph type="title"/>
+          </p:nvPr>
+        </p:nvSpPr>
+        <p:spPr/>
+        <p:txBody>
+          <a:bodyPr/>
+          <a:lstStyle/>
+          <a:p>
+            <a:r>
+              <a:t>6. Analytics Service (src/analytics.py)</a:t>
+            </a:r>
+          </a:p>
+        </p:txBody>
+      </p:sp>
+      <p:sp>
+        <p:nvSpPr>
+          <p:cNvPr id="3" name="Text Placeholder 2"/>
+          <p:cNvSpPr>
+            <a:spLocks noGrp="1"/>
+          </p:cNvSpPr>
+          <p:nvPr>
+            <p:ph type="body" idx="1"/>
+          </p:nvPr>
+        </p:nvSpPr>
+        <p:spPr/>
+        <p:txBody>
+          <a:bodyPr/>
+          <a:lstStyle/>
+          <a:p/>
+        </p:txBody>
+      </p:sp>
+    </p:spTree>
+  </p:cSld>
+  <p:clrMapOvr>
+    <a:masterClrMapping/>
+  </p:clrMapOvr>
+</p:sld>
+</file>
+
+<file path=ppt/slides/slide28.xml><?xml version="1.0" encoding="utf-8"?>
+<p:sld xmlns:a="http://schemas.openxmlformats.org/drawingml/2006/main" xmlns:p="http://schemas.openxmlformats.org/presentationml/2006/main" xmlns:r="http://schemas.openxmlformats.org/officeDocument/2006/relationships">
+  <p:cSld>
+    <p:spTree>
+      <p:nvGrpSpPr>
+        <p:cNvPr id="1" name=""/>
+        <p:cNvGrpSpPr/>
+        <p:nvPr/>
+      </p:nvGrpSpPr>
+      <p:grpSpPr/>
+      <p:sp>
+        <p:nvSpPr>
+          <p:cNvPr id="2" name="Title 1"/>
+          <p:cNvSpPr>
+            <a:spLocks noGrp="1"/>
+          </p:cNvSpPr>
+          <p:nvPr>
+            <p:ph type="title"/>
+          </p:nvPr>
+        </p:nvSpPr>
+        <p:spPr/>
+        <p:txBody>
+          <a:bodyPr/>
+          <a:lstStyle/>
+          <a:p>
+            <a:r>
+              <a:t>6. Analytics Service (src/analytics.py)</a:t>
+            </a:r>
+          </a:p>
+        </p:txBody>
+      </p:sp>
+      <p:sp>
+        <p:nvSpPr>
+          <p:cNvPr id="3" name="Content Placeholder 2"/>
+          <p:cNvSpPr>
+            <a:spLocks noGrp="1"/>
+          </p:cNvSpPr>
+          <p:nvPr>
+            <p:ph idx="1"/>
+          </p:nvPr>
+        </p:nvSpPr>
+        <p:spPr/>
+        <p:txBody>
+          <a:bodyPr/>
+          <a:lstStyle/>
+          <a:p>
+            <a:r>
+              <a:t>Сервис для сбора и анализа образовательных данных.</a:t>
+            </a:r>
+          </a:p>
+          <a:p/>
+          <a:p>
+            <a:r>
+              <a:t>Основные функции: \- Отслеживание изученных тем и результатов тестов \- Анализ</a:t>
+            </a:r>
+          </a:p>
+          <a:p>
+            <a:r>
+              <a:t>успеваемости пользователей \- Формирование персонализированных рекомендаций \-</a:t>
+            </a:r>
+          </a:p>
+          <a:p>
+            <a:r>
+              <a:t>Сбор статистики использования бота \- Анализ популярных тем и вопросов</a:t>
+            </a:r>
+          </a:p>
+          <a:p/>
+          <a:p>
+            <a:r>
+              <a:t>#</a:t>
+            </a:r>
+          </a:p>
+        </p:txBody>
+      </p:sp>
+    </p:spTree>
+  </p:cSld>
+  <p:clrMapOvr>
+    <a:masterClrMapping/>
+  </p:clrMapOvr>
+</p:sld>
+</file>
+
+<file path=ppt/slides/slide29.xml><?xml version="1.0" encoding="utf-8"?>
+<p:sld xmlns:a="http://schemas.openxmlformats.org/drawingml/2006/main" xmlns:p="http://schemas.openxmlformats.org/presentationml/2006/main" xmlns:r="http://schemas.openxmlformats.org/officeDocument/2006/relationships">
+  <p:cSld>
+    <p:spTree>
+      <p:nvGrpSpPr>
+        <p:cNvPr id="1" name=""/>
+        <p:cNvGrpSpPr/>
+        <p:nvPr/>
+      </p:nvGrpSpPr>
+      <p:grpSpPr/>
+      <p:sp>
+        <p:nvSpPr>
+          <p:cNvPr id="2" name="Title 1"/>
+          <p:cNvSpPr>
+            <a:spLocks noGrp="1"/>
+          </p:cNvSpPr>
+          <p:nvPr>
+            <p:ph type="title"/>
+          </p:nvPr>
+        </p:nvSpPr>
+        <p:spPr/>
+        <p:txBody>
+          <a:bodyPr/>
+          <a:lstStyle/>
+          <a:p>
+            <a:r>
+              <a:t>7. UI Manager (src/ui_manager.py)</a:t>
+            </a:r>
+          </a:p>
+        </p:txBody>
+      </p:sp>
+      <p:sp>
+        <p:nvSpPr>
+          <p:cNvPr id="3" name="Text Placeholder 2"/>
+          <p:cNvSpPr>
+            <a:spLocks noGrp="1"/>
+          </p:cNvSpPr>
+          <p:nvPr>
+            <p:ph type="body" idx="1"/>
+          </p:nvPr>
+        </p:nvSpPr>
+        <p:spPr/>
+        <p:txBody>
+          <a:bodyPr/>
+          <a:lstStyle/>
+          <a:p/>
+        </p:txBody>
+      </p:sp>
+    </p:spTree>
+  </p:cSld>
+  <p:clrMapOvr>
+    <a:masterClrMapping/>
+  </p:clrMapOvr>
+</p:sld>
+</file>
+
+<file path=ppt/slides/slide3.xml><?xml version="1.0" encoding="utf-8"?>
+<p:sld xmlns:a="http://schemas.openxmlformats.org/drawingml/2006/main" xmlns:p="http://schemas.openxmlformats.org/presentationml/2006/main" xmlns:r="http://schemas.openxmlformats.org/officeDocument/2006/relationships">
+  <p:cSld>
+    <p:spTree>
+      <p:nvGrpSpPr>
+        <p:cNvPr id="1" name=""/>
+        <p:cNvGrpSpPr/>
+        <p:nvPr/>
+      </p:nvGrpSpPr>
+      <p:grpSpPr/>
+      <p:sp>
+        <p:nvSpPr>
+          <p:cNvPr id="2" name="Title 1"/>
+          <p:cNvSpPr>
+            <a:spLocks noGrp="1"/>
+          </p:cNvSpPr>
+          <p:nvPr>
+            <p:ph type="title"/>
+          </p:nvPr>
+        </p:nvSpPr>
+        <p:spPr/>
+        <p:txBody>
+          <a:bodyPr/>
+          <a:lstStyle/>
+          <a:p>
+            <a:r>
+              <a:t>Проектная презентация</a:t>
+            </a:r>
+          </a:p>
+        </p:txBody>
+      </p:sp>
+      <p:sp>
+        <p:nvSpPr>
+          <p:cNvPr id="3" name="Text Placeholder 2"/>
+          <p:cNvSpPr>
+            <a:spLocks noGrp="1"/>
+          </p:cNvSpPr>
+          <p:nvPr>
+            <p:ph type="body" idx="1"/>
+          </p:nvPr>
+        </p:nvSpPr>
+        <p:spPr/>
+        <p:txBody>
+          <a:bodyPr/>
+          <a:lstStyle/>
+          <a:p/>
+        </p:txBody>
+      </p:sp>
+      <p:pic>
+        <p:nvPicPr>
+          <p:cNvPr id="4" name="Picture 3" descr="проектная_презентация.jpg"/>
+          <p:cNvPicPr>
+            <a:picLocks noChangeAspect="1"/>
+          </p:cNvPicPr>
+          <p:nvPr/>
+        </p:nvPicPr>
+        <p:blipFill>
+          <a:blip r:embed="rId2"/>
+          <a:stretch>
+            <a:fillRect/>
+          </a:stretch>
+        </p:blipFill>
+        <p:spPr>
+          <a:xfrm>
+            <a:off x="2743200" y="2286000"/>
+            <a:ext cx="3657600" cy="3657600"/>
+          </a:xfrm>
+          <a:prstGeom prst="rect">
+            <a:avLst/>
+          </a:prstGeom>
+        </p:spPr>
+      </p:pic>
+    </p:spTree>
+  </p:cSld>
+  <p:clrMapOvr>
+    <a:masterClrMapping/>
+  </p:clrMapOvr>
+</p:sld>
+</file>
+
+<file path=ppt/slides/slide30.xml><?xml version="1.0" encoding="utf-8"?>
+<p:sld xmlns:a="http://schemas.openxmlformats.org/drawingml/2006/main" xmlns:p="http://schemas.openxmlformats.org/presentationml/2006/main" xmlns:r="http://schemas.openxmlformats.org/officeDocument/2006/relationships">
+  <p:cSld>
+    <p:spTree>
+      <p:nvGrpSpPr>
+        <p:cNvPr id="1" name=""/>
+        <p:cNvGrpSpPr/>
+        <p:nvPr/>
+      </p:nvGrpSpPr>
+      <p:grpSpPr/>
+      <p:sp>
+        <p:nvSpPr>
+          <p:cNvPr id="2" name="Title 1"/>
+          <p:cNvSpPr>
+            <a:spLocks noGrp="1"/>
+          </p:cNvSpPr>
+          <p:nvPr>
+            <p:ph type="title"/>
+          </p:nvPr>
+        </p:nvSpPr>
+        <p:spPr/>
+        <p:txBody>
+          <a:bodyPr/>
+          <a:lstStyle/>
+          <a:p>
+            <a:r>
+              <a:t>7. UI Manager (src/ui_manager.py)</a:t>
+            </a:r>
+          </a:p>
+        </p:txBody>
+      </p:sp>
+      <p:sp>
+        <p:nvSpPr>
+          <p:cNvPr id="3" name="Content Placeholder 2"/>
+          <p:cNvSpPr>
+            <a:spLocks noGrp="1"/>
+          </p:cNvSpPr>
+          <p:nvPr>
+            <p:ph idx="1"/>
+          </p:nvPr>
+        </p:nvSpPr>
+        <p:spPr/>
+        <p:txBody>
+          <a:bodyPr/>
+          <a:lstStyle/>
+          <a:p>
+            <a:r>
+              <a:t>Компонент для создания и управления пользовательским интерфейсом.</a:t>
+            </a:r>
+          </a:p>
+          <a:p/>
+          <a:p>
+            <a:r>
+              <a:t>Основные функции: \- Создание инлайн-клавиатур и кнопок \- Форматирование</a:t>
+            </a:r>
+          </a:p>
+          <a:p>
+            <a:r>
+              <a:t>сообщений для Telegram \- Парсинг и форматирование тем \- Создание адаптивных</a:t>
+            </a:r>
+          </a:p>
+          <a:p>
+            <a:r>
+              <a:t>меню</a:t>
+            </a:r>
+          </a:p>
+          <a:p/>
+          <a:p>
+            <a:r>
+              <a:t>#</a:t>
+            </a:r>
+          </a:p>
+        </p:txBody>
+      </p:sp>
+    </p:spTree>
+  </p:cSld>
+  <p:clrMapOvr>
+    <a:masterClrMapping/>
+  </p:clrMapOvr>
+</p:sld>
+</file>
+
+<file path=ppt/slides/slide31.xml><?xml version="1.0" encoding="utf-8"?>
+<p:sld xmlns:a="http://schemas.openxmlformats.org/drawingml/2006/main" xmlns:p="http://schemas.openxmlformats.org/presentationml/2006/main" xmlns:r="http://schemas.openxmlformats.org/officeDocument/2006/relationships">
+  <p:cSld>
+    <p:spTree>
+      <p:nvGrpSpPr>
+        <p:cNvPr id="1" name=""/>
+        <p:cNvGrpSpPr/>
+        <p:nvPr/>
+      </p:nvGrpSpPr>
+      <p:grpSpPr/>
+      <p:sp>
+        <p:nvSpPr>
+          <p:cNvPr id="2" name="Title 1"/>
+          <p:cNvSpPr>
+            <a:spLocks noGrp="1"/>
+          </p:cNvSpPr>
+          <p:nvPr>
+            <p:ph type="title"/>
+          </p:nvPr>
+        </p:nvSpPr>
+        <p:spPr/>
+        <p:txBody>
+          <a:bodyPr/>
+          <a:lstStyle/>
+          <a:p>
+            <a:r>
+              <a:t>8. Web Server (src/web_server.py)</a:t>
+            </a:r>
+          </a:p>
+        </p:txBody>
+      </p:sp>
+      <p:sp>
+        <p:nvSpPr>
+          <p:cNvPr id="3" name="Text Placeholder 2"/>
+          <p:cNvSpPr>
+            <a:spLocks noGrp="1"/>
+          </p:cNvSpPr>
+          <p:nvPr>
+            <p:ph type="body" idx="1"/>
+          </p:nvPr>
+        </p:nvSpPr>
+        <p:spPr/>
+        <p:txBody>
+          <a:bodyPr/>
+          <a:lstStyle/>
+          <a:p/>
+        </p:txBody>
+      </p:sp>
+    </p:spTree>
+  </p:cSld>
+  <p:clrMapOvr>
+    <a:masterClrMapping/>
+  </p:clrMapOvr>
+</p:sld>
+</file>
+
+<file path=ppt/slides/slide32.xml><?xml version="1.0" encoding="utf-8"?>
+<p:sld xmlns:a="http://schemas.openxmlformats.org/drawingml/2006/main" xmlns:p="http://schemas.openxmlformats.org/presentationml/2006/main" xmlns:r="http://schemas.openxmlformats.org/officeDocument/2006/relationships">
+  <p:cSld>
+    <p:spTree>
+      <p:nvGrpSpPr>
+        <p:cNvPr id="1" name=""/>
+        <p:cNvGrpSpPr/>
+        <p:nvPr/>
+      </p:nvGrpSpPr>
+      <p:grpSpPr/>
+      <p:sp>
+        <p:nvSpPr>
+          <p:cNvPr id="2" name="Title 1"/>
+          <p:cNvSpPr>
+            <a:spLocks noGrp="1"/>
+          </p:cNvSpPr>
+          <p:nvPr>
+            <p:ph type="title"/>
+          </p:nvPr>
+        </p:nvSpPr>
+        <p:spPr/>
+        <p:txBody>
+          <a:bodyPr/>
+          <a:lstStyle/>
+          <a:p>
+            <a:r>
+              <a:t>8. Web Server (src/web_server.py)</a:t>
+            </a:r>
+          </a:p>
+        </p:txBody>
+      </p:sp>
+      <p:sp>
+        <p:nvSpPr>
+          <p:cNvPr id="3" name="Content Placeholder 2"/>
+          <p:cNvSpPr>
+            <a:spLocks noGrp="1"/>
+          </p:cNvSpPr>
+          <p:nvPr>
+            <p:ph idx="1"/>
+          </p:nvPr>
+        </p:nvSpPr>
+        <p:spPr/>
+        <p:txBody>
+          <a:bodyPr/>
+          <a:lstStyle/>
+          <a:p>
+            <a:r>
+              <a:t>Компонент для реализации веб-интерфейса административной панели.</a:t>
+            </a:r>
+          </a:p>
+          <a:p/>
+          <a:p>
+            <a:r>
+              <a:t>Основные функции: \- Предоставление веб-интерфейса для администрирования \-</a:t>
+            </a:r>
+          </a:p>
+          <a:p>
+            <a:r>
+              <a:t>Отображение статистики и аналитики \- Управление настройками бота \- Просмотр</a:t>
+            </a:r>
+          </a:p>
+          <a:p>
+            <a:r>
+              <a:t>и фильтрация логов</a:t>
+            </a:r>
+          </a:p>
+        </p:txBody>
+      </p:sp>
+    </p:spTree>
+  </p:cSld>
+  <p:clrMapOvr>
+    <a:masterClrMapping/>
+  </p:clrMapOvr>
+</p:sld>
+</file>
+
+<file path=ppt/slides/slide33.xml><?xml version="1.0" encoding="utf-8"?>
+<p:sld xmlns:a="http://schemas.openxmlformats.org/drawingml/2006/main" xmlns:p="http://schemas.openxmlformats.org/presentationml/2006/main" xmlns:r="http://schemas.openxmlformats.org/officeDocument/2006/relationships">
+  <p:cSld>
+    <p:spTree>
+      <p:nvGrpSpPr>
+        <p:cNvPr id="1" name=""/>
+        <p:cNvGrpSpPr/>
+        <p:nvPr/>
+      </p:nvGrpSpPr>
+      <p:grpSpPr/>
+      <p:sp>
+        <p:nvSpPr>
+          <p:cNvPr id="2" name="Title 1"/>
+          <p:cNvSpPr>
+            <a:spLocks noGrp="1"/>
+          </p:cNvSpPr>
+          <p:nvPr>
+            <p:ph type="title"/>
+          </p:nvPr>
+        </p:nvSpPr>
+        <p:spPr/>
+        <p:txBody>
+          <a:bodyPr/>
+          <a:lstStyle/>
+          <a:p>
+            <a:r>
+              <a:t>Технологический стек</a:t>
+            </a:r>
+          </a:p>
+        </p:txBody>
+      </p:sp>
+      <p:sp>
+        <p:nvSpPr>
+          <p:cNvPr id="3" name="Text Placeholder 2"/>
+          <p:cNvSpPr>
+            <a:spLocks noGrp="1"/>
+          </p:cNvSpPr>
+          <p:nvPr>
+            <p:ph type="body" idx="1"/>
+          </p:nvPr>
+        </p:nvSpPr>
+        <p:spPr/>
+        <p:txBody>
+          <a:bodyPr/>
+          <a:lstStyle/>
+          <a:p/>
+        </p:txBody>
+      </p:sp>
+      <p:pic>
+        <p:nvPicPr>
+          <p:cNvPr id="4" name="Picture 3" descr="проектная_презентация.jpg"/>
+          <p:cNvPicPr>
+            <a:picLocks noChangeAspect="1"/>
+          </p:cNvPicPr>
+          <p:nvPr/>
+        </p:nvPicPr>
+        <p:blipFill>
+          <a:blip r:embed="rId2"/>
+          <a:stretch>
+            <a:fillRect/>
+          </a:stretch>
+        </p:blipFill>
+        <p:spPr>
+          <a:xfrm>
+            <a:off x="2743200" y="2286000"/>
+            <a:ext cx="3657600" cy="3657600"/>
+          </a:xfrm>
+          <a:prstGeom prst="rect">
+            <a:avLst/>
+          </a:prstGeom>
+        </p:spPr>
+      </p:pic>
+    </p:spTree>
+  </p:cSld>
+  <p:clrMapOvr>
+    <a:masterClrMapping/>
+  </p:clrMapOvr>
+</p:sld>
+</file>
+
+<file path=ppt/slides/slide34.xml><?xml version="1.0" encoding="utf-8"?>
+<p:sld xmlns:a="http://schemas.openxmlformats.org/drawingml/2006/main" xmlns:p="http://schemas.openxmlformats.org/presentationml/2006/main" xmlns:r="http://schemas.openxmlformats.org/officeDocument/2006/relationships">
+  <p:cSld>
+    <p:spTree>
+      <p:nvGrpSpPr>
+        <p:cNvPr id="1" name=""/>
+        <p:cNvGrpSpPr/>
+        <p:nvPr/>
+      </p:nvGrpSpPr>
+      <p:grpSpPr/>
+      <p:sp>
+        <p:nvSpPr>
+          <p:cNvPr id="2" name="Title 1"/>
+          <p:cNvSpPr>
+            <a:spLocks noGrp="1"/>
+          </p:cNvSpPr>
+          <p:nvPr>
+            <p:ph type="title"/>
+          </p:nvPr>
+        </p:nvSpPr>
+        <p:spPr/>
+        <p:txBody>
+          <a:bodyPr/>
+          <a:lstStyle/>
+          <a:p>
+            <a:r>
+              <a:t>Технологический стек</a:t>
+            </a:r>
+          </a:p>
+        </p:txBody>
+      </p:sp>
+      <p:sp>
+        <p:nvSpPr>
+          <p:cNvPr id="3" name="Content Placeholder 2"/>
+          <p:cNvSpPr>
+            <a:spLocks noGrp="1"/>
+          </p:cNvSpPr>
+          <p:nvPr>
+            <p:ph idx="1"/>
+          </p:nvPr>
+        </p:nvSpPr>
+        <p:spPr/>
+        <p:txBody>
+          <a:bodyPr/>
+          <a:lstStyle/>
+          <a:p>
+            <a:r>
+              <a:t>#</a:t>
+            </a:r>
+          </a:p>
+        </p:txBody>
+      </p:sp>
+    </p:spTree>
+  </p:cSld>
+  <p:clrMapOvr>
+    <a:masterClrMapping/>
+  </p:clrMapOvr>
+</p:sld>
+</file>
+
+<file path=ppt/slides/slide35.xml><?xml version="1.0" encoding="utf-8"?>
+<p:sld xmlns:a="http://schemas.openxmlformats.org/drawingml/2006/main" xmlns:p="http://schemas.openxmlformats.org/presentationml/2006/main" xmlns:r="http://schemas.openxmlformats.org/officeDocument/2006/relationships">
+  <p:cSld>
+    <p:spTree>
+      <p:nvGrpSpPr>
+        <p:cNvPr id="1" name=""/>
+        <p:cNvGrpSpPr/>
+        <p:nvPr/>
+      </p:nvGrpSpPr>
+      <p:grpSpPr/>
+      <p:sp>
+        <p:nvSpPr>
+          <p:cNvPr id="2" name="Title 1"/>
+          <p:cNvSpPr>
+            <a:spLocks noGrp="1"/>
+          </p:cNvSpPr>
+          <p:nvPr>
+            <p:ph type="title"/>
+          </p:nvPr>
+        </p:nvSpPr>
+        <p:spPr/>
+        <p:txBody>
+          <a:bodyPr/>
+          <a:lstStyle/>
+          <a:p>
+            <a:r>
+              <a:t>Языки программирования и фреймворки:</a:t>
+            </a:r>
+          </a:p>
+        </p:txBody>
+      </p:sp>
+      <p:sp>
+        <p:nvSpPr>
+          <p:cNvPr id="3" name="Text Placeholder 2"/>
+          <p:cNvSpPr>
+            <a:spLocks noGrp="1"/>
+          </p:cNvSpPr>
+          <p:nvPr>
+            <p:ph type="body" idx="1"/>
+          </p:nvPr>
+        </p:nvSpPr>
+        <p:spPr/>
+        <p:txBody>
+          <a:bodyPr/>
+          <a:lstStyle/>
+          <a:p/>
+        </p:txBody>
+      </p:sp>
+      <p:pic>
+        <p:nvPicPr>
+          <p:cNvPr id="4" name="Picture 3" descr="проектная_презентация.jpg"/>
+          <p:cNvPicPr>
+            <a:picLocks noChangeAspect="1"/>
+          </p:cNvPicPr>
+          <p:nvPr/>
+        </p:nvPicPr>
+        <p:blipFill>
+          <a:blip r:embed="rId2"/>
+          <a:stretch>
+            <a:fillRect/>
+          </a:stretch>
+        </p:blipFill>
+        <p:spPr>
+          <a:xfrm>
+            <a:off x="2743200" y="2286000"/>
+            <a:ext cx="3657600" cy="3657600"/>
+          </a:xfrm>
+          <a:prstGeom prst="rect">
+            <a:avLst/>
+          </a:prstGeom>
+        </p:spPr>
+      </p:pic>
+    </p:spTree>
+  </p:cSld>
+  <p:clrMapOvr>
+    <a:masterClrMapping/>
+  </p:clrMapOvr>
+</p:sld>
+</file>
+
+<file path=ppt/slides/slide36.xml><?xml version="1.0" encoding="utf-8"?>
+<p:sld xmlns:a="http://schemas.openxmlformats.org/drawingml/2006/main" xmlns:p="http://schemas.openxmlformats.org/presentationml/2006/main" xmlns:r="http://schemas.openxmlformats.org/officeDocument/2006/relationships">
+  <p:cSld>
+    <p:spTree>
+      <p:nvGrpSpPr>
+        <p:cNvPr id="1" name=""/>
+        <p:cNvGrpSpPr/>
+        <p:nvPr/>
+      </p:nvGrpSpPr>
+      <p:grpSpPr/>
+      <p:sp>
+        <p:nvSpPr>
+          <p:cNvPr id="2" name="Title 1"/>
+          <p:cNvSpPr>
+            <a:spLocks noGrp="1"/>
+          </p:cNvSpPr>
+          <p:nvPr>
+            <p:ph type="title"/>
+          </p:nvPr>
+        </p:nvSpPr>
+        <p:spPr/>
+        <p:txBody>
+          <a:bodyPr/>
+          <a:lstStyle/>
+          <a:p>
+            <a:r>
+              <a:t>Языки программирования и фреймворки:</a:t>
+            </a:r>
+          </a:p>
+        </p:txBody>
+      </p:sp>
+      <p:sp>
+        <p:nvSpPr>
+          <p:cNvPr id="3" name="Content Placeholder 2"/>
+          <p:cNvSpPr>
+            <a:spLocks noGrp="1"/>
+          </p:cNvSpPr>
+          <p:nvPr>
+            <p:ph idx="1"/>
+          </p:nvPr>
+        </p:nvSpPr>
+        <p:spPr/>
+        <p:txBody>
+          <a:bodyPr/>
+          <a:lstStyle/>
+          <a:p>
+            <a:r>
+              <a:t>* **Python 3.9+** — основной язык разработки</a:t>
+            </a:r>
+          </a:p>
+          <a:p>
+            <a:r>
+              <a:t>  * **Flask** — веб-фреймворк для административной панели</a:t>
+            </a:r>
+          </a:p>
+          <a:p>
+            <a:r>
+              <a:t>  * **Telegram Bot API** — для создания Telegram-бота</a:t>
+            </a:r>
+          </a:p>
+          <a:p>
+            <a:r>
+              <a:t>  * **Google Gemini API** — для генерации образовательного контента</a:t>
+            </a:r>
+          </a:p>
+          <a:p/>
+          <a:p>
+            <a:r>
+              <a:t>#</a:t>
+            </a:r>
+          </a:p>
+        </p:txBody>
+      </p:sp>
+    </p:spTree>
+  </p:cSld>
+  <p:clrMapOvr>
+    <a:masterClrMapping/>
+  </p:clrMapOvr>
+</p:sld>
+</file>
+
+<file path=ppt/slides/slide37.xml><?xml version="1.0" encoding="utf-8"?>
+<p:sld xmlns:a="http://schemas.openxmlformats.org/drawingml/2006/main" xmlns:p="http://schemas.openxmlformats.org/presentationml/2006/main" xmlns:r="http://schemas.openxmlformats.org/officeDocument/2006/relationships">
+  <p:cSld>
+    <p:spTree>
+      <p:nvGrpSpPr>
+        <p:cNvPr id="1" name=""/>
+        <p:cNvGrpSpPr/>
+        <p:nvPr/>
+      </p:nvGrpSpPr>
+      <p:grpSpPr/>
+      <p:sp>
+        <p:nvSpPr>
+          <p:cNvPr id="2" name="Title 1"/>
+          <p:cNvSpPr>
+            <a:spLocks noGrp="1"/>
+          </p:cNvSpPr>
+          <p:nvPr>
+            <p:ph type="title"/>
+          </p:nvPr>
+        </p:nvSpPr>
+        <p:spPr/>
+        <p:txBody>
+          <a:bodyPr/>
+          <a:lstStyle/>
+          <a:p>
+            <a:r>
+              <a:t>Библиотеки и инструменты:</a:t>
+            </a:r>
+          </a:p>
+        </p:txBody>
+      </p:sp>
+      <p:sp>
+        <p:nvSpPr>
+          <p:cNvPr id="3" name="Text Placeholder 2"/>
+          <p:cNvSpPr>
+            <a:spLocks noGrp="1"/>
+          </p:cNvSpPr>
+          <p:nvPr>
+            <p:ph type="body" idx="1"/>
+          </p:nvPr>
+        </p:nvSpPr>
+        <p:spPr/>
+        <p:txBody>
+          <a:bodyPr/>
+          <a:lstStyle/>
+          <a:p/>
+        </p:txBody>
+      </p:sp>
+      <p:pic>
+        <p:nvPicPr>
+          <p:cNvPr id="4" name="Picture 3" descr="проектная_презентация.jpg"/>
+          <p:cNvPicPr>
+            <a:picLocks noChangeAspect="1"/>
+          </p:cNvPicPr>
+          <p:nvPr/>
+        </p:nvPicPr>
+        <p:blipFill>
+          <a:blip r:embed="rId2"/>
+          <a:stretch>
+            <a:fillRect/>
+          </a:stretch>
+        </p:blipFill>
+        <p:spPr>
+          <a:xfrm>
+            <a:off x="2743200" y="2286000"/>
+            <a:ext cx="3657600" cy="3657600"/>
+          </a:xfrm>
+          <a:prstGeom prst="rect">
+            <a:avLst/>
+          </a:prstGeom>
+        </p:spPr>
+      </p:pic>
+    </p:spTree>
+  </p:cSld>
+  <p:clrMapOvr>
+    <a:masterClrMapping/>
+  </p:clrMapOvr>
+</p:sld>
+</file>
+
+<file path=ppt/slides/slide38.xml><?xml version="1.0" encoding="utf-8"?>
+<p:sld xmlns:a="http://schemas.openxmlformats.org/drawingml/2006/main" xmlns:p="http://schemas.openxmlformats.org/presentationml/2006/main" xmlns:r="http://schemas.openxmlformats.org/officeDocument/2006/relationships">
+  <p:cSld>
+    <p:spTree>
+      <p:nvGrpSpPr>
+        <p:cNvPr id="1" name=""/>
+        <p:cNvGrpSpPr/>
+        <p:nvPr/>
+      </p:nvGrpSpPr>
+      <p:grpSpPr/>
+      <p:sp>
+        <p:nvSpPr>
+          <p:cNvPr id="2" name="Title 1"/>
+          <p:cNvSpPr>
+            <a:spLocks noGrp="1"/>
+          </p:cNvSpPr>
+          <p:nvPr>
+            <p:ph type="title"/>
+          </p:nvPr>
+        </p:nvSpPr>
+        <p:spPr/>
+        <p:txBody>
+          <a:bodyPr/>
+          <a:lstStyle/>
+          <a:p>
+            <a:r>
+              <a:t>Библиотеки и инструменты:</a:t>
+            </a:r>
+          </a:p>
+        </p:txBody>
+      </p:sp>
+      <p:sp>
+        <p:nvSpPr>
+          <p:cNvPr id="3" name="Content Placeholder 2"/>
+          <p:cNvSpPr>
+            <a:spLocks noGrp="1"/>
+          </p:cNvSpPr>
+          <p:nvPr>
+            <p:ph idx="1"/>
+          </p:nvPr>
+        </p:nvSpPr>
+        <p:spPr/>
+        <p:txBody>
+          <a:bodyPr/>
+          <a:lstStyle/>
+          <a:p>
+            <a:r>
+              <a:t>* **python-telegram-bot** — библиотека для работы с Telegram Bot API</a:t>
+            </a:r>
+          </a:p>
+          <a:p>
+            <a:r>
+              <a:t>  * **requests** — для HTTP-запросов к внешним API</a:t>
+            </a:r>
+          </a:p>
+          <a:p>
+            <a:r>
+              <a:t>  * **folium** — для создания интерактивных карт</a:t>
+            </a:r>
+          </a:p>
+          <a:p>
+            <a:r>
+              <a:t>  * **matplotlib** — для генерации графиков и визуализаций</a:t>
+            </a:r>
+          </a:p>
+          <a:p>
+            <a:r>
+              <a:t>  * **json** — для работы с JSON-данными</a:t>
+            </a:r>
+          </a:p>
+          <a:p>
+            <a:r>
+              <a:t>  * **re** — для работы с регулярными выражениями</a:t>
+            </a:r>
+          </a:p>
+          <a:p>
+            <a:r>
+              <a:t>  * **logging** — для системы логирования</a:t>
+            </a:r>
+          </a:p>
+          <a:p>
+            <a:r>
+              <a:t>  * **threading** — для многопоточности</a:t>
+            </a:r>
+          </a:p>
+          <a:p>
+            <a:r>
+              <a:t>  * **docx** — для создания документов Word</a:t>
+            </a:r>
+          </a:p>
+          <a:p>
+            <a:r>
+              <a:t>  * **PIL** — для работы с изображениями</a:t>
+            </a:r>
+          </a:p>
+          <a:p/>
+          <a:p>
+            <a:r>
+              <a:t>#</a:t>
+            </a:r>
+          </a:p>
+        </p:txBody>
+      </p:sp>
+    </p:spTree>
+  </p:cSld>
+  <p:clrMapOvr>
+    <a:masterClrMapping/>
+  </p:clrMapOvr>
+</p:sld>
+</file>
+
+<file path=ppt/slides/slide39.xml><?xml version="1.0" encoding="utf-8"?>
+<p:sld xmlns:a="http://schemas.openxmlformats.org/drawingml/2006/main" xmlns:p="http://schemas.openxmlformats.org/presentationml/2006/main" xmlns:r="http://schemas.openxmlformats.org/officeDocument/2006/relationships">
+  <p:cSld>
+    <p:spTree>
+      <p:nvGrpSpPr>
+        <p:cNvPr id="1" name=""/>
+        <p:cNvGrpSpPr/>
+        <p:nvPr/>
+      </p:nvGrpSpPr>
+      <p:grpSpPr/>
+      <p:sp>
+        <p:nvSpPr>
+          <p:cNvPr id="2" name="Title 1"/>
+          <p:cNvSpPr>
+            <a:spLocks noGrp="1"/>
+          </p:cNvSpPr>
+          <p:nvPr>
+            <p:ph type="title"/>
+          </p:nvPr>
+        </p:nvSpPr>
+        <p:spPr/>
+        <p:txBody>
+          <a:bodyPr/>
+          <a:lstStyle/>
+          <a:p>
+            <a:r>
+              <a:t>Паттерны проектирования:</a:t>
+            </a:r>
+          </a:p>
+        </p:txBody>
+      </p:sp>
+      <p:sp>
+        <p:nvSpPr>
+          <p:cNvPr id="3" name="Text Placeholder 2"/>
+          <p:cNvSpPr>
+            <a:spLocks noGrp="1"/>
+          </p:cNvSpPr>
+          <p:nvPr>
+            <p:ph type="body" idx="1"/>
+          </p:nvPr>
+        </p:nvSpPr>
+        <p:spPr/>
+        <p:txBody>
+          <a:bodyPr/>
+          <a:lstStyle/>
+          <a:p/>
+        </p:txBody>
+      </p:sp>
+      <p:pic>
+        <p:nvPicPr>
+          <p:cNvPr id="4" name="Picture 3" descr="проектная_презентация.jpg"/>
+          <p:cNvPicPr>
+            <a:picLocks noChangeAspect="1"/>
+          </p:cNvPicPr>
+          <p:nvPr/>
+        </p:nvPicPr>
+        <p:blipFill>
+          <a:blip r:embed="rId2"/>
+          <a:stretch>
+            <a:fillRect/>
+          </a:stretch>
+        </p:blipFill>
+        <p:spPr>
+          <a:xfrm>
+            <a:off x="2743200" y="2286000"/>
+            <a:ext cx="3657600" cy="3657600"/>
+          </a:xfrm>
+          <a:prstGeom prst="rect">
+            <a:avLst/>
+          </a:prstGeom>
+        </p:spPr>
+      </p:pic>
+    </p:spTree>
+  </p:cSld>
+  <p:clrMapOvr>
+    <a:masterClrMapping/>
+  </p:clrMapOvr>
+</p:sld>
+</file>
+
+<file path=ppt/slides/slide4.xml><?xml version="1.0" encoding="utf-8"?>
+<p:sld xmlns:a="http://schemas.openxmlformats.org/drawingml/2006/main" xmlns:p="http://schemas.openxmlformats.org/presentationml/2006/main" xmlns:r="http://schemas.openxmlformats.org/officeDocument/2006/relationships">
+  <p:cSld>
+    <p:spTree>
+      <p:nvGrpSpPr>
+        <p:cNvPr id="1" name=""/>
+        <p:cNvGrpSpPr/>
+        <p:nvPr/>
+      </p:nvGrpSpPr>
+      <p:grpSpPr/>
+      <p:sp>
+        <p:nvSpPr>
+          <p:cNvPr id="2" name="Title 1"/>
+          <p:cNvSpPr>
+            <a:spLocks noGrp="1"/>
+          </p:cNvSpPr>
+          <p:nvPr>
+            <p:ph type="title"/>
+          </p:nvPr>
+        </p:nvSpPr>
+        <p:spPr/>
+        <p:txBody>
+          <a:bodyPr/>
+          <a:lstStyle/>
+          <a:p>
+            <a:r>
+              <a:t>Проектная презентация</a:t>
+            </a:r>
+          </a:p>
+        </p:txBody>
+      </p:sp>
+      <p:sp>
+        <p:nvSpPr>
+          <p:cNvPr id="3" name="Content Placeholder 2"/>
+          <p:cNvSpPr>
+            <a:spLocks noGrp="1"/>
+          </p:cNvSpPr>
+          <p:nvPr>
+            <p:ph idx="1"/>
+          </p:nvPr>
+        </p:nvSpPr>
+        <p:spPr/>
+        <p:txBody>
+          <a:bodyPr/>
+          <a:lstStyle/>
+          <a:p>
+            <a:r>
+              <a:t>#</a:t>
+            </a:r>
+          </a:p>
+        </p:txBody>
+      </p:sp>
+    </p:spTree>
+  </p:cSld>
+  <p:clrMapOvr>
+    <a:masterClrMapping/>
+  </p:clrMapOvr>
+</p:sld>
+</file>
+
+<file path=ppt/slides/slide40.xml><?xml version="1.0" encoding="utf-8"?>
+<p:sld xmlns:a="http://schemas.openxmlformats.org/drawingml/2006/main" xmlns:p="http://schemas.openxmlformats.org/presentationml/2006/main" xmlns:r="http://schemas.openxmlformats.org/officeDocument/2006/relationships">
+  <p:cSld>
+    <p:spTree>
+      <p:nvGrpSpPr>
+        <p:cNvPr id="1" name=""/>
+        <p:cNvGrpSpPr/>
+        <p:nvPr/>
+      </p:nvGrpSpPr>
+      <p:grpSpPr/>
+      <p:sp>
+        <p:nvSpPr>
+          <p:cNvPr id="2" name="Title 1"/>
+          <p:cNvSpPr>
+            <a:spLocks noGrp="1"/>
+          </p:cNvSpPr>
+          <p:nvPr>
+            <p:ph type="title"/>
+          </p:nvPr>
+        </p:nvSpPr>
+        <p:spPr/>
+        <p:txBody>
+          <a:bodyPr/>
+          <a:lstStyle/>
+          <a:p>
+            <a:r>
+              <a:t>Паттерны проектирования:</a:t>
+            </a:r>
+          </a:p>
+        </p:txBody>
+      </p:sp>
+      <p:sp>
+        <p:nvSpPr>
+          <p:cNvPr id="3" name="Content Placeholder 2"/>
+          <p:cNvSpPr>
+            <a:spLocks noGrp="1"/>
+          </p:cNvSpPr>
+          <p:nvPr>
+            <p:ph idx="1"/>
+          </p:nvPr>
+        </p:nvSpPr>
+        <p:spPr/>
+        <p:txBody>
+          <a:bodyPr/>
+          <a:lstStyle/>
+          <a:p>
+            <a:r>
+              <a:t>* **Factory** — для создания компонентов системы</a:t>
+            </a:r>
+          </a:p>
+          <a:p>
+            <a:r>
+              <a:t>  * **Service Locator** — для централизованного управления сервисами</a:t>
+            </a:r>
+          </a:p>
+          <a:p>
+            <a:r>
+              <a:t>  * **Dependency Injection** — для управления зависимостями</a:t>
+            </a:r>
+          </a:p>
+          <a:p>
+            <a:r>
+              <a:t>  * **Singleton** — для компонентов, существующих в единственном экземпляре</a:t>
+            </a:r>
+          </a:p>
+          <a:p>
+            <a:r>
+              <a:t>  * **Strategy** — для различных алгоритмов обработки данных</a:t>
+            </a:r>
+          </a:p>
+          <a:p>
+            <a:r>
+              <a:t>  * **Observer** — для системы событий</a:t>
+            </a:r>
+          </a:p>
+          <a:p>
+            <a:r>
+              <a:t>  * **Facade** — для упрощения интерфейсов</a:t>
+            </a:r>
+          </a:p>
+          <a:p/>
+          <a:p>
+            <a:r>
+              <a:t>#</a:t>
+            </a:r>
+          </a:p>
+        </p:txBody>
+      </p:sp>
+    </p:spTree>
+  </p:cSld>
+  <p:clrMapOvr>
+    <a:masterClrMapping/>
+  </p:clrMapOvr>
+</p:sld>
+</file>
+
+<file path=ppt/slides/slide41.xml><?xml version="1.0" encoding="utf-8"?>
+<p:sld xmlns:a="http://schemas.openxmlformats.org/drawingml/2006/main" xmlns:p="http://schemas.openxmlformats.org/presentationml/2006/main" xmlns:r="http://schemas.openxmlformats.org/officeDocument/2006/relationships">
+  <p:cSld>
+    <p:spTree>
+      <p:nvGrpSpPr>
+        <p:cNvPr id="1" name=""/>
+        <p:cNvGrpSpPr/>
+        <p:nvPr/>
+      </p:nvGrpSpPr>
+      <p:grpSpPr/>
+      <p:sp>
+        <p:nvSpPr>
+          <p:cNvPr id="2" name="Title 1"/>
+          <p:cNvSpPr>
+            <a:spLocks noGrp="1"/>
+          </p:cNvSpPr>
+          <p:nvPr>
+            <p:ph type="title"/>
+          </p:nvPr>
+        </p:nvSpPr>
+        <p:spPr/>
+        <p:txBody>
+          <a:bodyPr/>
+          <a:lstStyle/>
+          <a:p>
+            <a:r>
+              <a:t>Инфраструктура:</a:t>
+            </a:r>
+          </a:p>
+        </p:txBody>
+      </p:sp>
+      <p:sp>
+        <p:nvSpPr>
+          <p:cNvPr id="3" name="Text Placeholder 2"/>
+          <p:cNvSpPr>
+            <a:spLocks noGrp="1"/>
+          </p:cNvSpPr>
+          <p:nvPr>
+            <p:ph type="body" idx="1"/>
+          </p:nvPr>
+        </p:nvSpPr>
+        <p:spPr/>
+        <p:txBody>
+          <a:bodyPr/>
+          <a:lstStyle/>
+          <a:p/>
+        </p:txBody>
+      </p:sp>
+      <p:pic>
+        <p:nvPicPr>
+          <p:cNvPr id="4" name="Picture 3" descr="проектная_презентация.jpg"/>
+          <p:cNvPicPr>
+            <a:picLocks noChangeAspect="1"/>
+          </p:cNvPicPr>
+          <p:nvPr/>
+        </p:nvPicPr>
+        <p:blipFill>
+          <a:blip r:embed="rId2"/>
+          <a:stretch>
+            <a:fillRect/>
+          </a:stretch>
+        </p:blipFill>
+        <p:spPr>
+          <a:xfrm>
+            <a:off x="2743200" y="2286000"/>
+            <a:ext cx="3657600" cy="3657600"/>
+          </a:xfrm>
+          <a:prstGeom prst="rect">
+            <a:avLst/>
+          </a:prstGeom>
+        </p:spPr>
+      </p:pic>
+    </p:spTree>
+  </p:cSld>
+  <p:clrMapOvr>
+    <a:masterClrMapping/>
+  </p:clrMapOvr>
+</p:sld>
+</file>
+
+<file path=ppt/slides/slide42.xml><?xml version="1.0" encoding="utf-8"?>
+<p:sld xmlns:a="http://schemas.openxmlformats.org/drawingml/2006/main" xmlns:p="http://schemas.openxmlformats.org/presentationml/2006/main" xmlns:r="http://schemas.openxmlformats.org/officeDocument/2006/relationships">
+  <p:cSld>
+    <p:spTree>
+      <p:nvGrpSpPr>
+        <p:cNvPr id="1" name=""/>
+        <p:cNvGrpSpPr/>
+        <p:nvPr/>
+      </p:nvGrpSpPr>
+      <p:grpSpPr/>
+      <p:sp>
+        <p:nvSpPr>
+          <p:cNvPr id="2" name="Title 1"/>
+          <p:cNvSpPr>
+            <a:spLocks noGrp="1"/>
+          </p:cNvSpPr>
+          <p:nvPr>
+            <p:ph type="title"/>
+          </p:nvPr>
+        </p:nvSpPr>
+        <p:spPr/>
+        <p:txBody>
+          <a:bodyPr/>
+          <a:lstStyle/>
+          <a:p>
+            <a:r>
+              <a:t>Инфраструктура:</a:t>
+            </a:r>
+          </a:p>
+        </p:txBody>
+      </p:sp>
+      <p:sp>
+        <p:nvSpPr>
+          <p:cNvPr id="3" name="Content Placeholder 2"/>
+          <p:cNvSpPr>
+            <a:spLocks noGrp="1"/>
+          </p:cNvSpPr>
+          <p:nvPr>
+            <p:ph idx="1"/>
+          </p:nvPr>
+        </p:nvSpPr>
+        <p:spPr/>
+        <p:txBody>
+          <a:bodyPr/>
+          <a:lstStyle/>
+          <a:p>
+            <a:r>
+              <a:t>* **Replit** — платформа для хостинга и разработки</a:t>
+            </a:r>
+          </a:p>
+          <a:p>
+            <a:r>
+              <a:t>  * **Git** — система контроля версий</a:t>
+            </a:r>
+          </a:p>
+          <a:p>
+            <a:r>
+              <a:t>  * **JSON-файлы** — для хранения данных</a:t>
+            </a:r>
+          </a:p>
+          <a:p>
+            <a:r>
+              <a:t>  * **Логирование** — для отслеживания работы системы</a:t>
+            </a:r>
+          </a:p>
+        </p:txBody>
+      </p:sp>
+    </p:spTree>
+  </p:cSld>
+  <p:clrMapOvr>
+    <a:masterClrMapping/>
+  </p:clrMapOvr>
+</p:sld>
+</file>
+
+<file path=ppt/slides/slide43.xml><?xml version="1.0" encoding="utf-8"?>
+<p:sld xmlns:a="http://schemas.openxmlformats.org/drawingml/2006/main" xmlns:p="http://schemas.openxmlformats.org/presentationml/2006/main" xmlns:r="http://schemas.openxmlformats.org/officeDocument/2006/relationships">
+  <p:cSld>
+    <p:spTree>
+      <p:nvGrpSpPr>
+        <p:cNvPr id="1" name=""/>
+        <p:cNvGrpSpPr/>
+        <p:nvPr/>
+      </p:nvGrpSpPr>
+      <p:grpSpPr/>
+      <p:sp>
+        <p:nvSpPr>
+          <p:cNvPr id="2" name="Title 1"/>
+          <p:cNvSpPr>
+            <a:spLocks noGrp="1"/>
+          </p:cNvSpPr>
+          <p:nvPr>
+            <p:ph type="title"/>
+          </p:nvPr>
+        </p:nvSpPr>
+        <p:spPr/>
+        <p:txBody>
+          <a:bodyPr/>
+          <a:lstStyle/>
+          <a:p>
+            <a:r>
+              <a:t>Функциональные возможности</a:t>
+            </a:r>
+          </a:p>
+        </p:txBody>
+      </p:sp>
+      <p:sp>
+        <p:nvSpPr>
+          <p:cNvPr id="3" name="Text Placeholder 2"/>
+          <p:cNvSpPr>
+            <a:spLocks noGrp="1"/>
+          </p:cNvSpPr>
+          <p:nvPr>
+            <p:ph type="body" idx="1"/>
+          </p:nvPr>
+        </p:nvSpPr>
+        <p:spPr/>
+        <p:txBody>
+          <a:bodyPr/>
+          <a:lstStyle/>
+          <a:p/>
+        </p:txBody>
+      </p:sp>
+      <p:pic>
+        <p:nvPicPr>
+          <p:cNvPr id="4" name="Picture 3" descr="проектная_презентация.jpg"/>
+          <p:cNvPicPr>
+            <a:picLocks noChangeAspect="1"/>
+          </p:cNvPicPr>
+          <p:nvPr/>
+        </p:nvPicPr>
+        <p:blipFill>
+          <a:blip r:embed="rId2"/>
+          <a:stretch>
+            <a:fillRect/>
+          </a:stretch>
+        </p:blipFill>
+        <p:spPr>
+          <a:xfrm>
+            <a:off x="2743200" y="2286000"/>
+            <a:ext cx="3657600" cy="3657600"/>
+          </a:xfrm>
+          <a:prstGeom prst="rect">
+            <a:avLst/>
+          </a:prstGeom>
+        </p:spPr>
+      </p:pic>
+    </p:spTree>
+  </p:cSld>
+  <p:clrMapOvr>
+    <a:masterClrMapping/>
+  </p:clrMapOvr>
+</p:sld>
+</file>
+
+<file path=ppt/slides/slide44.xml><?xml version="1.0" encoding="utf-8"?>
+<p:sld xmlns:a="http://schemas.openxmlformats.org/drawingml/2006/main" xmlns:p="http://schemas.openxmlformats.org/presentationml/2006/main" xmlns:r="http://schemas.openxmlformats.org/officeDocument/2006/relationships">
+  <p:cSld>
+    <p:spTree>
+      <p:nvGrpSpPr>
+        <p:cNvPr id="1" name=""/>
+        <p:cNvGrpSpPr/>
+        <p:nvPr/>
+      </p:nvGrpSpPr>
+      <p:grpSpPr/>
+      <p:sp>
+        <p:nvSpPr>
+          <p:cNvPr id="2" name="Title 1"/>
+          <p:cNvSpPr>
+            <a:spLocks noGrp="1"/>
+          </p:cNvSpPr>
+          <p:nvPr>
+            <p:ph type="title"/>
+          </p:nvPr>
+        </p:nvSpPr>
+        <p:spPr/>
+        <p:txBody>
+          <a:bodyPr/>
+          <a:lstStyle/>
+          <a:p>
+            <a:r>
+              <a:t>Функциональные возможности</a:t>
+            </a:r>
+          </a:p>
+        </p:txBody>
+      </p:sp>
+      <p:sp>
+        <p:nvSpPr>
+          <p:cNvPr id="3" name="Content Placeholder 2"/>
+          <p:cNvSpPr>
+            <a:spLocks noGrp="1"/>
+          </p:cNvSpPr>
+          <p:nvPr>
+            <p:ph idx="1"/>
+          </p:nvPr>
+        </p:nvSpPr>
+        <p:spPr/>
+        <p:txBody>
+          <a:bodyPr/>
+          <a:lstStyle/>
+          <a:p>
+            <a:r>
+              <a:t>#</a:t>
+            </a:r>
+          </a:p>
+        </p:txBody>
+      </p:sp>
+    </p:spTree>
+  </p:cSld>
+  <p:clrMapOvr>
+    <a:masterClrMapping/>
+  </p:clrMapOvr>
+</p:sld>
+</file>
+
+<file path=ppt/slides/slide45.xml><?xml version="1.0" encoding="utf-8"?>
+<p:sld xmlns:a="http://schemas.openxmlformats.org/drawingml/2006/main" xmlns:p="http://schemas.openxmlformats.org/presentationml/2006/main" xmlns:r="http://schemas.openxmlformats.org/officeDocument/2006/relationships">
+  <p:cSld>
+    <p:spTree>
+      <p:nvGrpSpPr>
+        <p:cNvPr id="1" name=""/>
+        <p:cNvGrpSpPr/>
+        <p:nvPr/>
+      </p:nvGrpSpPr>
+      <p:grpSpPr/>
+      <p:sp>
+        <p:nvSpPr>
+          <p:cNvPr id="2" name="Title 1"/>
+          <p:cNvSpPr>
+            <a:spLocks noGrp="1"/>
+          </p:cNvSpPr>
+          <p:nvPr>
+            <p:ph type="title"/>
+          </p:nvPr>
+        </p:nvSpPr>
+        <p:spPr/>
+        <p:txBody>
+          <a:bodyPr/>
+          <a:lstStyle/>
+          <a:p>
+            <a:r>
+              <a:t>1. Изучение исторических тем</a:t>
+            </a:r>
+          </a:p>
+        </p:txBody>
+      </p:sp>
+      <p:sp>
+        <p:nvSpPr>
+          <p:cNvPr id="3" name="Text Placeholder 2"/>
+          <p:cNvSpPr>
+            <a:spLocks noGrp="1"/>
+          </p:cNvSpPr>
+          <p:nvPr>
+            <p:ph type="body" idx="1"/>
+          </p:nvPr>
+        </p:nvSpPr>
+        <p:spPr/>
+        <p:txBody>
+          <a:bodyPr/>
+          <a:lstStyle/>
+          <a:p/>
+        </p:txBody>
+      </p:sp>
+      <p:pic>
+        <p:nvPicPr>
+          <p:cNvPr id="4" name="Picture 3" descr="проектная_презентация.jpg"/>
+          <p:cNvPicPr>
+            <a:picLocks noChangeAspect="1"/>
+          </p:cNvPicPr>
+          <p:nvPr/>
+        </p:nvPicPr>
+        <p:blipFill>
+          <a:blip r:embed="rId2"/>
+          <a:stretch>
+            <a:fillRect/>
+          </a:stretch>
+        </p:blipFill>
+        <p:spPr>
+          <a:xfrm>
+            <a:off x="2743200" y="2286000"/>
+            <a:ext cx="3657600" cy="3657600"/>
+          </a:xfrm>
+          <a:prstGeom prst="rect">
+            <a:avLst/>
+          </a:prstGeom>
+        </p:spPr>
+      </p:pic>
+    </p:spTree>
+  </p:cSld>
+  <p:clrMapOvr>
+    <a:masterClrMapping/>
+  </p:clrMapOvr>
+</p:sld>
+</file>
+
+<file path=ppt/slides/slide46.xml><?xml version="1.0" encoding="utf-8"?>
+<p:sld xmlns:a="http://schemas.openxmlformats.org/drawingml/2006/main" xmlns:p="http://schemas.openxmlformats.org/presentationml/2006/main" xmlns:r="http://schemas.openxmlformats.org/officeDocument/2006/relationships">
+  <p:cSld>
+    <p:spTree>
+      <p:nvGrpSpPr>
+        <p:cNvPr id="1" name=""/>
+        <p:cNvGrpSpPr/>
+        <p:nvPr/>
+      </p:nvGrpSpPr>
+      <p:grpSpPr/>
+      <p:sp>
+        <p:nvSpPr>
+          <p:cNvPr id="2" name="Title 1"/>
+          <p:cNvSpPr>
+            <a:spLocks noGrp="1"/>
+          </p:cNvSpPr>
+          <p:nvPr>
+            <p:ph type="title"/>
+          </p:nvPr>
+        </p:nvSpPr>
+        <p:spPr/>
+        <p:txBody>
+          <a:bodyPr/>
+          <a:lstStyle/>
+          <a:p>
+            <a:r>
+              <a:t>1. Изучение исторических тем</a:t>
+            </a:r>
+          </a:p>
+        </p:txBody>
+      </p:sp>
+      <p:sp>
+        <p:nvSpPr>
+          <p:cNvPr id="3" name="Content Placeholder 2"/>
+          <p:cNvSpPr>
+            <a:spLocks noGrp="1"/>
+          </p:cNvSpPr>
+          <p:nvPr>
+            <p:ph idx="1"/>
+          </p:nvPr>
+        </p:nvSpPr>
+        <p:spPr/>
+        <p:txBody>
+          <a:bodyPr/>
+          <a:lstStyle/>
+          <a:p>
+            <a:r>
+              <a:t>* **Выбор готовых тем** — предоставление структурированного списка исторических тем</a:t>
+            </a:r>
+          </a:p>
+          <a:p>
+            <a:r>
+              <a:t>  * **Пользовательские темы** — возможность запросить информацию по любой исторической теме</a:t>
+            </a:r>
+          </a:p>
+          <a:p>
+            <a:r>
+              <a:t>  * **Структурированное представление** — разделение информации на логические секции для удобства восприятия</a:t>
+            </a:r>
+          </a:p>
+          <a:p>
+            <a:r>
+              <a:t>  * **Контекстные ссылки** — связывание тем между собой для навигации по историческим периодам</a:t>
+            </a:r>
+          </a:p>
+          <a:p/>
+          <a:p>
+            <a:r>
+              <a:t>#</a:t>
+            </a:r>
+          </a:p>
+        </p:txBody>
+      </p:sp>
+    </p:spTree>
+  </p:cSld>
+  <p:clrMapOvr>
+    <a:masterClrMapping/>
+  </p:clrMapOvr>
+</p:sld>
+</file>
+
+<file path=ppt/slides/slide47.xml><?xml version="1.0" encoding="utf-8"?>
+<p:sld xmlns:a="http://schemas.openxmlformats.org/drawingml/2006/main" xmlns:p="http://schemas.openxmlformats.org/presentationml/2006/main" xmlns:r="http://schemas.openxmlformats.org/officeDocument/2006/relationships">
+  <p:cSld>
+    <p:spTree>
+      <p:nvGrpSpPr>
+        <p:cNvPr id="1" name=""/>
+        <p:cNvGrpSpPr/>
+        <p:nvPr/>
+      </p:nvGrpSpPr>
+      <p:grpSpPr/>
+      <p:sp>
+        <p:nvSpPr>
+          <p:cNvPr id="2" name="Title 1"/>
+          <p:cNvSpPr>
+            <a:spLocks noGrp="1"/>
+          </p:cNvSpPr>
+          <p:nvPr>
+            <p:ph type="title"/>
+          </p:nvPr>
+        </p:nvSpPr>
+        <p:spPr/>
+        <p:txBody>
+          <a:bodyPr/>
+          <a:lstStyle/>
+          <a:p>
+            <a:r>
+              <a:t>2. Интерактивное тестирование</a:t>
+            </a:r>
+          </a:p>
+        </p:txBody>
+      </p:sp>
+      <p:sp>
+        <p:nvSpPr>
+          <p:cNvPr id="3" name="Text Placeholder 2"/>
+          <p:cNvSpPr>
+            <a:spLocks noGrp="1"/>
+          </p:cNvSpPr>
+          <p:nvPr>
+            <p:ph type="body" idx="1"/>
+          </p:nvPr>
+        </p:nvSpPr>
+        <p:spPr/>
+        <p:txBody>
+          <a:bodyPr/>
+          <a:lstStyle/>
+          <a:p/>
+        </p:txBody>
+      </p:sp>
+      <p:pic>
+        <p:nvPicPr>
+          <p:cNvPr id="4" name="Picture 3" descr="проектная_презентация.jpg"/>
+          <p:cNvPicPr>
+            <a:picLocks noChangeAspect="1"/>
+          </p:cNvPicPr>
+          <p:nvPr/>
+        </p:nvPicPr>
+        <p:blipFill>
+          <a:blip r:embed="rId2"/>
+          <a:stretch>
+            <a:fillRect/>
+          </a:stretch>
+        </p:blipFill>
+        <p:spPr>
+          <a:xfrm>
+            <a:off x="2743200" y="2286000"/>
+            <a:ext cx="3657600" cy="3657600"/>
+          </a:xfrm>
+          <a:prstGeom prst="rect">
+            <a:avLst/>
+          </a:prstGeom>
+        </p:spPr>
+      </p:pic>
+    </p:spTree>
+  </p:cSld>
+  <p:clrMapOvr>
+    <a:masterClrMapping/>
+  </p:clrMapOvr>
+</p:sld>
+</file>
+
+<file path=ppt/slides/slide48.xml><?xml version="1.0" encoding="utf-8"?>
+<p:sld xmlns:a="http://schemas.openxmlformats.org/drawingml/2006/main" xmlns:p="http://schemas.openxmlformats.org/presentationml/2006/main" xmlns:r="http://schemas.openxmlformats.org/officeDocument/2006/relationships">
+  <p:cSld>
+    <p:spTree>
+      <p:nvGrpSpPr>
+        <p:cNvPr id="1" name=""/>
+        <p:cNvGrpSpPr/>
+        <p:nvPr/>
+      </p:nvGrpSpPr>
+      <p:grpSpPr/>
+      <p:sp>
+        <p:nvSpPr>
+          <p:cNvPr id="2" name="Title 1"/>
+          <p:cNvSpPr>
+            <a:spLocks noGrp="1"/>
+          </p:cNvSpPr>
+          <p:nvPr>
+            <p:ph type="title"/>
+          </p:nvPr>
+        </p:nvSpPr>
+        <p:spPr/>
+        <p:txBody>
+          <a:bodyPr/>
+          <a:lstStyle/>
+          <a:p>
+            <a:r>
+              <a:t>2. Интерактивное тестирование</a:t>
+            </a:r>
+          </a:p>
+        </p:txBody>
+      </p:sp>
+      <p:sp>
+        <p:nvSpPr>
+          <p:cNvPr id="3" name="Content Placeholder 2"/>
+          <p:cNvSpPr>
+            <a:spLocks noGrp="1"/>
+          </p:cNvSpPr>
+          <p:nvPr>
+            <p:ph idx="1"/>
+          </p:nvPr>
+        </p:nvSpPr>
+        <p:spPr/>
+        <p:txBody>
+          <a:bodyPr/>
+          <a:lstStyle/>
+          <a:p>
+            <a:r>
+              <a:t>* **Генерация уникальных тестов** — создание тестов с вопросами разной сложности для каждой темы</a:t>
+            </a:r>
+          </a:p>
+          <a:p>
+            <a:r>
+              <a:t>  * **Проверка ответов** — автоматическая проверка ответов с подробными пояснениями</a:t>
+            </a:r>
+          </a:p>
+          <a:p>
+            <a:r>
+              <a:t>  * **Отслеживание результатов** — сохранение истории тестирования и анализ прогресса</a:t>
+            </a:r>
+          </a:p>
+          <a:p>
+            <a:r>
+              <a:t>  * **Адаптивная сложность** — изменение сложности вопросов в зависимости от уровня знаний пользователя</a:t>
+            </a:r>
+          </a:p>
+          <a:p/>
+          <a:p>
+            <a:r>
+              <a:t>#</a:t>
+            </a:r>
+          </a:p>
+        </p:txBody>
+      </p:sp>
+    </p:spTree>
+  </p:cSld>
+  <p:clrMapOvr>
+    <a:masterClrMapping/>
+  </p:clrMapOvr>
+</p:sld>
+</file>
+
+<file path=ppt/slides/slide49.xml><?xml version="1.0" encoding="utf-8"?>
+<p:sld xmlns:a="http://schemas.openxmlformats.org/drawingml/2006/main" xmlns:p="http://schemas.openxmlformats.org/presentationml/2006/main" xmlns:r="http://schemas.openxmlformats.org/officeDocument/2006/relationships">
+  <p:cSld>
+    <p:spTree>
+      <p:nvGrpSpPr>
+        <p:cNvPr id="1" name=""/>
+        <p:cNvGrpSpPr/>
+        <p:nvPr/>
+      </p:nvGrpSpPr>
+      <p:grpSpPr/>
+      <p:sp>
+        <p:nvSpPr>
+          <p:cNvPr id="2" name="Title 1"/>
+          <p:cNvSpPr>
+            <a:spLocks noGrp="1"/>
+          </p:cNvSpPr>
+          <p:nvPr>
+            <p:ph type="title"/>
+          </p:nvPr>
+        </p:nvSpPr>
+        <p:spPr/>
+        <p:txBody>
+          <a:bodyPr/>
+          <a:lstStyle/>
+          <a:p>
+            <a:r>
+              <a:t>3. Режим беседы</a:t>
+            </a:r>
+          </a:p>
+        </p:txBody>
+      </p:sp>
+      <p:sp>
+        <p:nvSpPr>
+          <p:cNvPr id="3" name="Text Placeholder 2"/>
+          <p:cNvSpPr>
+            <a:spLocks noGrp="1"/>
+          </p:cNvSpPr>
+          <p:nvPr>
+            <p:ph type="body" idx="1"/>
+          </p:nvPr>
+        </p:nvSpPr>
+        <p:spPr/>
+        <p:txBody>
+          <a:bodyPr/>
+          <a:lstStyle/>
+          <a:p/>
+        </p:txBody>
+      </p:sp>
+      <p:pic>
+        <p:nvPicPr>
+          <p:cNvPr id="4" name="Picture 3" descr="проектная_презентация.jpg"/>
+          <p:cNvPicPr>
+            <a:picLocks noChangeAspect="1"/>
+          </p:cNvPicPr>
+          <p:nvPr/>
+        </p:nvPicPr>
+        <p:blipFill>
+          <a:blip r:embed="rId2"/>
+          <a:stretch>
+            <a:fillRect/>
+          </a:stretch>
+        </p:blipFill>
+        <p:spPr>
+          <a:xfrm>
+            <a:off x="2743200" y="2286000"/>
+            <a:ext cx="3657600" cy="3657600"/>
+          </a:xfrm>
+          <a:prstGeom prst="rect">
+            <a:avLst/>
+          </a:prstGeom>
+        </p:spPr>
+      </p:pic>
+    </p:spTree>
+  </p:cSld>
+  <p:clrMapOvr>
+    <a:masterClrMapping/>
+  </p:clrMapOvr>
+</p:sld>
+</file>
+
+<file path=ppt/slides/slide5.xml><?xml version="1.0" encoding="utf-8"?>
+<p:sld xmlns:a="http://schemas.openxmlformats.org/drawingml/2006/main" xmlns:p="http://schemas.openxmlformats.org/presentationml/2006/main" xmlns:r="http://schemas.openxmlformats.org/officeDocument/2006/relationships">
+  <p:cSld>
+    <p:spTree>
+      <p:nvGrpSpPr>
+        <p:cNvPr id="1" name=""/>
+        <p:cNvGrpSpPr/>
+        <p:nvPr/>
+      </p:nvGrpSpPr>
+      <p:grpSpPr/>
+      <p:sp>
+        <p:nvSpPr>
+          <p:cNvPr id="2" name="Title 1"/>
+          <p:cNvSpPr>
+            <a:spLocks noGrp="1"/>
+          </p:cNvSpPr>
+          <p:nvPr>
+            <p:ph type="title"/>
+          </p:nvPr>
+        </p:nvSpPr>
+        <p:spPr/>
+        <p:txBody>
+          <a:bodyPr/>
+          <a:lstStyle/>
+          <a:p>
+            <a:r>
+              <a:t>Содержание</a:t>
+            </a:r>
+          </a:p>
+        </p:txBody>
+      </p:sp>
+      <p:sp>
+        <p:nvSpPr>
+          <p:cNvPr id="3" name="Text Placeholder 2"/>
+          <p:cNvSpPr>
+            <a:spLocks noGrp="1"/>
+          </p:cNvSpPr>
+          <p:nvPr>
+            <p:ph type="body" idx="1"/>
+          </p:nvPr>
+        </p:nvSpPr>
+        <p:spPr/>
+        <p:txBody>
+          <a:bodyPr/>
+          <a:lstStyle/>
+          <a:p/>
+        </p:txBody>
+      </p:sp>
+      <p:pic>
+        <p:nvPicPr>
+          <p:cNvPr id="4" name="Picture 3" descr="проектная_презентация.jpg"/>
+          <p:cNvPicPr>
+            <a:picLocks noChangeAspect="1"/>
+          </p:cNvPicPr>
+          <p:nvPr/>
+        </p:nvPicPr>
+        <p:blipFill>
+          <a:blip r:embed="rId2"/>
+          <a:stretch>
+            <a:fillRect/>
+          </a:stretch>
+        </p:blipFill>
+        <p:spPr>
+          <a:xfrm>
+            <a:off x="2743200" y="2286000"/>
+            <a:ext cx="3657600" cy="3657600"/>
+          </a:xfrm>
+          <a:prstGeom prst="rect">
+            <a:avLst/>
+          </a:prstGeom>
+        </p:spPr>
+      </p:pic>
+    </p:spTree>
+  </p:cSld>
+  <p:clrMapOvr>
+    <a:masterClrMapping/>
+  </p:clrMapOvr>
+</p:sld>
+</file>
+
+<file path=ppt/slides/slide50.xml><?xml version="1.0" encoding="utf-8"?>
+<p:sld xmlns:a="http://schemas.openxmlformats.org/drawingml/2006/main" xmlns:p="http://schemas.openxmlformats.org/presentationml/2006/main" xmlns:r="http://schemas.openxmlformats.org/officeDocument/2006/relationships">
+  <p:cSld>
+    <p:spTree>
+      <p:nvGrpSpPr>
+        <p:cNvPr id="1" name=""/>
+        <p:cNvGrpSpPr/>
+        <p:nvPr/>
+      </p:nvGrpSpPr>
+      <p:grpSpPr/>
+      <p:sp>
+        <p:nvSpPr>
+          <p:cNvPr id="2" name="Title 1"/>
+          <p:cNvSpPr>
+            <a:spLocks noGrp="1"/>
+          </p:cNvSpPr>
+          <p:nvPr>
+            <p:ph type="title"/>
+          </p:nvPr>
+        </p:nvSpPr>
+        <p:spPr/>
+        <p:txBody>
+          <a:bodyPr/>
+          <a:lstStyle/>
+          <a:p>
+            <a:r>
+              <a:t>3. Режим беседы</a:t>
+            </a:r>
+          </a:p>
+        </p:txBody>
+      </p:sp>
+      <p:sp>
+        <p:nvSpPr>
+          <p:cNvPr id="3" name="Content Placeholder 2"/>
+          <p:cNvSpPr>
+            <a:spLocks noGrp="1"/>
+          </p:cNvSpPr>
+          <p:nvPr>
+            <p:ph idx="1"/>
+          </p:nvPr>
+        </p:nvSpPr>
+        <p:spPr/>
+        <p:txBody>
+          <a:bodyPr/>
+          <a:lstStyle/>
+          <a:p>
+            <a:r>
+              <a:t>* **Ответы на вопросы** — возможность задавать произвольные вопросы об истории России</a:t>
+            </a:r>
+          </a:p>
+          <a:p>
+            <a:r>
+              <a:t>  * **Валидация запросов** — проверка релевантности вопросов исторической тематике</a:t>
+            </a:r>
+          </a:p>
+          <a:p>
+            <a:r>
+              <a:t>  * **Структурированные ответы** — логическое форматирование ответов для лучшего восприятия</a:t>
+            </a:r>
+          </a:p>
+          <a:p>
+            <a:r>
+              <a:t>  * **Контекстуальность** — учет предыдущих вопросов для поддержания диалога</a:t>
+            </a:r>
+          </a:p>
+          <a:p/>
+          <a:p>
+            <a:r>
+              <a:t>#</a:t>
+            </a:r>
+          </a:p>
+        </p:txBody>
+      </p:sp>
+    </p:spTree>
+  </p:cSld>
+  <p:clrMapOvr>
+    <a:masterClrMapping/>
+  </p:clrMapOvr>
+</p:sld>
+</file>
+
+<file path=ppt/slides/slide51.xml><?xml version="1.0" encoding="utf-8"?>
+<p:sld xmlns:a="http://schemas.openxmlformats.org/drawingml/2006/main" xmlns:p="http://schemas.openxmlformats.org/presentationml/2006/main" xmlns:r="http://schemas.openxmlformats.org/officeDocument/2006/relationships">
+  <p:cSld>
+    <p:spTree>
+      <p:nvGrpSpPr>
+        <p:cNvPr id="1" name=""/>
+        <p:cNvGrpSpPr/>
+        <p:nvPr/>
+      </p:nvGrpSpPr>
+      <p:grpSpPr/>
+      <p:sp>
+        <p:nvSpPr>
+          <p:cNvPr id="2" name="Title 1"/>
+          <p:cNvSpPr>
+            <a:spLocks noGrp="1"/>
+          </p:cNvSpPr>
+          <p:nvPr>
+            <p:ph type="title"/>
+          </p:nvPr>
+        </p:nvSpPr>
+        <p:spPr/>
+        <p:txBody>
+          <a:bodyPr/>
+          <a:lstStyle/>
+          <a:p>
+            <a:r>
+              <a:t>4. Исторические карты и визуализации</a:t>
+            </a:r>
+          </a:p>
+        </p:txBody>
+      </p:sp>
+      <p:sp>
+        <p:nvSpPr>
+          <p:cNvPr id="3" name="Text Placeholder 2"/>
+          <p:cNvSpPr>
+            <a:spLocks noGrp="1"/>
+          </p:cNvSpPr>
+          <p:nvPr>
+            <p:ph type="body" idx="1"/>
+          </p:nvPr>
+        </p:nvSpPr>
+        <p:spPr/>
+        <p:txBody>
+          <a:bodyPr/>
+          <a:lstStyle/>
+          <a:p/>
+        </p:txBody>
+      </p:sp>
+      <p:pic>
+        <p:nvPicPr>
+          <p:cNvPr id="4" name="Picture 3" descr="проектная_презентация.jpg"/>
+          <p:cNvPicPr>
+            <a:picLocks noChangeAspect="1"/>
+          </p:cNvPicPr>
+          <p:nvPr/>
+        </p:nvPicPr>
+        <p:blipFill>
+          <a:blip r:embed="rId2"/>
+          <a:stretch>
+            <a:fillRect/>
+          </a:stretch>
+        </p:blipFill>
+        <p:spPr>
+          <a:xfrm>
+            <a:off x="2743200" y="2286000"/>
+            <a:ext cx="3657600" cy="3657600"/>
+          </a:xfrm>
+          <a:prstGeom prst="rect">
+            <a:avLst/>
+          </a:prstGeom>
+        </p:spPr>
+      </p:pic>
+    </p:spTree>
+  </p:cSld>
+  <p:clrMapOvr>
+    <a:masterClrMapping/>
+  </p:clrMapOvr>
+</p:sld>
+</file>
+
+<file path=ppt/slides/slide52.xml><?xml version="1.0" encoding="utf-8"?>
+<p:sld xmlns:a="http://schemas.openxmlformats.org/drawingml/2006/main" xmlns:p="http://schemas.openxmlformats.org/presentationml/2006/main" xmlns:r="http://schemas.openxmlformats.org/officeDocument/2006/relationships">
+  <p:cSld>
+    <p:spTree>
+      <p:nvGrpSpPr>
+        <p:cNvPr id="1" name=""/>
+        <p:cNvGrpSpPr/>
+        <p:nvPr/>
+      </p:nvGrpSpPr>
+      <p:grpSpPr/>
+      <p:sp>
+        <p:nvSpPr>
+          <p:cNvPr id="2" name="Title 1"/>
+          <p:cNvSpPr>
+            <a:spLocks noGrp="1"/>
+          </p:cNvSpPr>
+          <p:nvPr>
+            <p:ph type="title"/>
+          </p:nvPr>
+        </p:nvSpPr>
+        <p:spPr/>
+        <p:txBody>
+          <a:bodyPr/>
+          <a:lstStyle/>
+          <a:p>
+            <a:r>
+              <a:t>4. Исторические карты и визуализации</a:t>
+            </a:r>
+          </a:p>
+        </p:txBody>
+      </p:sp>
+      <p:sp>
+        <p:nvSpPr>
+          <p:cNvPr id="3" name="Content Placeholder 2"/>
+          <p:cNvSpPr>
+            <a:spLocks noGrp="1"/>
+          </p:cNvSpPr>
+          <p:nvPr>
+            <p:ph idx="1"/>
+          </p:nvPr>
+        </p:nvSpPr>
+        <p:spPr/>
+        <p:txBody>
+          <a:bodyPr/>
+          <a:lstStyle/>
+          <a:p>
+            <a:r>
+              <a:t>* **Интерактивные карты** — отображение мест сражений и исторических событий</a:t>
+            </a:r>
+          </a:p>
+          <a:p>
+            <a:r>
+              <a:t>  * **Временные линии** — визуализация хронологии исторических периодов</a:t>
+            </a:r>
+          </a:p>
+          <a:p>
+            <a:r>
+              <a:t>  * **Карты изменения границ** — отображение территориальных изменений государств</a:t>
+            </a:r>
+          </a:p>
+          <a:p>
+            <a:r>
+              <a:t>  * **Схемы сражений** — визуализация ключевых битв и военных кампаний</a:t>
+            </a:r>
+          </a:p>
+          <a:p/>
+          <a:p>
+            <a:r>
+              <a:t>#</a:t>
+            </a:r>
+          </a:p>
+        </p:txBody>
+      </p:sp>
+    </p:spTree>
+  </p:cSld>
+  <p:clrMapOvr>
+    <a:masterClrMapping/>
+  </p:clrMapOvr>
+</p:sld>
+</file>
+
+<file path=ppt/slides/slide53.xml><?xml version="1.0" encoding="utf-8"?>
+<p:sld xmlns:a="http://schemas.openxmlformats.org/drawingml/2006/main" xmlns:p="http://schemas.openxmlformats.org/presentationml/2006/main" xmlns:r="http://schemas.openxmlformats.org/officeDocument/2006/relationships">
+  <p:cSld>
+    <p:spTree>
+      <p:nvGrpSpPr>
+        <p:cNvPr id="1" name=""/>
+        <p:cNvGrpSpPr/>
+        <p:nvPr/>
+      </p:nvGrpSpPr>
+      <p:grpSpPr/>
+      <p:sp>
+        <p:nvSpPr>
+          <p:cNvPr id="2" name="Title 1"/>
+          <p:cNvSpPr>
+            <a:spLocks noGrp="1"/>
+          </p:cNvSpPr>
+          <p:nvPr>
+            <p:ph type="title"/>
+          </p:nvPr>
+        </p:nvSpPr>
+        <p:spPr/>
+        <p:txBody>
+          <a:bodyPr/>
+          <a:lstStyle/>
+          <a:p>
+            <a:r>
+              <a:t>5. Аналитическая система</a:t>
+            </a:r>
+          </a:p>
+        </p:txBody>
+      </p:sp>
+      <p:sp>
+        <p:nvSpPr>
+          <p:cNvPr id="3" name="Text Placeholder 2"/>
+          <p:cNvSpPr>
+            <a:spLocks noGrp="1"/>
+          </p:cNvSpPr>
+          <p:nvPr>
+            <p:ph type="body" idx="1"/>
+          </p:nvPr>
+        </p:nvSpPr>
+        <p:spPr/>
+        <p:txBody>
+          <a:bodyPr/>
+          <a:lstStyle/>
+          <a:p/>
+        </p:txBody>
+      </p:sp>
+      <p:pic>
+        <p:nvPicPr>
+          <p:cNvPr id="4" name="Picture 3" descr="аналитическая_система.jpg"/>
+          <p:cNvPicPr>
+            <a:picLocks noChangeAspect="1"/>
+          </p:cNvPicPr>
+          <p:nvPr/>
+        </p:nvPicPr>
+        <p:blipFill>
+          <a:blip r:embed="rId2"/>
+          <a:stretch>
+            <a:fillRect/>
+          </a:stretch>
+        </p:blipFill>
+        <p:spPr>
+          <a:xfrm>
+            <a:off x="2743200" y="2286000"/>
+            <a:ext cx="3657600" cy="3657600"/>
+          </a:xfrm>
+          <a:prstGeom prst="rect">
+            <a:avLst/>
+          </a:prstGeom>
+        </p:spPr>
+      </p:pic>
+    </p:spTree>
+  </p:cSld>
+  <p:clrMapOvr>
+    <a:masterClrMapping/>
+  </p:clrMapOvr>
+</p:sld>
+</file>
+
 <file path=ppt/slides/slide54.xml><?xml version="1.0" encoding="utf-8"?>
 <p:sld xmlns:a="http://schemas.openxmlformats.org/drawingml/2006/main" xmlns:p="http://schemas.openxmlformats.org/presentationml/2006/main" xmlns:r="http://schemas.openxmlformats.org/officeDocument/2006/relationships">
   <p:cSld>
@@ -9917,6 +10829,30 @@
           <a:p/>
         </p:txBody>
       </p:sp>
+      <p:pic>
+        <p:nvPicPr>
+          <p:cNvPr id="4" name="Picture 3" descr="проектная_презентация.jpg"/>
+          <p:cNvPicPr>
+            <a:picLocks noChangeAspect="1"/>
+          </p:cNvPicPr>
+          <p:nvPr/>
+        </p:nvPicPr>
+        <p:blipFill>
+          <a:blip r:embed="rId2"/>
+          <a:stretch>
+            <a:fillRect/>
+          </a:stretch>
+        </p:blipFill>
+        <p:spPr>
+          <a:xfrm>
+            <a:off x="2743200" y="2286000"/>
+            <a:ext cx="3657600" cy="3657600"/>
+          </a:xfrm>
+          <a:prstGeom prst="rect">
+            <a:avLst/>
+          </a:prstGeom>
+        </p:spPr>
+      </p:pic>
     </p:spTree>
   </p:cSld>
   <p:clrMapOvr>
@@ -10175,6 +11111,30 @@
           <a:p/>
         </p:txBody>
       </p:sp>
+      <p:pic>
+        <p:nvPicPr>
+          <p:cNvPr id="4" name="Picture 3" descr="проектная_презентация.jpg"/>
+          <p:cNvPicPr>
+            <a:picLocks noChangeAspect="1"/>
+          </p:cNvPicPr>
+          <p:nvPr/>
+        </p:nvPicPr>
+        <p:blipFill>
+          <a:blip r:embed="rId2"/>
+          <a:stretch>
+            <a:fillRect/>
+          </a:stretch>
+        </p:blipFill>
+        <p:spPr>
+          <a:xfrm>
+            <a:off x="2743200" y="2286000"/>
+            <a:ext cx="3657600" cy="3657600"/>
+          </a:xfrm>
+          <a:prstGeom prst="rect">
+            <a:avLst/>
+          </a:prstGeom>
+        </p:spPr>
+      </p:pic>
     </p:spTree>
   </p:cSld>
   <p:clrMapOvr>
@@ -10432,6 +11392,30 @@
           <a:p/>
         </p:txBody>
       </p:sp>
+      <p:pic>
+        <p:nvPicPr>
+          <p:cNvPr id="4" name="Picture 3" descr="проектная_презентация.jpg"/>
+          <p:cNvPicPr>
+            <a:picLocks noChangeAspect="1"/>
+          </p:cNvPicPr>
+          <p:nvPr/>
+        </p:nvPicPr>
+        <p:blipFill>
+          <a:blip r:embed="rId2"/>
+          <a:stretch>
+            <a:fillRect/>
+          </a:stretch>
+        </p:blipFill>
+        <p:spPr>
+          <a:xfrm>
+            <a:off x="2743200" y="2286000"/>
+            <a:ext cx="3657600" cy="3657600"/>
+          </a:xfrm>
+          <a:prstGeom prst="rect">
+            <a:avLst/>
+          </a:prstGeom>
+        </p:spPr>
+      </p:pic>
     </p:spTree>
   </p:cSld>
   <p:clrMapOvr>
@@ -10564,6 +11548,30 @@
           <a:p/>
         </p:txBody>
       </p:sp>
+      <p:pic>
+        <p:nvPicPr>
+          <p:cNvPr id="4" name="Picture 3" descr="проектная_презентация.jpg"/>
+          <p:cNvPicPr>
+            <a:picLocks noChangeAspect="1"/>
+          </p:cNvPicPr>
+          <p:nvPr/>
+        </p:nvPicPr>
+        <p:blipFill>
+          <a:blip r:embed="rId2"/>
+          <a:stretch>
+            <a:fillRect/>
+          </a:stretch>
+        </p:blipFill>
+        <p:spPr>
+          <a:xfrm>
+            <a:off x="2743200" y="2286000"/>
+            <a:ext cx="3657600" cy="3657600"/>
+          </a:xfrm>
+          <a:prstGeom prst="rect">
+            <a:avLst/>
+          </a:prstGeom>
+        </p:spPr>
+      </p:pic>
     </p:spTree>
   </p:cSld>
   <p:clrMapOvr>
@@ -10696,6 +11704,30 @@
           <a:p/>
         </p:txBody>
       </p:sp>
+      <p:pic>
+        <p:nvPicPr>
+          <p:cNvPr id="4" name="Picture 3" descr="проектная_презентация.jpg"/>
+          <p:cNvPicPr>
+            <a:picLocks noChangeAspect="1"/>
+          </p:cNvPicPr>
+          <p:nvPr/>
+        </p:nvPicPr>
+        <p:blipFill>
+          <a:blip r:embed="rId2"/>
+          <a:stretch>
+            <a:fillRect/>
+          </a:stretch>
+        </p:blipFill>
+        <p:spPr>
+          <a:xfrm>
+            <a:off x="2743200" y="2286000"/>
+            <a:ext cx="3657600" cy="3657600"/>
+          </a:xfrm>
+          <a:prstGeom prst="rect">
+            <a:avLst/>
+          </a:prstGeom>
+        </p:spPr>
+      </p:pic>
     </p:spTree>
   </p:cSld>
   <p:clrMapOvr>
@@ -10828,6 +11860,30 @@
           <a:p/>
         </p:txBody>
       </p:sp>
+      <p:pic>
+        <p:nvPicPr>
+          <p:cNvPr id="4" name="Picture 3" descr="проектная_презентация.jpg"/>
+          <p:cNvPicPr>
+            <a:picLocks noChangeAspect="1"/>
+          </p:cNvPicPr>
+          <p:nvPr/>
+        </p:nvPicPr>
+        <p:blipFill>
+          <a:blip r:embed="rId2"/>
+          <a:stretch>
+            <a:fillRect/>
+          </a:stretch>
+        </p:blipFill>
+        <p:spPr>
+          <a:xfrm>
+            <a:off x="2743200" y="2286000"/>
+            <a:ext cx="3657600" cy="3657600"/>
+          </a:xfrm>
+          <a:prstGeom prst="rect">
+            <a:avLst/>
+          </a:prstGeom>
+        </p:spPr>
+      </p:pic>
     </p:spTree>
   </p:cSld>
   <p:clrMapOvr>
@@ -10954,6 +12010,30 @@
           <a:p/>
         </p:txBody>
       </p:sp>
+      <p:pic>
+        <p:nvPicPr>
+          <p:cNvPr id="4" name="Picture 3" descr="проектная_презентация.jpg"/>
+          <p:cNvPicPr>
+            <a:picLocks noChangeAspect="1"/>
+          </p:cNvPicPr>
+          <p:nvPr/>
+        </p:nvPicPr>
+        <p:blipFill>
+          <a:blip r:embed="rId2"/>
+          <a:stretch>
+            <a:fillRect/>
+          </a:stretch>
+        </p:blipFill>
+        <p:spPr>
+          <a:xfrm>
+            <a:off x="2743200" y="2286000"/>
+            <a:ext cx="3657600" cy="3657600"/>
+          </a:xfrm>
+          <a:prstGeom prst="rect">
+            <a:avLst/>
+          </a:prstGeom>
+        </p:spPr>
+      </p:pic>
     </p:spTree>
   </p:cSld>
   <p:clrMapOvr>
@@ -11010,6 +12090,30 @@
           <a:p/>
         </p:txBody>
       </p:sp>
+      <p:pic>
+        <p:nvPicPr>
+          <p:cNvPr id="4" name="Picture 3" descr="проектная_презентация.jpg"/>
+          <p:cNvPicPr>
+            <a:picLocks noChangeAspect="1"/>
+          </p:cNvPicPr>
+          <p:nvPr/>
+        </p:nvPicPr>
+        <p:blipFill>
+          <a:blip r:embed="rId2"/>
+          <a:stretch>
+            <a:fillRect/>
+          </a:stretch>
+        </p:blipFill>
+        <p:spPr>
+          <a:xfrm>
+            <a:off x="2743200" y="2286000"/>
+            <a:ext cx="3657600" cy="3657600"/>
+          </a:xfrm>
+          <a:prstGeom prst="rect">
+            <a:avLst/>
+          </a:prstGeom>
+        </p:spPr>
+      </p:pic>
     </p:spTree>
   </p:cSld>
   <p:clrMapOvr>
@@ -11137,6 +12241,30 @@
           <a:p/>
         </p:txBody>
       </p:sp>
+      <p:pic>
+        <p:nvPicPr>
+          <p:cNvPr id="4" name="Picture 3" descr="проектная_презентация.jpg"/>
+          <p:cNvPicPr>
+            <a:picLocks noChangeAspect="1"/>
+          </p:cNvPicPr>
+          <p:nvPr/>
+        </p:nvPicPr>
+        <p:blipFill>
+          <a:blip r:embed="rId2"/>
+          <a:stretch>
+            <a:fillRect/>
+          </a:stretch>
+        </p:blipFill>
+        <p:spPr>
+          <a:xfrm>
+            <a:off x="2743200" y="2286000"/>
+            <a:ext cx="3657600" cy="3657600"/>
+          </a:xfrm>
+          <a:prstGeom prst="rect">
+            <a:avLst/>
+          </a:prstGeom>
+        </p:spPr>
+      </p:pic>
     </p:spTree>
   </p:cSld>
   <p:clrMapOvr>
@@ -11274,6 +12402,30 @@
           <a:p/>
         </p:txBody>
       </p:sp>
+      <p:pic>
+        <p:nvPicPr>
+          <p:cNvPr id="4" name="Picture 3" descr="проектная_презентация.jpg"/>
+          <p:cNvPicPr>
+            <a:picLocks noChangeAspect="1"/>
+          </p:cNvPicPr>
+          <p:nvPr/>
+        </p:nvPicPr>
+        <p:blipFill>
+          <a:blip r:embed="rId2"/>
+          <a:stretch>
+            <a:fillRect/>
+          </a:stretch>
+        </p:blipFill>
+        <p:spPr>
+          <a:xfrm>
+            <a:off x="2743200" y="2286000"/>
+            <a:ext cx="3657600" cy="3657600"/>
+          </a:xfrm>
+          <a:prstGeom prst="rect">
+            <a:avLst/>
+          </a:prstGeom>
+        </p:spPr>
+      </p:pic>
     </p:spTree>
   </p:cSld>
   <p:clrMapOvr>
@@ -11411,6 +12563,30 @@
           <a:p/>
         </p:txBody>
       </p:sp>
+      <p:pic>
+        <p:nvPicPr>
+          <p:cNvPr id="4" name="Picture 3" descr="проектная_презентация.jpg"/>
+          <p:cNvPicPr>
+            <a:picLocks noChangeAspect="1"/>
+          </p:cNvPicPr>
+          <p:nvPr/>
+        </p:nvPicPr>
+        <p:blipFill>
+          <a:blip r:embed="rId2"/>
+          <a:stretch>
+            <a:fillRect/>
+          </a:stretch>
+        </p:blipFill>
+        <p:spPr>
+          <a:xfrm>
+            <a:off x="2743200" y="2286000"/>
+            <a:ext cx="3657600" cy="3657600"/>
+          </a:xfrm>
+          <a:prstGeom prst="rect">
+            <a:avLst/>
+          </a:prstGeom>
+        </p:spPr>
+      </p:pic>
     </p:spTree>
   </p:cSld>
   <p:clrMapOvr>
@@ -11548,6 +12724,30 @@
           <a:p/>
         </p:txBody>
       </p:sp>
+      <p:pic>
+        <p:nvPicPr>
+          <p:cNvPr id="4" name="Picture 3" descr="проектная_презентация.jpg"/>
+          <p:cNvPicPr>
+            <a:picLocks noChangeAspect="1"/>
+          </p:cNvPicPr>
+          <p:nvPr/>
+        </p:nvPicPr>
+        <p:blipFill>
+          <a:blip r:embed="rId2"/>
+          <a:stretch>
+            <a:fillRect/>
+          </a:stretch>
+        </p:blipFill>
+        <p:spPr>
+          <a:xfrm>
+            <a:off x="2743200" y="2286000"/>
+            <a:ext cx="3657600" cy="3657600"/>
+          </a:xfrm>
+          <a:prstGeom prst="rect">
+            <a:avLst/>
+          </a:prstGeom>
+        </p:spPr>
+      </p:pic>
     </p:spTree>
   </p:cSld>
   <p:clrMapOvr>
@@ -11916,551 +13116,9 @@
           <a:p/>
         </p:txBody>
       </p:sp>
-    </p:spTree>
-  </p:cSld>
-  <p:clrMapOvr>
-    <a:masterClrMapping/>
-  </p:clrMapOvr>
-</p:sld>
-</file>
-
-<file path=ppt/slides/slide82.xml><?xml version="1.0" encoding="utf-8"?>
-<p:sld xmlns:a="http://schemas.openxmlformats.org/drawingml/2006/main" xmlns:p="http://schemas.openxmlformats.org/presentationml/2006/main" xmlns:r="http://schemas.openxmlformats.org/officeDocument/2006/relationships">
-  <p:cSld>
-    <p:spTree>
-      <p:nvGrpSpPr>
-        <p:cNvPr id="1" name=""/>
-        <p:cNvGrpSpPr/>
-        <p:nvPr/>
-      </p:nvGrpSpPr>
-      <p:grpSpPr/>
-      <p:sp>
-        <p:nvSpPr>
-          <p:cNvPr id="2" name="Title 1"/>
-          <p:cNvSpPr>
-            <a:spLocks noGrp="1"/>
-          </p:cNvSpPr>
-          <p:nvPr>
-            <p:ph type="title"/>
-          </p:nvPr>
-        </p:nvSpPr>
-        <p:spPr/>
-        <p:txBody>
-          <a:bodyPr/>
-          <a:lstStyle/>
-          <a:p>
-            <a:r>
-              <a:t>1. Интерактивные карты</a:t>
-            </a:r>
-          </a:p>
-        </p:txBody>
-      </p:sp>
-      <p:sp>
-        <p:nvSpPr>
-          <p:cNvPr id="3" name="Content Placeholder 2"/>
-          <p:cNvSpPr>
-            <a:spLocks noGrp="1"/>
-          </p:cNvSpPr>
-          <p:nvPr>
-            <p:ph idx="1"/>
-          </p:nvPr>
-        </p:nvSpPr>
-        <p:spPr/>
-        <p:txBody>
-          <a:bodyPr/>
-          <a:lstStyle/>
-          <a:p>
-            <a:r>
-              <a:t>* **Карты сражений** — отображение мест ключевых битв с дополнительной информацией</a:t>
-            </a:r>
-          </a:p>
-          <a:p>
-            <a:r>
-              <a:t>  * **Карты территорий** — визуализация границ государств в разные исторические периоды</a:t>
-            </a:r>
-          </a:p>
-          <a:p>
-            <a:r>
-              <a:t>  * **Маршруты экспедиций** — отображение путей исторических путешествий и походов</a:t>
-            </a:r>
-          </a:p>
-          <a:p>
-            <a:r>
-              <a:t>  * **Масштабирование и навигация** — возможность детального изучения карт</a:t>
-            </a:r>
-          </a:p>
-          <a:p/>
-          <a:p>
-            <a:r>
-              <a:t>#</a:t>
-            </a:r>
-          </a:p>
-        </p:txBody>
-      </p:sp>
-    </p:spTree>
-  </p:cSld>
-  <p:clrMapOvr>
-    <a:masterClrMapping/>
-  </p:clrMapOvr>
-</p:sld>
-</file>
-
-<file path=ppt/slides/slide83.xml><?xml version="1.0" encoding="utf-8"?>
-<p:sld xmlns:a="http://schemas.openxmlformats.org/drawingml/2006/main" xmlns:p="http://schemas.openxmlformats.org/presentationml/2006/main" xmlns:r="http://schemas.openxmlformats.org/officeDocument/2006/relationships">
-  <p:cSld>
-    <p:spTree>
-      <p:nvGrpSpPr>
-        <p:cNvPr id="1" name=""/>
-        <p:cNvGrpSpPr/>
-        <p:nvPr/>
-      </p:nvGrpSpPr>
-      <p:grpSpPr/>
-      <p:sp>
-        <p:nvSpPr>
-          <p:cNvPr id="2" name="Title 1"/>
-          <p:cNvSpPr>
-            <a:spLocks noGrp="1"/>
-          </p:cNvSpPr>
-          <p:nvPr>
-            <p:ph type="title"/>
-          </p:nvPr>
-        </p:nvSpPr>
-        <p:spPr/>
-        <p:txBody>
-          <a:bodyPr/>
-          <a:lstStyle/>
-          <a:p>
-            <a:r>
-              <a:t>2. Временные линии</a:t>
-            </a:r>
-          </a:p>
-        </p:txBody>
-      </p:sp>
-      <p:sp>
-        <p:nvSpPr>
-          <p:cNvPr id="3" name="Text Placeholder 2"/>
-          <p:cNvSpPr>
-            <a:spLocks noGrp="1"/>
-          </p:cNvSpPr>
-          <p:nvPr>
-            <p:ph type="body" idx="1"/>
-          </p:nvPr>
-        </p:nvSpPr>
-        <p:spPr/>
-        <p:txBody>
-          <a:bodyPr/>
-          <a:lstStyle/>
-          <a:p/>
-        </p:txBody>
-      </p:sp>
-    </p:spTree>
-  </p:cSld>
-  <p:clrMapOvr>
-    <a:masterClrMapping/>
-  </p:clrMapOvr>
-</p:sld>
-</file>
-
-<file path=ppt/slides/slide84.xml><?xml version="1.0" encoding="utf-8"?>
-<p:sld xmlns:a="http://schemas.openxmlformats.org/drawingml/2006/main" xmlns:p="http://schemas.openxmlformats.org/presentationml/2006/main" xmlns:r="http://schemas.openxmlformats.org/officeDocument/2006/relationships">
-  <p:cSld>
-    <p:spTree>
-      <p:nvGrpSpPr>
-        <p:cNvPr id="1" name=""/>
-        <p:cNvGrpSpPr/>
-        <p:nvPr/>
-      </p:nvGrpSpPr>
-      <p:grpSpPr/>
-      <p:sp>
-        <p:nvSpPr>
-          <p:cNvPr id="2" name="Title 1"/>
-          <p:cNvSpPr>
-            <a:spLocks noGrp="1"/>
-          </p:cNvSpPr>
-          <p:nvPr>
-            <p:ph type="title"/>
-          </p:nvPr>
-        </p:nvSpPr>
-        <p:spPr/>
-        <p:txBody>
-          <a:bodyPr/>
-          <a:lstStyle/>
-          <a:p>
-            <a:r>
-              <a:t>2. Временные линии</a:t>
-            </a:r>
-          </a:p>
-        </p:txBody>
-      </p:sp>
-      <p:sp>
-        <p:nvSpPr>
-          <p:cNvPr id="3" name="Content Placeholder 2"/>
-          <p:cNvSpPr>
-            <a:spLocks noGrp="1"/>
-          </p:cNvSpPr>
-          <p:nvPr>
-            <p:ph idx="1"/>
-          </p:nvPr>
-        </p:nvSpPr>
-        <p:spPr/>
-        <p:txBody>
-          <a:bodyPr/>
-          <a:lstStyle/>
-          <a:p>
-            <a:r>
-              <a:t>* **Хронологические шкалы** — визуализация последовательности исторических событий</a:t>
-            </a:r>
-          </a:p>
-          <a:p>
-            <a:r>
-              <a:t>  * **Параллельные события** — сопоставление событий, происходивших в разных регионах</a:t>
-            </a:r>
-          </a:p>
-          <a:p>
-            <a:r>
-              <a:t>  * **Интерактивные метки** — дополнительная информация о событиях при наведении</a:t>
-            </a:r>
-          </a:p>
-          <a:p>
-            <a:r>
-              <a:t>  * **Фильтрация по периодам** — фокус на конкретных исторических эпохах</a:t>
-            </a:r>
-          </a:p>
-          <a:p/>
-          <a:p>
-            <a:r>
-              <a:t>#</a:t>
-            </a:r>
-          </a:p>
-        </p:txBody>
-      </p:sp>
-    </p:spTree>
-  </p:cSld>
-  <p:clrMapOvr>
-    <a:masterClrMapping/>
-  </p:clrMapOvr>
-</p:sld>
-</file>
-
-<file path=ppt/slides/slide85.xml><?xml version="1.0" encoding="utf-8"?>
-<p:sld xmlns:a="http://schemas.openxmlformats.org/drawingml/2006/main" xmlns:p="http://schemas.openxmlformats.org/presentationml/2006/main" xmlns:r="http://schemas.openxmlformats.org/officeDocument/2006/relationships">
-  <p:cSld>
-    <p:spTree>
-      <p:nvGrpSpPr>
-        <p:cNvPr id="1" name=""/>
-        <p:cNvGrpSpPr/>
-        <p:nvPr/>
-      </p:nvGrpSpPr>
-      <p:grpSpPr/>
-      <p:sp>
-        <p:nvSpPr>
-          <p:cNvPr id="2" name="Title 1"/>
-          <p:cNvSpPr>
-            <a:spLocks noGrp="1"/>
-          </p:cNvSpPr>
-          <p:nvPr>
-            <p:ph type="title"/>
-          </p:nvPr>
-        </p:nvSpPr>
-        <p:spPr/>
-        <p:txBody>
-          <a:bodyPr/>
-          <a:lstStyle/>
-          <a:p>
-            <a:r>
-              <a:t>3. Схемы и диаграммы</a:t>
-            </a:r>
-          </a:p>
-        </p:txBody>
-      </p:sp>
-      <p:sp>
-        <p:nvSpPr>
-          <p:cNvPr id="3" name="Text Placeholder 2"/>
-          <p:cNvSpPr>
-            <a:spLocks noGrp="1"/>
-          </p:cNvSpPr>
-          <p:nvPr>
-            <p:ph type="body" idx="1"/>
-          </p:nvPr>
-        </p:nvSpPr>
-        <p:spPr/>
-        <p:txBody>
-          <a:bodyPr/>
-          <a:lstStyle/>
-          <a:p/>
-        </p:txBody>
-      </p:sp>
-    </p:spTree>
-  </p:cSld>
-  <p:clrMapOvr>
-    <a:masterClrMapping/>
-  </p:clrMapOvr>
-</p:sld>
-</file>
-
-<file path=ppt/slides/slide86.xml><?xml version="1.0" encoding="utf-8"?>
-<p:sld xmlns:a="http://schemas.openxmlformats.org/drawingml/2006/main" xmlns:p="http://schemas.openxmlformats.org/presentationml/2006/main" xmlns:r="http://schemas.openxmlformats.org/officeDocument/2006/relationships">
-  <p:cSld>
-    <p:spTree>
-      <p:nvGrpSpPr>
-        <p:cNvPr id="1" name=""/>
-        <p:cNvGrpSpPr/>
-        <p:nvPr/>
-      </p:nvGrpSpPr>
-      <p:grpSpPr/>
-      <p:sp>
-        <p:nvSpPr>
-          <p:cNvPr id="2" name="Title 1"/>
-          <p:cNvSpPr>
-            <a:spLocks noGrp="1"/>
-          </p:cNvSpPr>
-          <p:nvPr>
-            <p:ph type="title"/>
-          </p:nvPr>
-        </p:nvSpPr>
-        <p:spPr/>
-        <p:txBody>
-          <a:bodyPr/>
-          <a:lstStyle/>
-          <a:p>
-            <a:r>
-              <a:t>3. Схемы и диаграммы</a:t>
-            </a:r>
-          </a:p>
-        </p:txBody>
-      </p:sp>
-      <p:sp>
-        <p:nvSpPr>
-          <p:cNvPr id="3" name="Content Placeholder 2"/>
-          <p:cNvSpPr>
-            <a:spLocks noGrp="1"/>
-          </p:cNvSpPr>
-          <p:nvPr>
-            <p:ph idx="1"/>
-          </p:nvPr>
-        </p:nvSpPr>
-        <p:spPr/>
-        <p:txBody>
-          <a:bodyPr/>
-          <a:lstStyle/>
-          <a:p>
-            <a:r>
-              <a:t>* **Схемы сражений** — визуализация расположения войск и ключевых маневров</a:t>
-            </a:r>
-          </a:p>
-          <a:p>
-            <a:r>
-              <a:t>  * **Генеалогические древа** — отображение династических связей правителей</a:t>
-            </a:r>
-          </a:p>
-          <a:p>
-            <a:r>
-              <a:t>  * **Диаграммы политического устройства** — структура власти в разные эпохи</a:t>
-            </a:r>
-          </a:p>
-          <a:p>
-            <a:r>
-              <a:t>  * **Экономические и демографические графики** — визуализация статистических данных</a:t>
-            </a:r>
-          </a:p>
-          <a:p/>
-          <a:p>
-            <a:r>
-              <a:t>#</a:t>
-            </a:r>
-          </a:p>
-        </p:txBody>
-      </p:sp>
-    </p:spTree>
-  </p:cSld>
-  <p:clrMapOvr>
-    <a:masterClrMapping/>
-  </p:clrMapOvr>
-</p:sld>
-</file>
-
-<file path=ppt/slides/slide87.xml><?xml version="1.0" encoding="utf-8"?>
-<p:sld xmlns:a="http://schemas.openxmlformats.org/drawingml/2006/main" xmlns:p="http://schemas.openxmlformats.org/presentationml/2006/main" xmlns:r="http://schemas.openxmlformats.org/officeDocument/2006/relationships">
-  <p:cSld>
-    <p:spTree>
-      <p:nvGrpSpPr>
-        <p:cNvPr id="1" name=""/>
-        <p:cNvGrpSpPr/>
-        <p:nvPr/>
-      </p:nvGrpSpPr>
-      <p:grpSpPr/>
-      <p:sp>
-        <p:nvSpPr>
-          <p:cNvPr id="2" name="Title 1"/>
-          <p:cNvSpPr>
-            <a:spLocks noGrp="1"/>
-          </p:cNvSpPr>
-          <p:nvPr>
-            <p:ph type="title"/>
-          </p:nvPr>
-        </p:nvSpPr>
-        <p:spPr/>
-        <p:txBody>
-          <a:bodyPr/>
-          <a:lstStyle/>
-          <a:p>
-            <a:r>
-              <a:t>4. Технологическая реализация</a:t>
-            </a:r>
-          </a:p>
-        </p:txBody>
-      </p:sp>
-      <p:sp>
-        <p:nvSpPr>
-          <p:cNvPr id="3" name="Text Placeholder 2"/>
-          <p:cNvSpPr>
-            <a:spLocks noGrp="1"/>
-          </p:cNvSpPr>
-          <p:nvPr>
-            <p:ph type="body" idx="1"/>
-          </p:nvPr>
-        </p:nvSpPr>
-        <p:spPr/>
-        <p:txBody>
-          <a:bodyPr/>
-          <a:lstStyle/>
-          <a:p/>
-        </p:txBody>
-      </p:sp>
-    </p:spTree>
-  </p:cSld>
-  <p:clrMapOvr>
-    <a:masterClrMapping/>
-  </p:clrMapOvr>
-</p:sld>
-</file>
-
-<file path=ppt/slides/slide88.xml><?xml version="1.0" encoding="utf-8"?>
-<p:sld xmlns:a="http://schemas.openxmlformats.org/drawingml/2006/main" xmlns:p="http://schemas.openxmlformats.org/presentationml/2006/main" xmlns:r="http://schemas.openxmlformats.org/officeDocument/2006/relationships">
-  <p:cSld>
-    <p:spTree>
-      <p:nvGrpSpPr>
-        <p:cNvPr id="1" name=""/>
-        <p:cNvGrpSpPr/>
-        <p:nvPr/>
-      </p:nvGrpSpPr>
-      <p:grpSpPr/>
-      <p:sp>
-        <p:nvSpPr>
-          <p:cNvPr id="2" name="Title 1"/>
-          <p:cNvSpPr>
-            <a:spLocks noGrp="1"/>
-          </p:cNvSpPr>
-          <p:nvPr>
-            <p:ph type="title"/>
-          </p:nvPr>
-        </p:nvSpPr>
-        <p:spPr/>
-        <p:txBody>
-          <a:bodyPr/>
-          <a:lstStyle/>
-          <a:p>
-            <a:r>
-              <a:t>4. Технологическая реализация</a:t>
-            </a:r>
-          </a:p>
-        </p:txBody>
-      </p:sp>
-      <p:sp>
-        <p:nvSpPr>
-          <p:cNvPr id="3" name="Content Placeholder 2"/>
-          <p:cNvSpPr>
-            <a:spLocks noGrp="1"/>
-          </p:cNvSpPr>
-          <p:nvPr>
-            <p:ph idx="1"/>
-          </p:nvPr>
-        </p:nvSpPr>
-        <p:spPr/>
-        <p:txBody>
-          <a:bodyPr/>
-          <a:lstStyle/>
-          <a:p>
-            <a:r>
-              <a:t>* **Использование библиотеки folium** — для создания интерактивных карт на основе OpenStreetMap</a:t>
-            </a:r>
-          </a:p>
-          <a:p>
-            <a:r>
-              <a:t>  * **Генерация HTML-файлов** — для сохранения и отображения визуализаций</a:t>
-            </a:r>
-          </a:p>
-          <a:p>
-            <a:r>
-              <a:t>  * **Интеграция исторических данных** — привязка событий к географическим координатам</a:t>
-            </a:r>
-          </a:p>
-          <a:p>
-            <a:r>
-              <a:t>  * **Адаптивный дизайн** — оптимизация для просмотра на различных устройствах</a:t>
-            </a:r>
-          </a:p>
-        </p:txBody>
-      </p:sp>
-    </p:spTree>
-  </p:cSld>
-  <p:clrMapOvr>
-    <a:masterClrMapping/>
-  </p:clrMapOvr>
-</p:sld>
-</file>
-
-<file path=ppt/slides/slide89.xml><?xml version="1.0" encoding="utf-8"?>
-<p:sld xmlns:a="http://schemas.openxmlformats.org/drawingml/2006/main" xmlns:p="http://schemas.openxmlformats.org/presentationml/2006/main" xmlns:r="http://schemas.openxmlformats.org/officeDocument/2006/relationships">
-  <p:cSld>
-    <p:spTree>
-      <p:nvGrpSpPr>
-        <p:cNvPr id="1" name=""/>
-        <p:cNvGrpSpPr/>
-        <p:nvPr/>
-      </p:nvGrpSpPr>
-      <p:grpSpPr/>
-      <p:sp>
-        <p:nvSpPr>
-          <p:cNvPr id="2" name="Title 1"/>
-          <p:cNvSpPr>
-            <a:spLocks noGrp="1"/>
-          </p:cNvSpPr>
-          <p:nvPr>
-            <p:ph type="title"/>
-          </p:nvPr>
-        </p:nvSpPr>
-        <p:spPr/>
-        <p:txBody>
-          <a:bodyPr/>
-          <a:lstStyle/>
-          <a:p>
-            <a:r>
-              <a:t>Аналитическая система</a:t>
-            </a:r>
-          </a:p>
-        </p:txBody>
-      </p:sp>
-      <p:sp>
-        <p:nvSpPr>
-          <p:cNvPr id="3" name="Text Placeholder 2"/>
-          <p:cNvSpPr>
-            <a:spLocks noGrp="1"/>
-          </p:cNvSpPr>
-          <p:nvPr>
-            <p:ph type="body" idx="1"/>
-          </p:nvPr>
-        </p:nvSpPr>
-        <p:spPr/>
-        <p:txBody>
-          <a:bodyPr/>
-          <a:lstStyle/>
-          <a:p/>
-        </p:txBody>
-      </p:sp>
       <p:pic>
         <p:nvPicPr>
-          <p:cNvPr id="4" name="Picture 3" descr="5._аналитическая_система.jpg"/>
+          <p:cNvPr id="4" name="Picture 3" descr="проектная_презентация.jpg"/>
           <p:cNvPicPr>
             <a:picLocks noChangeAspect="1"/>
           </p:cNvPicPr>
@@ -12490,6 +13148,644 @@
 </p:sld>
 </file>
 
+<file path=ppt/slides/slide82.xml><?xml version="1.0" encoding="utf-8"?>
+<p:sld xmlns:a="http://schemas.openxmlformats.org/drawingml/2006/main" xmlns:p="http://schemas.openxmlformats.org/presentationml/2006/main" xmlns:r="http://schemas.openxmlformats.org/officeDocument/2006/relationships">
+  <p:cSld>
+    <p:spTree>
+      <p:nvGrpSpPr>
+        <p:cNvPr id="1" name=""/>
+        <p:cNvGrpSpPr/>
+        <p:nvPr/>
+      </p:nvGrpSpPr>
+      <p:grpSpPr/>
+      <p:sp>
+        <p:nvSpPr>
+          <p:cNvPr id="2" name="Title 1"/>
+          <p:cNvSpPr>
+            <a:spLocks noGrp="1"/>
+          </p:cNvSpPr>
+          <p:nvPr>
+            <p:ph type="title"/>
+          </p:nvPr>
+        </p:nvSpPr>
+        <p:spPr/>
+        <p:txBody>
+          <a:bodyPr/>
+          <a:lstStyle/>
+          <a:p>
+            <a:r>
+              <a:t>1. Интерактивные карты</a:t>
+            </a:r>
+          </a:p>
+        </p:txBody>
+      </p:sp>
+      <p:sp>
+        <p:nvSpPr>
+          <p:cNvPr id="3" name="Content Placeholder 2"/>
+          <p:cNvSpPr>
+            <a:spLocks noGrp="1"/>
+          </p:cNvSpPr>
+          <p:nvPr>
+            <p:ph idx="1"/>
+          </p:nvPr>
+        </p:nvSpPr>
+        <p:spPr/>
+        <p:txBody>
+          <a:bodyPr/>
+          <a:lstStyle/>
+          <a:p>
+            <a:r>
+              <a:t>* **Карты сражений** — отображение мест ключевых битв с дополнительной информацией</a:t>
+            </a:r>
+          </a:p>
+          <a:p>
+            <a:r>
+              <a:t>  * **Карты территорий** — визуализация границ государств в разные исторические периоды</a:t>
+            </a:r>
+          </a:p>
+          <a:p>
+            <a:r>
+              <a:t>  * **Маршруты экспедиций** — отображение путей исторических путешествий и походов</a:t>
+            </a:r>
+          </a:p>
+          <a:p>
+            <a:r>
+              <a:t>  * **Масштабирование и навигация** — возможность детального изучения карт</a:t>
+            </a:r>
+          </a:p>
+          <a:p/>
+          <a:p>
+            <a:r>
+              <a:t>#</a:t>
+            </a:r>
+          </a:p>
+        </p:txBody>
+      </p:sp>
+    </p:spTree>
+  </p:cSld>
+  <p:clrMapOvr>
+    <a:masterClrMapping/>
+  </p:clrMapOvr>
+</p:sld>
+</file>
+
+<file path=ppt/slides/slide83.xml><?xml version="1.0" encoding="utf-8"?>
+<p:sld xmlns:a="http://schemas.openxmlformats.org/drawingml/2006/main" xmlns:p="http://schemas.openxmlformats.org/presentationml/2006/main" xmlns:r="http://schemas.openxmlformats.org/officeDocument/2006/relationships">
+  <p:cSld>
+    <p:spTree>
+      <p:nvGrpSpPr>
+        <p:cNvPr id="1" name=""/>
+        <p:cNvGrpSpPr/>
+        <p:nvPr/>
+      </p:nvGrpSpPr>
+      <p:grpSpPr/>
+      <p:sp>
+        <p:nvSpPr>
+          <p:cNvPr id="2" name="Title 1"/>
+          <p:cNvSpPr>
+            <a:spLocks noGrp="1"/>
+          </p:cNvSpPr>
+          <p:nvPr>
+            <p:ph type="title"/>
+          </p:nvPr>
+        </p:nvSpPr>
+        <p:spPr/>
+        <p:txBody>
+          <a:bodyPr/>
+          <a:lstStyle/>
+          <a:p>
+            <a:r>
+              <a:t>2. Временные линии</a:t>
+            </a:r>
+          </a:p>
+        </p:txBody>
+      </p:sp>
+      <p:sp>
+        <p:nvSpPr>
+          <p:cNvPr id="3" name="Text Placeholder 2"/>
+          <p:cNvSpPr>
+            <a:spLocks noGrp="1"/>
+          </p:cNvSpPr>
+          <p:nvPr>
+            <p:ph type="body" idx="1"/>
+          </p:nvPr>
+        </p:nvSpPr>
+        <p:spPr/>
+        <p:txBody>
+          <a:bodyPr/>
+          <a:lstStyle/>
+          <a:p/>
+        </p:txBody>
+      </p:sp>
+      <p:pic>
+        <p:nvPicPr>
+          <p:cNvPr id="4" name="Picture 3" descr="проектная_презентация.jpg"/>
+          <p:cNvPicPr>
+            <a:picLocks noChangeAspect="1"/>
+          </p:cNvPicPr>
+          <p:nvPr/>
+        </p:nvPicPr>
+        <p:blipFill>
+          <a:blip r:embed="rId2"/>
+          <a:stretch>
+            <a:fillRect/>
+          </a:stretch>
+        </p:blipFill>
+        <p:spPr>
+          <a:xfrm>
+            <a:off x="2743200" y="2286000"/>
+            <a:ext cx="3657600" cy="3657600"/>
+          </a:xfrm>
+          <a:prstGeom prst="rect">
+            <a:avLst/>
+          </a:prstGeom>
+        </p:spPr>
+      </p:pic>
+    </p:spTree>
+  </p:cSld>
+  <p:clrMapOvr>
+    <a:masterClrMapping/>
+  </p:clrMapOvr>
+</p:sld>
+</file>
+
+<file path=ppt/slides/slide84.xml><?xml version="1.0" encoding="utf-8"?>
+<p:sld xmlns:a="http://schemas.openxmlformats.org/drawingml/2006/main" xmlns:p="http://schemas.openxmlformats.org/presentationml/2006/main" xmlns:r="http://schemas.openxmlformats.org/officeDocument/2006/relationships">
+  <p:cSld>
+    <p:spTree>
+      <p:nvGrpSpPr>
+        <p:cNvPr id="1" name=""/>
+        <p:cNvGrpSpPr/>
+        <p:nvPr/>
+      </p:nvGrpSpPr>
+      <p:grpSpPr/>
+      <p:sp>
+        <p:nvSpPr>
+          <p:cNvPr id="2" name="Title 1"/>
+          <p:cNvSpPr>
+            <a:spLocks noGrp="1"/>
+          </p:cNvSpPr>
+          <p:nvPr>
+            <p:ph type="title"/>
+          </p:nvPr>
+        </p:nvSpPr>
+        <p:spPr/>
+        <p:txBody>
+          <a:bodyPr/>
+          <a:lstStyle/>
+          <a:p>
+            <a:r>
+              <a:t>2. Временные линии</a:t>
+            </a:r>
+          </a:p>
+        </p:txBody>
+      </p:sp>
+      <p:sp>
+        <p:nvSpPr>
+          <p:cNvPr id="3" name="Content Placeholder 2"/>
+          <p:cNvSpPr>
+            <a:spLocks noGrp="1"/>
+          </p:cNvSpPr>
+          <p:nvPr>
+            <p:ph idx="1"/>
+          </p:nvPr>
+        </p:nvSpPr>
+        <p:spPr/>
+        <p:txBody>
+          <a:bodyPr/>
+          <a:lstStyle/>
+          <a:p>
+            <a:r>
+              <a:t>* **Хронологические шкалы** — визуализация последовательности исторических событий</a:t>
+            </a:r>
+          </a:p>
+          <a:p>
+            <a:r>
+              <a:t>  * **Параллельные события** — сопоставление событий, происходивших в разных регионах</a:t>
+            </a:r>
+          </a:p>
+          <a:p>
+            <a:r>
+              <a:t>  * **Интерактивные метки** — дополнительная информация о событиях при наведении</a:t>
+            </a:r>
+          </a:p>
+          <a:p>
+            <a:r>
+              <a:t>  * **Фильтрация по периодам** — фокус на конкретных исторических эпохах</a:t>
+            </a:r>
+          </a:p>
+          <a:p/>
+          <a:p>
+            <a:r>
+              <a:t>#</a:t>
+            </a:r>
+          </a:p>
+        </p:txBody>
+      </p:sp>
+    </p:spTree>
+  </p:cSld>
+  <p:clrMapOvr>
+    <a:masterClrMapping/>
+  </p:clrMapOvr>
+</p:sld>
+</file>
+
+<file path=ppt/slides/slide85.xml><?xml version="1.0" encoding="utf-8"?>
+<p:sld xmlns:a="http://schemas.openxmlformats.org/drawingml/2006/main" xmlns:p="http://schemas.openxmlformats.org/presentationml/2006/main" xmlns:r="http://schemas.openxmlformats.org/officeDocument/2006/relationships">
+  <p:cSld>
+    <p:spTree>
+      <p:nvGrpSpPr>
+        <p:cNvPr id="1" name=""/>
+        <p:cNvGrpSpPr/>
+        <p:nvPr/>
+      </p:nvGrpSpPr>
+      <p:grpSpPr/>
+      <p:sp>
+        <p:nvSpPr>
+          <p:cNvPr id="2" name="Title 1"/>
+          <p:cNvSpPr>
+            <a:spLocks noGrp="1"/>
+          </p:cNvSpPr>
+          <p:nvPr>
+            <p:ph type="title"/>
+          </p:nvPr>
+        </p:nvSpPr>
+        <p:spPr/>
+        <p:txBody>
+          <a:bodyPr/>
+          <a:lstStyle/>
+          <a:p>
+            <a:r>
+              <a:t>3. Схемы и диаграммы</a:t>
+            </a:r>
+          </a:p>
+        </p:txBody>
+      </p:sp>
+      <p:sp>
+        <p:nvSpPr>
+          <p:cNvPr id="3" name="Text Placeholder 2"/>
+          <p:cNvSpPr>
+            <a:spLocks noGrp="1"/>
+          </p:cNvSpPr>
+          <p:nvPr>
+            <p:ph type="body" idx="1"/>
+          </p:nvPr>
+        </p:nvSpPr>
+        <p:spPr/>
+        <p:txBody>
+          <a:bodyPr/>
+          <a:lstStyle/>
+          <a:p/>
+        </p:txBody>
+      </p:sp>
+      <p:pic>
+        <p:nvPicPr>
+          <p:cNvPr id="4" name="Picture 3" descr="проектная_презентация.jpg"/>
+          <p:cNvPicPr>
+            <a:picLocks noChangeAspect="1"/>
+          </p:cNvPicPr>
+          <p:nvPr/>
+        </p:nvPicPr>
+        <p:blipFill>
+          <a:blip r:embed="rId2"/>
+          <a:stretch>
+            <a:fillRect/>
+          </a:stretch>
+        </p:blipFill>
+        <p:spPr>
+          <a:xfrm>
+            <a:off x="2743200" y="2286000"/>
+            <a:ext cx="3657600" cy="3657600"/>
+          </a:xfrm>
+          <a:prstGeom prst="rect">
+            <a:avLst/>
+          </a:prstGeom>
+        </p:spPr>
+      </p:pic>
+    </p:spTree>
+  </p:cSld>
+  <p:clrMapOvr>
+    <a:masterClrMapping/>
+  </p:clrMapOvr>
+</p:sld>
+</file>
+
+<file path=ppt/slides/slide86.xml><?xml version="1.0" encoding="utf-8"?>
+<p:sld xmlns:a="http://schemas.openxmlformats.org/drawingml/2006/main" xmlns:p="http://schemas.openxmlformats.org/presentationml/2006/main" xmlns:r="http://schemas.openxmlformats.org/officeDocument/2006/relationships">
+  <p:cSld>
+    <p:spTree>
+      <p:nvGrpSpPr>
+        <p:cNvPr id="1" name=""/>
+        <p:cNvGrpSpPr/>
+        <p:nvPr/>
+      </p:nvGrpSpPr>
+      <p:grpSpPr/>
+      <p:sp>
+        <p:nvSpPr>
+          <p:cNvPr id="2" name="Title 1"/>
+          <p:cNvSpPr>
+            <a:spLocks noGrp="1"/>
+          </p:cNvSpPr>
+          <p:nvPr>
+            <p:ph type="title"/>
+          </p:nvPr>
+        </p:nvSpPr>
+        <p:spPr/>
+        <p:txBody>
+          <a:bodyPr/>
+          <a:lstStyle/>
+          <a:p>
+            <a:r>
+              <a:t>3. Схемы и диаграммы</a:t>
+            </a:r>
+          </a:p>
+        </p:txBody>
+      </p:sp>
+      <p:sp>
+        <p:nvSpPr>
+          <p:cNvPr id="3" name="Content Placeholder 2"/>
+          <p:cNvSpPr>
+            <a:spLocks noGrp="1"/>
+          </p:cNvSpPr>
+          <p:nvPr>
+            <p:ph idx="1"/>
+          </p:nvPr>
+        </p:nvSpPr>
+        <p:spPr/>
+        <p:txBody>
+          <a:bodyPr/>
+          <a:lstStyle/>
+          <a:p>
+            <a:r>
+              <a:t>* **Схемы сражений** — визуализация расположения войск и ключевых маневров</a:t>
+            </a:r>
+          </a:p>
+          <a:p>
+            <a:r>
+              <a:t>  * **Генеалогические древа** — отображение династических связей правителей</a:t>
+            </a:r>
+          </a:p>
+          <a:p>
+            <a:r>
+              <a:t>  * **Диаграммы политического устройства** — структура власти в разные эпохи</a:t>
+            </a:r>
+          </a:p>
+          <a:p>
+            <a:r>
+              <a:t>  * **Экономические и демографические графики** — визуализация статистических данных</a:t>
+            </a:r>
+          </a:p>
+          <a:p/>
+          <a:p>
+            <a:r>
+              <a:t>#</a:t>
+            </a:r>
+          </a:p>
+        </p:txBody>
+      </p:sp>
+    </p:spTree>
+  </p:cSld>
+  <p:clrMapOvr>
+    <a:masterClrMapping/>
+  </p:clrMapOvr>
+</p:sld>
+</file>
+
+<file path=ppt/slides/slide87.xml><?xml version="1.0" encoding="utf-8"?>
+<p:sld xmlns:a="http://schemas.openxmlformats.org/drawingml/2006/main" xmlns:p="http://schemas.openxmlformats.org/presentationml/2006/main" xmlns:r="http://schemas.openxmlformats.org/officeDocument/2006/relationships">
+  <p:cSld>
+    <p:spTree>
+      <p:nvGrpSpPr>
+        <p:cNvPr id="1" name=""/>
+        <p:cNvGrpSpPr/>
+        <p:nvPr/>
+      </p:nvGrpSpPr>
+      <p:grpSpPr/>
+      <p:sp>
+        <p:nvSpPr>
+          <p:cNvPr id="2" name="Title 1"/>
+          <p:cNvSpPr>
+            <a:spLocks noGrp="1"/>
+          </p:cNvSpPr>
+          <p:nvPr>
+            <p:ph type="title"/>
+          </p:nvPr>
+        </p:nvSpPr>
+        <p:spPr/>
+        <p:txBody>
+          <a:bodyPr/>
+          <a:lstStyle/>
+          <a:p>
+            <a:r>
+              <a:t>4. Технологическая реализация</a:t>
+            </a:r>
+          </a:p>
+        </p:txBody>
+      </p:sp>
+      <p:sp>
+        <p:nvSpPr>
+          <p:cNvPr id="3" name="Text Placeholder 2"/>
+          <p:cNvSpPr>
+            <a:spLocks noGrp="1"/>
+          </p:cNvSpPr>
+          <p:nvPr>
+            <p:ph type="body" idx="1"/>
+          </p:nvPr>
+        </p:nvSpPr>
+        <p:spPr/>
+        <p:txBody>
+          <a:bodyPr/>
+          <a:lstStyle/>
+          <a:p/>
+        </p:txBody>
+      </p:sp>
+      <p:pic>
+        <p:nvPicPr>
+          <p:cNvPr id="4" name="Picture 3" descr="проектная_презентация.jpg"/>
+          <p:cNvPicPr>
+            <a:picLocks noChangeAspect="1"/>
+          </p:cNvPicPr>
+          <p:nvPr/>
+        </p:nvPicPr>
+        <p:blipFill>
+          <a:blip r:embed="rId2"/>
+          <a:stretch>
+            <a:fillRect/>
+          </a:stretch>
+        </p:blipFill>
+        <p:spPr>
+          <a:xfrm>
+            <a:off x="2743200" y="2286000"/>
+            <a:ext cx="3657600" cy="3657600"/>
+          </a:xfrm>
+          <a:prstGeom prst="rect">
+            <a:avLst/>
+          </a:prstGeom>
+        </p:spPr>
+      </p:pic>
+    </p:spTree>
+  </p:cSld>
+  <p:clrMapOvr>
+    <a:masterClrMapping/>
+  </p:clrMapOvr>
+</p:sld>
+</file>
+
+<file path=ppt/slides/slide88.xml><?xml version="1.0" encoding="utf-8"?>
+<p:sld xmlns:a="http://schemas.openxmlformats.org/drawingml/2006/main" xmlns:p="http://schemas.openxmlformats.org/presentationml/2006/main" xmlns:r="http://schemas.openxmlformats.org/officeDocument/2006/relationships">
+  <p:cSld>
+    <p:spTree>
+      <p:nvGrpSpPr>
+        <p:cNvPr id="1" name=""/>
+        <p:cNvGrpSpPr/>
+        <p:nvPr/>
+      </p:nvGrpSpPr>
+      <p:grpSpPr/>
+      <p:sp>
+        <p:nvSpPr>
+          <p:cNvPr id="2" name="Title 1"/>
+          <p:cNvSpPr>
+            <a:spLocks noGrp="1"/>
+          </p:cNvSpPr>
+          <p:nvPr>
+            <p:ph type="title"/>
+          </p:nvPr>
+        </p:nvSpPr>
+        <p:spPr/>
+        <p:txBody>
+          <a:bodyPr/>
+          <a:lstStyle/>
+          <a:p>
+            <a:r>
+              <a:t>4. Технологическая реализация</a:t>
+            </a:r>
+          </a:p>
+        </p:txBody>
+      </p:sp>
+      <p:sp>
+        <p:nvSpPr>
+          <p:cNvPr id="3" name="Content Placeholder 2"/>
+          <p:cNvSpPr>
+            <a:spLocks noGrp="1"/>
+          </p:cNvSpPr>
+          <p:nvPr>
+            <p:ph idx="1"/>
+          </p:nvPr>
+        </p:nvSpPr>
+        <p:spPr/>
+        <p:txBody>
+          <a:bodyPr/>
+          <a:lstStyle/>
+          <a:p>
+            <a:r>
+              <a:t>* **Использование библиотеки folium** — для создания интерактивных карт на основе OpenStreetMap</a:t>
+            </a:r>
+          </a:p>
+          <a:p>
+            <a:r>
+              <a:t>  * **Генерация HTML-файлов** — для сохранения и отображения визуализаций</a:t>
+            </a:r>
+          </a:p>
+          <a:p>
+            <a:r>
+              <a:t>  * **Интеграция исторических данных** — привязка событий к географическим координатам</a:t>
+            </a:r>
+          </a:p>
+          <a:p>
+            <a:r>
+              <a:t>  * **Адаптивный дизайн** — оптимизация для просмотра на различных устройствах</a:t>
+            </a:r>
+          </a:p>
+        </p:txBody>
+      </p:sp>
+    </p:spTree>
+  </p:cSld>
+  <p:clrMapOvr>
+    <a:masterClrMapping/>
+  </p:clrMapOvr>
+</p:sld>
+</file>
+
+<file path=ppt/slides/slide89.xml><?xml version="1.0" encoding="utf-8"?>
+<p:sld xmlns:a="http://schemas.openxmlformats.org/drawingml/2006/main" xmlns:p="http://schemas.openxmlformats.org/presentationml/2006/main" xmlns:r="http://schemas.openxmlformats.org/officeDocument/2006/relationships">
+  <p:cSld>
+    <p:spTree>
+      <p:nvGrpSpPr>
+        <p:cNvPr id="1" name=""/>
+        <p:cNvGrpSpPr/>
+        <p:nvPr/>
+      </p:nvGrpSpPr>
+      <p:grpSpPr/>
+      <p:sp>
+        <p:nvSpPr>
+          <p:cNvPr id="2" name="Title 1"/>
+          <p:cNvSpPr>
+            <a:spLocks noGrp="1"/>
+          </p:cNvSpPr>
+          <p:nvPr>
+            <p:ph type="title"/>
+          </p:nvPr>
+        </p:nvSpPr>
+        <p:spPr/>
+        <p:txBody>
+          <a:bodyPr/>
+          <a:lstStyle/>
+          <a:p>
+            <a:r>
+              <a:t>Аналитическая система</a:t>
+            </a:r>
+          </a:p>
+        </p:txBody>
+      </p:sp>
+      <p:sp>
+        <p:nvSpPr>
+          <p:cNvPr id="3" name="Text Placeholder 2"/>
+          <p:cNvSpPr>
+            <a:spLocks noGrp="1"/>
+          </p:cNvSpPr>
+          <p:nvPr>
+            <p:ph type="body" idx="1"/>
+          </p:nvPr>
+        </p:nvSpPr>
+        <p:spPr/>
+        <p:txBody>
+          <a:bodyPr/>
+          <a:lstStyle/>
+          <a:p/>
+        </p:txBody>
+      </p:sp>
+      <p:pic>
+        <p:nvPicPr>
+          <p:cNvPr id="4" name="Picture 3" descr="аналитическая_система.jpg"/>
+          <p:cNvPicPr>
+            <a:picLocks noChangeAspect="1"/>
+          </p:cNvPicPr>
+          <p:nvPr/>
+        </p:nvPicPr>
+        <p:blipFill>
+          <a:blip r:embed="rId2"/>
+          <a:stretch>
+            <a:fillRect/>
+          </a:stretch>
+        </p:blipFill>
+        <p:spPr>
+          <a:xfrm>
+            <a:off x="2743200" y="2286000"/>
+            <a:ext cx="3657600" cy="3657600"/>
+          </a:xfrm>
+          <a:prstGeom prst="rect">
+            <a:avLst/>
+          </a:prstGeom>
+        </p:spPr>
+      </p:pic>
+    </p:spTree>
+  </p:cSld>
+  <p:clrMapOvr>
+    <a:masterClrMapping/>
+  </p:clrMapOvr>
+</p:sld>
+</file>
+
 <file path=ppt/slides/slide9.xml><?xml version="1.0" encoding="utf-8"?>
 <p:sld xmlns:a="http://schemas.openxmlformats.org/drawingml/2006/main" xmlns:p="http://schemas.openxmlformats.org/presentationml/2006/main" xmlns:r="http://schemas.openxmlformats.org/officeDocument/2006/relationships">
   <p:cSld>
@@ -12665,6 +13961,30 @@
           <a:p/>
         </p:txBody>
       </p:sp>
+      <p:pic>
+        <p:nvPicPr>
+          <p:cNvPr id="4" name="Picture 3" descr="проектная_презентация.jpg"/>
+          <p:cNvPicPr>
+            <a:picLocks noChangeAspect="1"/>
+          </p:cNvPicPr>
+          <p:nvPr/>
+        </p:nvPicPr>
+        <p:blipFill>
+          <a:blip r:embed="rId2"/>
+          <a:stretch>
+            <a:fillRect/>
+          </a:stretch>
+        </p:blipFill>
+        <p:spPr>
+          <a:xfrm>
+            <a:off x="2743200" y="2286000"/>
+            <a:ext cx="3657600" cy="3657600"/>
+          </a:xfrm>
+          <a:prstGeom prst="rect">
+            <a:avLst/>
+          </a:prstGeom>
+        </p:spPr>
+      </p:pic>
     </p:spTree>
   </p:cSld>
   <p:clrMapOvr>
@@ -12802,6 +14122,30 @@
           <a:p/>
         </p:txBody>
       </p:sp>
+      <p:pic>
+        <p:nvPicPr>
+          <p:cNvPr id="4" name="Picture 3" descr="проектная_презентация.jpg"/>
+          <p:cNvPicPr>
+            <a:picLocks noChangeAspect="1"/>
+          </p:cNvPicPr>
+          <p:nvPr/>
+        </p:nvPicPr>
+        <p:blipFill>
+          <a:blip r:embed="rId2"/>
+          <a:stretch>
+            <a:fillRect/>
+          </a:stretch>
+        </p:blipFill>
+        <p:spPr>
+          <a:xfrm>
+            <a:off x="2743200" y="2286000"/>
+            <a:ext cx="3657600" cy="3657600"/>
+          </a:xfrm>
+          <a:prstGeom prst="rect">
+            <a:avLst/>
+          </a:prstGeom>
+        </p:spPr>
+      </p:pic>
     </p:spTree>
   </p:cSld>
   <p:clrMapOvr>
@@ -12939,6 +14283,30 @@
           <a:p/>
         </p:txBody>
       </p:sp>
+      <p:pic>
+        <p:nvPicPr>
+          <p:cNvPr id="4" name="Picture 3" descr="проектная_презентация.jpg"/>
+          <p:cNvPicPr>
+            <a:picLocks noChangeAspect="1"/>
+          </p:cNvPicPr>
+          <p:nvPr/>
+        </p:nvPicPr>
+        <p:blipFill>
+          <a:blip r:embed="rId2"/>
+          <a:stretch>
+            <a:fillRect/>
+          </a:stretch>
+        </p:blipFill>
+        <p:spPr>
+          <a:xfrm>
+            <a:off x="2743200" y="2286000"/>
+            <a:ext cx="3657600" cy="3657600"/>
+          </a:xfrm>
+          <a:prstGeom prst="rect">
+            <a:avLst/>
+          </a:prstGeom>
+        </p:spPr>
+      </p:pic>
     </p:spTree>
   </p:cSld>
   <p:clrMapOvr>
@@ -13076,6 +14444,30 @@
           <a:p/>
         </p:txBody>
       </p:sp>
+      <p:pic>
+        <p:nvPicPr>
+          <p:cNvPr id="4" name="Picture 3" descr="проектная_презентация.jpg"/>
+          <p:cNvPicPr>
+            <a:picLocks noChangeAspect="1"/>
+          </p:cNvPicPr>
+          <p:nvPr/>
+        </p:nvPicPr>
+        <p:blipFill>
+          <a:blip r:embed="rId2"/>
+          <a:stretch>
+            <a:fillRect/>
+          </a:stretch>
+        </p:blipFill>
+        <p:spPr>
+          <a:xfrm>
+            <a:off x="2743200" y="2286000"/>
+            <a:ext cx="3657600" cy="3657600"/>
+          </a:xfrm>
+          <a:prstGeom prst="rect">
+            <a:avLst/>
+          </a:prstGeom>
+        </p:spPr>
+      </p:pic>
     </p:spTree>
   </p:cSld>
   <p:clrMapOvr>
@@ -13207,6 +14599,30 @@
           <a:p/>
         </p:txBody>
       </p:sp>
+      <p:pic>
+        <p:nvPicPr>
+          <p:cNvPr id="4" name="Picture 3" descr="проектная_презентация.jpg"/>
+          <p:cNvPicPr>
+            <a:picLocks noChangeAspect="1"/>
+          </p:cNvPicPr>
+          <p:nvPr/>
+        </p:nvPicPr>
+        <p:blipFill>
+          <a:blip r:embed="rId2"/>
+          <a:stretch>
+            <a:fillRect/>
+          </a:stretch>
+        </p:blipFill>
+        <p:spPr>
+          <a:xfrm>
+            <a:off x="2743200" y="2286000"/>
+            <a:ext cx="3657600" cy="3657600"/>
+          </a:xfrm>
+          <a:prstGeom prst="rect">
+            <a:avLst/>
+          </a:prstGeom>
+        </p:spPr>
+      </p:pic>
     </p:spTree>
   </p:cSld>
   <p:clrMapOvr>
